--- a/Design Patterns/Bridge Design Pattern.pptx
+++ b/Design Patterns/Bridge Design Pattern.pptx
@@ -4,6 +4,9 @@
   <p:sldMasterIdLst>
     <p:sldMasterId id="2147483648" r:id="rId1"/>
   </p:sldMasterIdLst>
+  <p:notesMasterIdLst>
+    <p:notesMasterId r:id="rId5"/>
+  </p:notesMasterIdLst>
   <p:sldIdLst>
     <p:sldId id="256" r:id="rId2"/>
     <p:sldId id="257" r:id="rId3"/>
@@ -106,7 +109,451 @@
       </a:defRPr>
     </a:lvl9pPr>
   </p:defaultTextStyle>
+  <p:extLst>
+    <p:ext uri="{EFAFB233-063F-42B5-8137-9DF3F51BA10A}">
+      <p15:sldGuideLst xmlns:p15="http://schemas.microsoft.com/office/powerpoint/2012/main"/>
+    </p:ext>
+  </p:extLst>
 </p:presentation>
+</file>
+
+<file path=ppt/notesMasters/notesMaster1.xml><?xml version="1.0" encoding="utf-8"?>
+<p:notesMaster xmlns:a="http://schemas.openxmlformats.org/drawingml/2006/main" xmlns:r="http://schemas.openxmlformats.org/officeDocument/2006/relationships" xmlns:p="http://schemas.openxmlformats.org/presentationml/2006/main">
+  <p:cSld>
+    <p:bg>
+      <p:bgRef idx="1001">
+        <a:schemeClr val="bg1"/>
+      </p:bgRef>
+    </p:bg>
+    <p:spTree>
+      <p:nvGrpSpPr>
+        <p:cNvPr id="1" name=""/>
+        <p:cNvGrpSpPr/>
+        <p:nvPr/>
+      </p:nvGrpSpPr>
+      <p:grpSpPr>
+        <a:xfrm>
+          <a:off x="0" y="0"/>
+          <a:ext cx="0" cy="0"/>
+          <a:chOff x="0" y="0"/>
+          <a:chExt cx="0" cy="0"/>
+        </a:xfrm>
+      </p:grpSpPr>
+      <p:sp>
+        <p:nvSpPr>
+          <p:cNvPr id="2" name="Header Placeholder 1"/>
+          <p:cNvSpPr>
+            <a:spLocks noGrp="1"/>
+          </p:cNvSpPr>
+          <p:nvPr>
+            <p:ph type="hdr" sz="quarter"/>
+          </p:nvPr>
+        </p:nvSpPr>
+        <p:spPr>
+          <a:xfrm>
+            <a:off x="0" y="0"/>
+            <a:ext cx="2971800" cy="458788"/>
+          </a:xfrm>
+          <a:prstGeom prst="rect">
+            <a:avLst/>
+          </a:prstGeom>
+        </p:spPr>
+        <p:txBody>
+          <a:bodyPr vert="horz" lIns="91440" tIns="45720" rIns="91440" bIns="45720" rtlCol="0"/>
+          <a:lstStyle>
+            <a:lvl1pPr algn="l">
+              <a:defRPr sz="1200"/>
+            </a:lvl1pPr>
+          </a:lstStyle>
+          <a:p>
+            <a:endParaRPr lang="en-US"/>
+          </a:p>
+        </p:txBody>
+      </p:sp>
+      <p:sp>
+        <p:nvSpPr>
+          <p:cNvPr id="3" name="Date Placeholder 2"/>
+          <p:cNvSpPr>
+            <a:spLocks noGrp="1"/>
+          </p:cNvSpPr>
+          <p:nvPr>
+            <p:ph type="dt" idx="1"/>
+          </p:nvPr>
+        </p:nvSpPr>
+        <p:spPr>
+          <a:xfrm>
+            <a:off x="3884613" y="0"/>
+            <a:ext cx="2971800" cy="458788"/>
+          </a:xfrm>
+          <a:prstGeom prst="rect">
+            <a:avLst/>
+          </a:prstGeom>
+        </p:spPr>
+        <p:txBody>
+          <a:bodyPr vert="horz" lIns="91440" tIns="45720" rIns="91440" bIns="45720" rtlCol="0"/>
+          <a:lstStyle>
+            <a:lvl1pPr algn="r">
+              <a:defRPr sz="1200"/>
+            </a:lvl1pPr>
+          </a:lstStyle>
+          <a:p>
+            <a:fld id="{D9223263-2300-4AC1-BB7E-FFDBA5CF77B2}" type="datetimeFigureOut">
+              <a:rPr lang="en-US" smtClean="0"/>
+              <a:t>4/25/2019</a:t>
+            </a:fld>
+            <a:endParaRPr lang="en-US"/>
+          </a:p>
+        </p:txBody>
+      </p:sp>
+      <p:sp>
+        <p:nvSpPr>
+          <p:cNvPr id="4" name="Slide Image Placeholder 3"/>
+          <p:cNvSpPr>
+            <a:spLocks noGrp="1" noRot="1" noChangeAspect="1"/>
+          </p:cNvSpPr>
+          <p:nvPr>
+            <p:ph type="sldImg" idx="2"/>
+          </p:nvPr>
+        </p:nvSpPr>
+        <p:spPr>
+          <a:xfrm>
+            <a:off x="685800" y="1143000"/>
+            <a:ext cx="5486400" cy="3086100"/>
+          </a:xfrm>
+          <a:prstGeom prst="rect">
+            <a:avLst/>
+          </a:prstGeom>
+          <a:noFill/>
+          <a:ln w="12700">
+            <a:solidFill>
+              <a:prstClr val="black"/>
+            </a:solidFill>
+          </a:ln>
+        </p:spPr>
+        <p:txBody>
+          <a:bodyPr vert="horz" lIns="91440" tIns="45720" rIns="91440" bIns="45720" rtlCol="0" anchor="ctr"/>
+          <a:lstStyle/>
+          <a:p>
+            <a:endParaRPr lang="en-US"/>
+          </a:p>
+        </p:txBody>
+      </p:sp>
+      <p:sp>
+        <p:nvSpPr>
+          <p:cNvPr id="5" name="Notes Placeholder 4"/>
+          <p:cNvSpPr>
+            <a:spLocks noGrp="1"/>
+          </p:cNvSpPr>
+          <p:nvPr>
+            <p:ph type="body" sz="quarter" idx="3"/>
+          </p:nvPr>
+        </p:nvSpPr>
+        <p:spPr>
+          <a:xfrm>
+            <a:off x="685800" y="4400550"/>
+            <a:ext cx="5486400" cy="3600450"/>
+          </a:xfrm>
+          <a:prstGeom prst="rect">
+            <a:avLst/>
+          </a:prstGeom>
+        </p:spPr>
+        <p:txBody>
+          <a:bodyPr vert="horz" lIns="91440" tIns="45720" rIns="91440" bIns="45720" rtlCol="0"/>
+          <a:lstStyle/>
+          <a:p>
+            <a:pPr lvl="0"/>
+            <a:r>
+              <a:rPr lang="en-US"/>
+              <a:t>Edit Master text styles</a:t>
+            </a:r>
+          </a:p>
+          <a:p>
+            <a:pPr lvl="1"/>
+            <a:r>
+              <a:rPr lang="en-US"/>
+              <a:t>Second level</a:t>
+            </a:r>
+          </a:p>
+          <a:p>
+            <a:pPr lvl="2"/>
+            <a:r>
+              <a:rPr lang="en-US"/>
+              <a:t>Third level</a:t>
+            </a:r>
+          </a:p>
+          <a:p>
+            <a:pPr lvl="3"/>
+            <a:r>
+              <a:rPr lang="en-US"/>
+              <a:t>Fourth level</a:t>
+            </a:r>
+          </a:p>
+          <a:p>
+            <a:pPr lvl="4"/>
+            <a:r>
+              <a:rPr lang="en-US"/>
+              <a:t>Fifth level</a:t>
+            </a:r>
+          </a:p>
+        </p:txBody>
+      </p:sp>
+      <p:sp>
+        <p:nvSpPr>
+          <p:cNvPr id="6" name="Footer Placeholder 5"/>
+          <p:cNvSpPr>
+            <a:spLocks noGrp="1"/>
+          </p:cNvSpPr>
+          <p:nvPr>
+            <p:ph type="ftr" sz="quarter" idx="4"/>
+          </p:nvPr>
+        </p:nvSpPr>
+        <p:spPr>
+          <a:xfrm>
+            <a:off x="0" y="8685213"/>
+            <a:ext cx="2971800" cy="458787"/>
+          </a:xfrm>
+          <a:prstGeom prst="rect">
+            <a:avLst/>
+          </a:prstGeom>
+        </p:spPr>
+        <p:txBody>
+          <a:bodyPr vert="horz" lIns="91440" tIns="45720" rIns="91440" bIns="45720" rtlCol="0" anchor="b"/>
+          <a:lstStyle>
+            <a:lvl1pPr algn="l">
+              <a:defRPr sz="1200"/>
+            </a:lvl1pPr>
+          </a:lstStyle>
+          <a:p>
+            <a:endParaRPr lang="en-US"/>
+          </a:p>
+        </p:txBody>
+      </p:sp>
+      <p:sp>
+        <p:nvSpPr>
+          <p:cNvPr id="7" name="Slide Number Placeholder 6"/>
+          <p:cNvSpPr>
+            <a:spLocks noGrp="1"/>
+          </p:cNvSpPr>
+          <p:nvPr>
+            <p:ph type="sldNum" sz="quarter" idx="5"/>
+          </p:nvPr>
+        </p:nvSpPr>
+        <p:spPr>
+          <a:xfrm>
+            <a:off x="3884613" y="8685213"/>
+            <a:ext cx="2971800" cy="458787"/>
+          </a:xfrm>
+          <a:prstGeom prst="rect">
+            <a:avLst/>
+          </a:prstGeom>
+        </p:spPr>
+        <p:txBody>
+          <a:bodyPr vert="horz" lIns="91440" tIns="45720" rIns="91440" bIns="45720" rtlCol="0" anchor="b"/>
+          <a:lstStyle>
+            <a:lvl1pPr algn="r">
+              <a:defRPr sz="1200"/>
+            </a:lvl1pPr>
+          </a:lstStyle>
+          <a:p>
+            <a:fld id="{0187D12A-64D4-4043-8A6B-E859BF4A2B12}" type="slidenum">
+              <a:rPr lang="en-US" smtClean="0"/>
+              <a:t>‹#›</a:t>
+            </a:fld>
+            <a:endParaRPr lang="en-US"/>
+          </a:p>
+        </p:txBody>
+      </p:sp>
+    </p:spTree>
+    <p:extLst>
+      <p:ext uri="{BB962C8B-B14F-4D97-AF65-F5344CB8AC3E}">
+        <p14:creationId xmlns:p14="http://schemas.microsoft.com/office/powerpoint/2010/main" val="3914118002"/>
+      </p:ext>
+    </p:extLst>
+  </p:cSld>
+  <p:clrMap bg1="lt1" tx1="dk1" bg2="lt2" tx2="dk2" accent1="accent1" accent2="accent2" accent3="accent3" accent4="accent4" accent5="accent5" accent6="accent6" hlink="hlink" folHlink="folHlink"/>
+  <p:notesStyle>
+    <a:lvl1pPr marL="0" algn="l" defTabSz="914400" rtl="0" eaLnBrk="1" latinLnBrk="0" hangingPunct="1">
+      <a:defRPr sz="1200" kern="1200">
+        <a:solidFill>
+          <a:schemeClr val="tx1"/>
+        </a:solidFill>
+        <a:latin typeface="+mn-lt"/>
+        <a:ea typeface="+mn-ea"/>
+        <a:cs typeface="+mn-cs"/>
+      </a:defRPr>
+    </a:lvl1pPr>
+    <a:lvl2pPr marL="457200" algn="l" defTabSz="914400" rtl="0" eaLnBrk="1" latinLnBrk="0" hangingPunct="1">
+      <a:defRPr sz="1200" kern="1200">
+        <a:solidFill>
+          <a:schemeClr val="tx1"/>
+        </a:solidFill>
+        <a:latin typeface="+mn-lt"/>
+        <a:ea typeface="+mn-ea"/>
+        <a:cs typeface="+mn-cs"/>
+      </a:defRPr>
+    </a:lvl2pPr>
+    <a:lvl3pPr marL="914400" algn="l" defTabSz="914400" rtl="0" eaLnBrk="1" latinLnBrk="0" hangingPunct="1">
+      <a:defRPr sz="1200" kern="1200">
+        <a:solidFill>
+          <a:schemeClr val="tx1"/>
+        </a:solidFill>
+        <a:latin typeface="+mn-lt"/>
+        <a:ea typeface="+mn-ea"/>
+        <a:cs typeface="+mn-cs"/>
+      </a:defRPr>
+    </a:lvl3pPr>
+    <a:lvl4pPr marL="1371600" algn="l" defTabSz="914400" rtl="0" eaLnBrk="1" latinLnBrk="0" hangingPunct="1">
+      <a:defRPr sz="1200" kern="1200">
+        <a:solidFill>
+          <a:schemeClr val="tx1"/>
+        </a:solidFill>
+        <a:latin typeface="+mn-lt"/>
+        <a:ea typeface="+mn-ea"/>
+        <a:cs typeface="+mn-cs"/>
+      </a:defRPr>
+    </a:lvl4pPr>
+    <a:lvl5pPr marL="1828800" algn="l" defTabSz="914400" rtl="0" eaLnBrk="1" latinLnBrk="0" hangingPunct="1">
+      <a:defRPr sz="1200" kern="1200">
+        <a:solidFill>
+          <a:schemeClr val="tx1"/>
+        </a:solidFill>
+        <a:latin typeface="+mn-lt"/>
+        <a:ea typeface="+mn-ea"/>
+        <a:cs typeface="+mn-cs"/>
+      </a:defRPr>
+    </a:lvl5pPr>
+    <a:lvl6pPr marL="2286000" algn="l" defTabSz="914400" rtl="0" eaLnBrk="1" latinLnBrk="0" hangingPunct="1">
+      <a:defRPr sz="1200" kern="1200">
+        <a:solidFill>
+          <a:schemeClr val="tx1"/>
+        </a:solidFill>
+        <a:latin typeface="+mn-lt"/>
+        <a:ea typeface="+mn-ea"/>
+        <a:cs typeface="+mn-cs"/>
+      </a:defRPr>
+    </a:lvl6pPr>
+    <a:lvl7pPr marL="2743200" algn="l" defTabSz="914400" rtl="0" eaLnBrk="1" latinLnBrk="0" hangingPunct="1">
+      <a:defRPr sz="1200" kern="1200">
+        <a:solidFill>
+          <a:schemeClr val="tx1"/>
+        </a:solidFill>
+        <a:latin typeface="+mn-lt"/>
+        <a:ea typeface="+mn-ea"/>
+        <a:cs typeface="+mn-cs"/>
+      </a:defRPr>
+    </a:lvl7pPr>
+    <a:lvl8pPr marL="3200400" algn="l" defTabSz="914400" rtl="0" eaLnBrk="1" latinLnBrk="0" hangingPunct="1">
+      <a:defRPr sz="1200" kern="1200">
+        <a:solidFill>
+          <a:schemeClr val="tx1"/>
+        </a:solidFill>
+        <a:latin typeface="+mn-lt"/>
+        <a:ea typeface="+mn-ea"/>
+        <a:cs typeface="+mn-cs"/>
+      </a:defRPr>
+    </a:lvl8pPr>
+    <a:lvl9pPr marL="3657600" algn="l" defTabSz="914400" rtl="0" eaLnBrk="1" latinLnBrk="0" hangingPunct="1">
+      <a:defRPr sz="1200" kern="1200">
+        <a:solidFill>
+          <a:schemeClr val="tx1"/>
+        </a:solidFill>
+        <a:latin typeface="+mn-lt"/>
+        <a:ea typeface="+mn-ea"/>
+        <a:cs typeface="+mn-cs"/>
+      </a:defRPr>
+    </a:lvl9pPr>
+  </p:notesStyle>
+</p:notesMaster>
+</file>
+
+<file path=ppt/notesSlides/notesSlide1.xml><?xml version="1.0" encoding="utf-8"?>
+<p:notes xmlns:a="http://schemas.openxmlformats.org/drawingml/2006/main" xmlns:r="http://schemas.openxmlformats.org/officeDocument/2006/relationships" xmlns:p="http://schemas.openxmlformats.org/presentationml/2006/main">
+  <p:cSld>
+    <p:spTree>
+      <p:nvGrpSpPr>
+        <p:cNvPr id="1" name=""/>
+        <p:cNvGrpSpPr/>
+        <p:nvPr/>
+      </p:nvGrpSpPr>
+      <p:grpSpPr>
+        <a:xfrm>
+          <a:off x="0" y="0"/>
+          <a:ext cx="0" cy="0"/>
+          <a:chOff x="0" y="0"/>
+          <a:chExt cx="0" cy="0"/>
+        </a:xfrm>
+      </p:grpSpPr>
+      <p:sp>
+        <p:nvSpPr>
+          <p:cNvPr id="2" name="Slide Image Placeholder 1"/>
+          <p:cNvSpPr>
+            <a:spLocks noGrp="1" noRot="1" noChangeAspect="1"/>
+          </p:cNvSpPr>
+          <p:nvPr>
+            <p:ph type="sldImg"/>
+          </p:nvPr>
+        </p:nvSpPr>
+        <p:spPr/>
+      </p:sp>
+      <p:sp>
+        <p:nvSpPr>
+          <p:cNvPr id="3" name="Notes Placeholder 2"/>
+          <p:cNvSpPr>
+            <a:spLocks noGrp="1"/>
+          </p:cNvSpPr>
+          <p:nvPr>
+            <p:ph type="body" idx="1"/>
+          </p:nvPr>
+        </p:nvSpPr>
+        <p:spPr/>
+        <p:txBody>
+          <a:bodyPr/>
+          <a:lstStyle/>
+          <a:p>
+            <a:r>
+              <a:rPr lang="en-US">
+                <a:hlinkClick r:id="rId3"/>
+              </a:rPr>
+              <a:t>https://www.youtube.com/watch?v=9jIgSsIfh_8</a:t>
+            </a:r>
+            <a:endParaRPr lang="en-US"/>
+          </a:p>
+        </p:txBody>
+      </p:sp>
+      <p:sp>
+        <p:nvSpPr>
+          <p:cNvPr id="4" name="Slide Number Placeholder 3"/>
+          <p:cNvSpPr>
+            <a:spLocks noGrp="1"/>
+          </p:cNvSpPr>
+          <p:nvPr>
+            <p:ph type="sldNum" sz="quarter" idx="5"/>
+          </p:nvPr>
+        </p:nvSpPr>
+        <p:spPr/>
+        <p:txBody>
+          <a:bodyPr/>
+          <a:lstStyle/>
+          <a:p>
+            <a:fld id="{0187D12A-64D4-4043-8A6B-E859BF4A2B12}" type="slidenum">
+              <a:rPr lang="en-US" smtClean="0"/>
+              <a:t>2</a:t>
+            </a:fld>
+            <a:endParaRPr lang="en-US"/>
+          </a:p>
+        </p:txBody>
+      </p:sp>
+    </p:spTree>
+    <p:extLst>
+      <p:ext uri="{BB962C8B-B14F-4D97-AF65-F5344CB8AC3E}">
+        <p14:creationId xmlns:p14="http://schemas.microsoft.com/office/powerpoint/2010/main" val="3164694390"/>
+      </p:ext>
+    </p:extLst>
+  </p:cSld>
+  <p:clrMapOvr>
+    <a:masterClrMapping/>
+  </p:clrMapOvr>
+</p:notes>
 </file>
 
 <file path=ppt/slideLayouts/slideLayout1.xml><?xml version="1.0" encoding="utf-8"?>
@@ -166,7 +613,7 @@
           <a:noFill/>
           <a:extLst>
             <a:ext uri="{909E8E84-426E-40dd-AFC4-6F175D3DCCD1}">
-              <a14:hiddenFill xmlns:a14="http://schemas.microsoft.com/office/drawing/2010/main" xmlns="">
+              <a14:hiddenFill xmlns="" xmlns:a14="http://schemas.microsoft.com/office/drawing/2010/main">
                 <a:solidFill>
                   <a:srgbClr val="FFFFFF"/>
                 </a:solidFill>
@@ -225,7 +672,7 @@
             </a:ln>
             <a:extLst>
               <a:ext uri="{91240B29-F687-4f45-9708-019B960494DF}">
-                <a14:hiddenLine xmlns:a14="http://schemas.microsoft.com/office/drawing/2010/main" xmlns="" w="9525">
+                <a14:hiddenLine xmlns="" xmlns:a14="http://schemas.microsoft.com/office/drawing/2010/main" w="9525">
                   <a:solidFill>
                     <a:srgbClr val="000000"/>
                   </a:solidFill>
@@ -315,7 +762,7 @@
             </a:ln>
             <a:extLst>
               <a:ext uri="{91240B29-F687-4f45-9708-019B960494DF}">
-                <a14:hiddenLine xmlns:a14="http://schemas.microsoft.com/office/drawing/2010/main" xmlns="" w="9525">
+                <a14:hiddenLine xmlns="" xmlns:a14="http://schemas.microsoft.com/office/drawing/2010/main" w="9525">
                   <a:solidFill>
                     <a:srgbClr val="000000"/>
                   </a:solidFill>
@@ -405,7 +852,7 @@
             </a:ln>
             <a:extLst>
               <a:ext uri="{91240B29-F687-4f45-9708-019B960494DF}">
-                <a14:hiddenLine xmlns:a14="http://schemas.microsoft.com/office/drawing/2010/main" xmlns="" w="9525">
+                <a14:hiddenLine xmlns="" xmlns:a14="http://schemas.microsoft.com/office/drawing/2010/main" w="9525">
                   <a:solidFill>
                     <a:srgbClr val="000000"/>
                   </a:solidFill>
@@ -439,7 +886,7 @@
             </a:ln>
             <a:extLst>
               <a:ext uri="{91240B29-F687-4f45-9708-019B960494DF}">
-                <a14:hiddenLine xmlns:a14="http://schemas.microsoft.com/office/drawing/2010/main" xmlns="" w="9525">
+                <a14:hiddenLine xmlns="" xmlns:a14="http://schemas.microsoft.com/office/drawing/2010/main" w="9525">
                   <a:solidFill>
                     <a:srgbClr val="000000"/>
                   </a:solidFill>
@@ -529,7 +976,7 @@
             </a:ln>
             <a:extLst>
               <a:ext uri="{91240B29-F687-4f45-9708-019B960494DF}">
-                <a14:hiddenLine xmlns:a14="http://schemas.microsoft.com/office/drawing/2010/main" xmlns="" w="9525">
+                <a14:hiddenLine xmlns="" xmlns:a14="http://schemas.microsoft.com/office/drawing/2010/main" w="9525">
                   <a:solidFill>
                     <a:srgbClr val="000000"/>
                   </a:solidFill>
@@ -591,7 +1038,7 @@
             </a:ln>
             <a:extLst>
               <a:ext uri="{91240B29-F687-4f45-9708-019B960494DF}">
-                <a14:hiddenLine xmlns:a14="http://schemas.microsoft.com/office/drawing/2010/main" xmlns="" w="9525">
+                <a14:hiddenLine xmlns="" xmlns:a14="http://schemas.microsoft.com/office/drawing/2010/main" w="9525">
                   <a:solidFill>
                     <a:srgbClr val="000000"/>
                   </a:solidFill>
@@ -653,7 +1100,7 @@
             </a:ln>
             <a:extLst>
               <a:ext uri="{91240B29-F687-4f45-9708-019B960494DF}">
-                <a14:hiddenLine xmlns:a14="http://schemas.microsoft.com/office/drawing/2010/main" xmlns="" w="9525">
+                <a14:hiddenLine xmlns="" xmlns:a14="http://schemas.microsoft.com/office/drawing/2010/main" w="9525">
                   <a:solidFill>
                     <a:srgbClr val="000000"/>
                   </a:solidFill>
@@ -743,7 +1190,7 @@
             </a:ln>
             <a:extLst>
               <a:ext uri="{91240B29-F687-4f45-9708-019B960494DF}">
-                <a14:hiddenLine xmlns:a14="http://schemas.microsoft.com/office/drawing/2010/main" xmlns="" w="9525">
+                <a14:hiddenLine xmlns="" xmlns:a14="http://schemas.microsoft.com/office/drawing/2010/main" w="9525">
                   <a:solidFill>
                     <a:srgbClr val="000000"/>
                   </a:solidFill>
@@ -805,7 +1252,7 @@
             </a:ln>
             <a:extLst>
               <a:ext uri="{91240B29-F687-4f45-9708-019B960494DF}">
-                <a14:hiddenLine xmlns:a14="http://schemas.microsoft.com/office/drawing/2010/main" xmlns="" w="9525">
+                <a14:hiddenLine xmlns="" xmlns:a14="http://schemas.microsoft.com/office/drawing/2010/main" w="9525">
                   <a:solidFill>
                     <a:srgbClr val="000000"/>
                   </a:solidFill>
@@ -867,7 +1314,7 @@
             </a:ln>
             <a:extLst>
               <a:ext uri="{91240B29-F687-4f45-9708-019B960494DF}">
-                <a14:hiddenLine xmlns:a14="http://schemas.microsoft.com/office/drawing/2010/main" xmlns="" w="9525">
+                <a14:hiddenLine xmlns="" xmlns:a14="http://schemas.microsoft.com/office/drawing/2010/main" w="9525">
                   <a:solidFill>
                     <a:srgbClr val="000000"/>
                   </a:solidFill>
@@ -957,7 +1404,7 @@
             </a:ln>
             <a:extLst>
               <a:ext uri="{91240B29-F687-4f45-9708-019B960494DF}">
-                <a14:hiddenLine xmlns:a14="http://schemas.microsoft.com/office/drawing/2010/main" xmlns="" w="9525">
+                <a14:hiddenLine xmlns="" xmlns:a14="http://schemas.microsoft.com/office/drawing/2010/main" w="9525">
                   <a:solidFill>
                     <a:srgbClr val="000000"/>
                   </a:solidFill>
@@ -1047,7 +1494,7 @@
             </a:ln>
             <a:extLst>
               <a:ext uri="{91240B29-F687-4f45-9708-019B960494DF}">
-                <a14:hiddenLine xmlns:a14="http://schemas.microsoft.com/office/drawing/2010/main" xmlns="" w="9525">
+                <a14:hiddenLine xmlns="" xmlns:a14="http://schemas.microsoft.com/office/drawing/2010/main" w="9525">
                   <a:solidFill>
                     <a:srgbClr val="000000"/>
                   </a:solidFill>
@@ -1109,7 +1556,7 @@
             </a:ln>
             <a:extLst>
               <a:ext uri="{91240B29-F687-4f45-9708-019B960494DF}">
-                <a14:hiddenLine xmlns:a14="http://schemas.microsoft.com/office/drawing/2010/main" xmlns="" w="9525">
+                <a14:hiddenLine xmlns="" xmlns:a14="http://schemas.microsoft.com/office/drawing/2010/main" w="9525">
                   <a:solidFill>
                     <a:srgbClr val="000000"/>
                   </a:solidFill>
@@ -1219,7 +1666,7 @@
             </a:ln>
             <a:extLst>
               <a:ext uri="{91240B29-F687-4f45-9708-019B960494DF}">
-                <a14:hiddenLine xmlns:a14="http://schemas.microsoft.com/office/drawing/2010/main" xmlns="" w="9525">
+                <a14:hiddenLine xmlns="" xmlns:a14="http://schemas.microsoft.com/office/drawing/2010/main" w="9525">
                   <a:solidFill>
                     <a:srgbClr val="000000"/>
                   </a:solidFill>
@@ -1281,7 +1728,7 @@
             </a:ln>
             <a:extLst>
               <a:ext uri="{91240B29-F687-4f45-9708-019B960494DF}">
-                <a14:hiddenLine xmlns:a14="http://schemas.microsoft.com/office/drawing/2010/main" xmlns="" w="9525">
+                <a14:hiddenLine xmlns="" xmlns:a14="http://schemas.microsoft.com/office/drawing/2010/main" w="9525">
                   <a:solidFill>
                     <a:srgbClr val="000000"/>
                   </a:solidFill>
@@ -1371,7 +1818,7 @@
             </a:ln>
             <a:extLst>
               <a:ext uri="{91240B29-F687-4f45-9708-019B960494DF}">
-                <a14:hiddenLine xmlns:a14="http://schemas.microsoft.com/office/drawing/2010/main" xmlns="" w="9525">
+                <a14:hiddenLine xmlns="" xmlns:a14="http://schemas.microsoft.com/office/drawing/2010/main" w="9525">
                   <a:solidFill>
                     <a:srgbClr val="000000"/>
                   </a:solidFill>
@@ -1461,7 +1908,7 @@
             </a:ln>
             <a:extLst>
               <a:ext uri="{91240B29-F687-4f45-9708-019B960494DF}">
-                <a14:hiddenLine xmlns:a14="http://schemas.microsoft.com/office/drawing/2010/main" xmlns="" w="9525">
+                <a14:hiddenLine xmlns="" xmlns:a14="http://schemas.microsoft.com/office/drawing/2010/main" w="9525">
                   <a:solidFill>
                     <a:srgbClr val="000000"/>
                   </a:solidFill>
@@ -1523,7 +1970,7 @@
             </a:ln>
             <a:extLst>
               <a:ext uri="{91240B29-F687-4f45-9708-019B960494DF}">
-                <a14:hiddenLine xmlns:a14="http://schemas.microsoft.com/office/drawing/2010/main" xmlns="" w="9525">
+                <a14:hiddenLine xmlns="" xmlns:a14="http://schemas.microsoft.com/office/drawing/2010/main" w="9525">
                   <a:solidFill>
                     <a:srgbClr val="000000"/>
                   </a:solidFill>
@@ -1613,7 +2060,7 @@
             </a:ln>
             <a:extLst>
               <a:ext uri="{91240B29-F687-4f45-9708-019B960494DF}">
-                <a14:hiddenLine xmlns:a14="http://schemas.microsoft.com/office/drawing/2010/main" xmlns="" w="9525">
+                <a14:hiddenLine xmlns="" xmlns:a14="http://schemas.microsoft.com/office/drawing/2010/main" w="9525">
                   <a:solidFill>
                     <a:srgbClr val="000000"/>
                   </a:solidFill>
@@ -1703,7 +2150,7 @@
             </a:ln>
             <a:extLst>
               <a:ext uri="{91240B29-F687-4f45-9708-019B960494DF}">
-                <a14:hiddenLine xmlns:a14="http://schemas.microsoft.com/office/drawing/2010/main" xmlns="" w="9525">
+                <a14:hiddenLine xmlns="" xmlns:a14="http://schemas.microsoft.com/office/drawing/2010/main" w="9525">
                   <a:solidFill>
                     <a:srgbClr val="000000"/>
                   </a:solidFill>
@@ -1759,7 +2206,7 @@
             </a:ln>
             <a:extLst>
               <a:ext uri="{91240B29-F687-4f45-9708-019B960494DF}">
-                <a14:hiddenLine xmlns:a14="http://schemas.microsoft.com/office/drawing/2010/main" xmlns="" w="9525">
+                <a14:hiddenLine xmlns="" xmlns:a14="http://schemas.microsoft.com/office/drawing/2010/main" w="9525">
                   <a:solidFill>
                     <a:srgbClr val="000000"/>
                   </a:solidFill>
@@ -1849,7 +2296,7 @@
             </a:ln>
             <a:extLst>
               <a:ext uri="{91240B29-F687-4f45-9708-019B960494DF}">
-                <a14:hiddenLine xmlns:a14="http://schemas.microsoft.com/office/drawing/2010/main" xmlns="" w="9525">
+                <a14:hiddenLine xmlns="" xmlns:a14="http://schemas.microsoft.com/office/drawing/2010/main" w="9525">
                   <a:solidFill>
                     <a:srgbClr val="000000"/>
                   </a:solidFill>
@@ -1905,7 +2352,7 @@
             </a:ln>
             <a:extLst>
               <a:ext uri="{91240B29-F687-4f45-9708-019B960494DF}">
-                <a14:hiddenLine xmlns:a14="http://schemas.microsoft.com/office/drawing/2010/main" xmlns="" w="9525">
+                <a14:hiddenLine xmlns="" xmlns:a14="http://schemas.microsoft.com/office/drawing/2010/main" w="9525">
                   <a:solidFill>
                     <a:srgbClr val="000000"/>
                   </a:solidFill>
@@ -1995,7 +2442,7 @@
             </a:ln>
             <a:extLst>
               <a:ext uri="{91240B29-F687-4f45-9708-019B960494DF}">
-                <a14:hiddenLine xmlns:a14="http://schemas.microsoft.com/office/drawing/2010/main" xmlns="" w="9525">
+                <a14:hiddenLine xmlns="" xmlns:a14="http://schemas.microsoft.com/office/drawing/2010/main" w="9525">
                   <a:solidFill>
                     <a:srgbClr val="000000"/>
                   </a:solidFill>
@@ -2063,7 +2510,7 @@
             </a:ln>
             <a:extLst>
               <a:ext uri="{91240B29-F687-4f45-9708-019B960494DF}">
-                <a14:hiddenLine xmlns:a14="http://schemas.microsoft.com/office/drawing/2010/main" xmlns="" w="9525">
+                <a14:hiddenLine xmlns="" xmlns:a14="http://schemas.microsoft.com/office/drawing/2010/main" w="9525">
                   <a:solidFill>
                     <a:srgbClr val="000000"/>
                   </a:solidFill>
@@ -2153,7 +2600,7 @@
             </a:ln>
             <a:extLst>
               <a:ext uri="{91240B29-F687-4f45-9708-019B960494DF}">
-                <a14:hiddenLine xmlns:a14="http://schemas.microsoft.com/office/drawing/2010/main" xmlns="" w="9525">
+                <a14:hiddenLine xmlns="" xmlns:a14="http://schemas.microsoft.com/office/drawing/2010/main" w="9525">
                   <a:solidFill>
                     <a:srgbClr val="000000"/>
                   </a:solidFill>
@@ -2221,7 +2668,7 @@
             </a:ln>
             <a:extLst>
               <a:ext uri="{91240B29-F687-4f45-9708-019B960494DF}">
-                <a14:hiddenLine xmlns:a14="http://schemas.microsoft.com/office/drawing/2010/main" xmlns="" w="9525">
+                <a14:hiddenLine xmlns="" xmlns:a14="http://schemas.microsoft.com/office/drawing/2010/main" w="9525">
                   <a:solidFill>
                     <a:srgbClr val="000000"/>
                   </a:solidFill>
@@ -2311,7 +2758,7 @@
             </a:ln>
             <a:extLst>
               <a:ext uri="{91240B29-F687-4f45-9708-019B960494DF}">
-                <a14:hiddenLine xmlns:a14="http://schemas.microsoft.com/office/drawing/2010/main" xmlns="" w="9525">
+                <a14:hiddenLine xmlns="" xmlns:a14="http://schemas.microsoft.com/office/drawing/2010/main" w="9525">
                   <a:solidFill>
                     <a:srgbClr val="000000"/>
                   </a:solidFill>
@@ -2345,7 +2792,7 @@
             </a:ln>
             <a:extLst>
               <a:ext uri="{91240B29-F687-4f45-9708-019B960494DF}">
-                <a14:hiddenLine xmlns:a14="http://schemas.microsoft.com/office/drawing/2010/main" xmlns="" w="9525">
+                <a14:hiddenLine xmlns="" xmlns:a14="http://schemas.microsoft.com/office/drawing/2010/main" w="9525">
                   <a:solidFill>
                     <a:srgbClr val="000000"/>
                   </a:solidFill>
@@ -2435,7 +2882,7 @@
             </a:ln>
             <a:extLst>
               <a:ext uri="{91240B29-F687-4f45-9708-019B960494DF}">
-                <a14:hiddenLine xmlns:a14="http://schemas.microsoft.com/office/drawing/2010/main" xmlns="" w="9525">
+                <a14:hiddenLine xmlns="" xmlns:a14="http://schemas.microsoft.com/office/drawing/2010/main" w="9525">
                   <a:solidFill>
                     <a:srgbClr val="000000"/>
                   </a:solidFill>
@@ -2497,7 +2944,7 @@
             </a:ln>
             <a:extLst>
               <a:ext uri="{91240B29-F687-4f45-9708-019B960494DF}">
-                <a14:hiddenLine xmlns:a14="http://schemas.microsoft.com/office/drawing/2010/main" xmlns="" w="9525">
+                <a14:hiddenLine xmlns="" xmlns:a14="http://schemas.microsoft.com/office/drawing/2010/main" w="9525">
                   <a:solidFill>
                     <a:srgbClr val="000000"/>
                   </a:solidFill>
@@ -2559,7 +3006,7 @@
             </a:ln>
             <a:extLst>
               <a:ext uri="{91240B29-F687-4f45-9708-019B960494DF}">
-                <a14:hiddenLine xmlns:a14="http://schemas.microsoft.com/office/drawing/2010/main" xmlns="" w="9525">
+                <a14:hiddenLine xmlns="" xmlns:a14="http://schemas.microsoft.com/office/drawing/2010/main" w="9525">
                   <a:solidFill>
                     <a:srgbClr val="000000"/>
                   </a:solidFill>
@@ -2649,7 +3096,7 @@
             </a:ln>
             <a:extLst>
               <a:ext uri="{91240B29-F687-4f45-9708-019B960494DF}">
-                <a14:hiddenLine xmlns:a14="http://schemas.microsoft.com/office/drawing/2010/main" xmlns="" w="9525">
+                <a14:hiddenLine xmlns="" xmlns:a14="http://schemas.microsoft.com/office/drawing/2010/main" w="9525">
                   <a:solidFill>
                     <a:srgbClr val="000000"/>
                   </a:solidFill>
@@ -2717,7 +3164,7 @@
             </a:ln>
             <a:extLst>
               <a:ext uri="{91240B29-F687-4f45-9708-019B960494DF}">
-                <a14:hiddenLine xmlns:a14="http://schemas.microsoft.com/office/drawing/2010/main" xmlns="" w="9525">
+                <a14:hiddenLine xmlns="" xmlns:a14="http://schemas.microsoft.com/office/drawing/2010/main" w="9525">
                   <a:solidFill>
                     <a:srgbClr val="000000"/>
                   </a:solidFill>
@@ -2779,7 +3226,7 @@
             </a:ln>
             <a:extLst>
               <a:ext uri="{91240B29-F687-4f45-9708-019B960494DF}">
-                <a14:hiddenLine xmlns:a14="http://schemas.microsoft.com/office/drawing/2010/main" xmlns="" w="9525">
+                <a14:hiddenLine xmlns="" xmlns:a14="http://schemas.microsoft.com/office/drawing/2010/main" w="9525">
                   <a:solidFill>
                     <a:srgbClr val="000000"/>
                   </a:solidFill>
@@ -2869,7 +3316,7 @@
             </a:ln>
             <a:extLst>
               <a:ext uri="{91240B29-F687-4f45-9708-019B960494DF}">
-                <a14:hiddenLine xmlns:a14="http://schemas.microsoft.com/office/drawing/2010/main" xmlns="" w="9525">
+                <a14:hiddenLine xmlns="" xmlns:a14="http://schemas.microsoft.com/office/drawing/2010/main" w="9525">
                   <a:solidFill>
                     <a:srgbClr val="000000"/>
                   </a:solidFill>
@@ -2931,7 +3378,7 @@
             </a:ln>
             <a:extLst>
               <a:ext uri="{91240B29-F687-4f45-9708-019B960494DF}">
-                <a14:hiddenLine xmlns:a14="http://schemas.microsoft.com/office/drawing/2010/main" xmlns="" w="9525">
+                <a14:hiddenLine xmlns="" xmlns:a14="http://schemas.microsoft.com/office/drawing/2010/main" w="9525">
                   <a:solidFill>
                     <a:srgbClr val="000000"/>
                   </a:solidFill>
@@ -3021,7 +3468,7 @@
             </a:ln>
             <a:extLst>
               <a:ext uri="{91240B29-F687-4f45-9708-019B960494DF}">
-                <a14:hiddenLine xmlns:a14="http://schemas.microsoft.com/office/drawing/2010/main" xmlns="" w="9525">
+                <a14:hiddenLine xmlns="" xmlns:a14="http://schemas.microsoft.com/office/drawing/2010/main" w="9525">
                   <a:solidFill>
                     <a:srgbClr val="000000"/>
                   </a:solidFill>
@@ -3083,7 +3530,7 @@
             </a:ln>
             <a:extLst>
               <a:ext uri="{91240B29-F687-4f45-9708-019B960494DF}">
-                <a14:hiddenLine xmlns:a14="http://schemas.microsoft.com/office/drawing/2010/main" xmlns="" w="9525">
+                <a14:hiddenLine xmlns="" xmlns:a14="http://schemas.microsoft.com/office/drawing/2010/main" w="9525">
                   <a:solidFill>
                     <a:srgbClr val="000000"/>
                   </a:solidFill>
@@ -3173,7 +3620,7 @@
             </a:ln>
             <a:extLst>
               <a:ext uri="{91240B29-F687-4f45-9708-019B960494DF}">
-                <a14:hiddenLine xmlns:a14="http://schemas.microsoft.com/office/drawing/2010/main" xmlns="" w="9525">
+                <a14:hiddenLine xmlns="" xmlns:a14="http://schemas.microsoft.com/office/drawing/2010/main" w="9525">
                   <a:solidFill>
                     <a:srgbClr val="000000"/>
                   </a:solidFill>
@@ -3207,7 +3654,7 @@
             </a:ln>
             <a:extLst>
               <a:ext uri="{91240B29-F687-4f45-9708-019B960494DF}">
-                <a14:hiddenLine xmlns:a14="http://schemas.microsoft.com/office/drawing/2010/main" xmlns="" w="9525">
+                <a14:hiddenLine xmlns="" xmlns:a14="http://schemas.microsoft.com/office/drawing/2010/main" w="9525">
                   <a:solidFill>
                     <a:srgbClr val="000000"/>
                   </a:solidFill>
@@ -3272,7 +3719,7 @@
             </a:ln>
             <a:extLst>
               <a:ext uri="{91240B29-F687-4f45-9708-019B960494DF}">
-                <a14:hiddenLine xmlns:a14="http://schemas.microsoft.com/office/drawing/2010/main" xmlns="" w="9525">
+                <a14:hiddenLine xmlns="" xmlns:a14="http://schemas.microsoft.com/office/drawing/2010/main" w="9525">
                   <a:solidFill>
                     <a:srgbClr val="000000"/>
                   </a:solidFill>
@@ -3362,7 +3809,7 @@
             </a:ln>
             <a:extLst>
               <a:ext uri="{91240B29-F687-4f45-9708-019B960494DF}">
-                <a14:hiddenLine xmlns:a14="http://schemas.microsoft.com/office/drawing/2010/main" xmlns="" w="9525">
+                <a14:hiddenLine xmlns="" xmlns:a14="http://schemas.microsoft.com/office/drawing/2010/main" w="9525">
                   <a:solidFill>
                     <a:srgbClr val="000000"/>
                   </a:solidFill>
@@ -3424,7 +3871,7 @@
             </a:ln>
             <a:extLst>
               <a:ext uri="{91240B29-F687-4f45-9708-019B960494DF}">
-                <a14:hiddenLine xmlns:a14="http://schemas.microsoft.com/office/drawing/2010/main" xmlns="" w="9525">
+                <a14:hiddenLine xmlns="" xmlns:a14="http://schemas.microsoft.com/office/drawing/2010/main" w="9525">
                   <a:solidFill>
                     <a:srgbClr val="000000"/>
                   </a:solidFill>
@@ -3514,7 +3961,7 @@
             </a:ln>
             <a:extLst>
               <a:ext uri="{91240B29-F687-4f45-9708-019B960494DF}">
-                <a14:hiddenLine xmlns:a14="http://schemas.microsoft.com/office/drawing/2010/main" xmlns="" w="9525">
+                <a14:hiddenLine xmlns="" xmlns:a14="http://schemas.microsoft.com/office/drawing/2010/main" w="9525">
                   <a:solidFill>
                     <a:srgbClr val="000000"/>
                   </a:solidFill>
@@ -3604,7 +4051,7 @@
             </a:ln>
             <a:extLst>
               <a:ext uri="{91240B29-F687-4f45-9708-019B960494DF}">
-                <a14:hiddenLine xmlns:a14="http://schemas.microsoft.com/office/drawing/2010/main" xmlns="" w="9525">
+                <a14:hiddenLine xmlns="" xmlns:a14="http://schemas.microsoft.com/office/drawing/2010/main" w="9525">
                   <a:solidFill>
                     <a:srgbClr val="000000"/>
                   </a:solidFill>
@@ -3669,7 +4116,7 @@
             </a:ln>
             <a:extLst>
               <a:ext uri="{91240B29-F687-4f45-9708-019B960494DF}">
-                <a14:hiddenLine xmlns:a14="http://schemas.microsoft.com/office/drawing/2010/main" xmlns="" w="9525">
+                <a14:hiddenLine xmlns="" xmlns:a14="http://schemas.microsoft.com/office/drawing/2010/main" w="9525">
                   <a:solidFill>
                     <a:srgbClr val="000000"/>
                   </a:solidFill>
@@ -3731,7 +4178,7 @@
             </a:ln>
             <a:extLst>
               <a:ext uri="{91240B29-F687-4f45-9708-019B960494DF}">
-                <a14:hiddenLine xmlns:a14="http://schemas.microsoft.com/office/drawing/2010/main" xmlns="" w="9525">
+                <a14:hiddenLine xmlns="" xmlns:a14="http://schemas.microsoft.com/office/drawing/2010/main" w="9525">
                   <a:solidFill>
                     <a:srgbClr val="000000"/>
                   </a:solidFill>
@@ -3821,7 +4268,7 @@
             </a:ln>
             <a:extLst>
               <a:ext uri="{91240B29-F687-4f45-9708-019B960494DF}">
-                <a14:hiddenLine xmlns:a14="http://schemas.microsoft.com/office/drawing/2010/main" xmlns="" w="9525">
+                <a14:hiddenLine xmlns="" xmlns:a14="http://schemas.microsoft.com/office/drawing/2010/main" w="9525">
                   <a:solidFill>
                     <a:srgbClr val="000000"/>
                   </a:solidFill>
@@ -3911,7 +4358,7 @@
             </a:ln>
             <a:extLst>
               <a:ext uri="{91240B29-F687-4f45-9708-019B960494DF}">
-                <a14:hiddenLine xmlns:a14="http://schemas.microsoft.com/office/drawing/2010/main" xmlns="" w="9525">
+                <a14:hiddenLine xmlns="" xmlns:a14="http://schemas.microsoft.com/office/drawing/2010/main" w="9525">
                   <a:solidFill>
                     <a:srgbClr val="000000"/>
                   </a:solidFill>
@@ -3973,7 +4420,7 @@
             </a:ln>
             <a:extLst>
               <a:ext uri="{91240B29-F687-4f45-9708-019B960494DF}">
-                <a14:hiddenLine xmlns:a14="http://schemas.microsoft.com/office/drawing/2010/main" xmlns="" w="9525">
+                <a14:hiddenLine xmlns="" xmlns:a14="http://schemas.microsoft.com/office/drawing/2010/main" w="9525">
                   <a:solidFill>
                     <a:srgbClr val="000000"/>
                   </a:solidFill>
@@ -4093,7 +4540,7 @@
             </a:ln>
             <a:extLst>
               <a:ext uri="{91240B29-F687-4f45-9708-019B960494DF}">
-                <a14:hiddenLine xmlns:a14="http://schemas.microsoft.com/office/drawing/2010/main" xmlns="" w="9525">
+                <a14:hiddenLine xmlns="" xmlns:a14="http://schemas.microsoft.com/office/drawing/2010/main" w="9525">
                   <a:solidFill>
                     <a:srgbClr val="000000"/>
                   </a:solidFill>
@@ -4161,7 +4608,7 @@
             </a:ln>
             <a:extLst>
               <a:ext uri="{91240B29-F687-4f45-9708-019B960494DF}">
-                <a14:hiddenLine xmlns:a14="http://schemas.microsoft.com/office/drawing/2010/main" xmlns="" w="9525">
+                <a14:hiddenLine xmlns="" xmlns:a14="http://schemas.microsoft.com/office/drawing/2010/main" w="9525">
                   <a:solidFill>
                     <a:srgbClr val="000000"/>
                   </a:solidFill>
@@ -4251,7 +4698,7 @@
             </a:ln>
             <a:extLst>
               <a:ext uri="{91240B29-F687-4f45-9708-019B960494DF}">
-                <a14:hiddenLine xmlns:a14="http://schemas.microsoft.com/office/drawing/2010/main" xmlns="" w="9525">
+                <a14:hiddenLine xmlns="" xmlns:a14="http://schemas.microsoft.com/office/drawing/2010/main" w="9525">
                   <a:solidFill>
                     <a:srgbClr val="000000"/>
                   </a:solidFill>
@@ -8980,7 +9427,7 @@
           <a:noFill/>
           <a:extLst>
             <a:ext uri="{909E8E84-426E-40dd-AFC4-6F175D3DCCD1}">
-              <a14:hiddenFill xmlns:a14="http://schemas.microsoft.com/office/drawing/2010/main" xmlns="">
+              <a14:hiddenFill xmlns="" xmlns:a14="http://schemas.microsoft.com/office/drawing/2010/main">
                 <a:solidFill>
                   <a:srgbClr val="FFFFFF"/>
                 </a:solidFill>
@@ -9054,7 +9501,7 @@
               </a:ln>
               <a:extLst>
                 <a:ext uri="{91240B29-F687-4f45-9708-019B960494DF}">
-                  <a14:hiddenLine xmlns:a14="http://schemas.microsoft.com/office/drawing/2010/main" xmlns="" w="9525">
+                  <a14:hiddenLine xmlns="" xmlns:a14="http://schemas.microsoft.com/office/drawing/2010/main" w="9525">
                     <a:solidFill>
                       <a:srgbClr val="000000"/>
                     </a:solidFill>
@@ -9144,7 +9591,7 @@
               </a:ln>
               <a:extLst>
                 <a:ext uri="{91240B29-F687-4f45-9708-019B960494DF}">
-                  <a14:hiddenLine xmlns:a14="http://schemas.microsoft.com/office/drawing/2010/main" xmlns="" w="9525">
+                  <a14:hiddenLine xmlns="" xmlns:a14="http://schemas.microsoft.com/office/drawing/2010/main" w="9525">
                     <a:solidFill>
                       <a:srgbClr val="000000"/>
                     </a:solidFill>
@@ -9234,7 +9681,7 @@
               </a:ln>
               <a:extLst>
                 <a:ext uri="{91240B29-F687-4f45-9708-019B960494DF}">
-                  <a14:hiddenLine xmlns:a14="http://schemas.microsoft.com/office/drawing/2010/main" xmlns="" w="9525">
+                  <a14:hiddenLine xmlns="" xmlns:a14="http://schemas.microsoft.com/office/drawing/2010/main" w="9525">
                     <a:solidFill>
                       <a:srgbClr val="000000"/>
                     </a:solidFill>
@@ -9296,7 +9743,7 @@
               </a:ln>
               <a:extLst>
                 <a:ext uri="{91240B29-F687-4f45-9708-019B960494DF}">
-                  <a14:hiddenLine xmlns:a14="http://schemas.microsoft.com/office/drawing/2010/main" xmlns="" w="9525">
+                  <a14:hiddenLine xmlns="" xmlns:a14="http://schemas.microsoft.com/office/drawing/2010/main" w="9525">
                     <a:solidFill>
                       <a:srgbClr val="000000"/>
                     </a:solidFill>
@@ -9386,7 +9833,7 @@
               </a:ln>
               <a:extLst>
                 <a:ext uri="{91240B29-F687-4f45-9708-019B960494DF}">
-                  <a14:hiddenLine xmlns:a14="http://schemas.microsoft.com/office/drawing/2010/main" xmlns="" w="9525">
+                  <a14:hiddenLine xmlns="" xmlns:a14="http://schemas.microsoft.com/office/drawing/2010/main" w="9525">
                     <a:solidFill>
                       <a:srgbClr val="000000"/>
                     </a:solidFill>
@@ -9448,7 +9895,7 @@
               </a:ln>
               <a:extLst>
                 <a:ext uri="{91240B29-F687-4f45-9708-019B960494DF}">
-                  <a14:hiddenLine xmlns:a14="http://schemas.microsoft.com/office/drawing/2010/main" xmlns="" w="9525">
+                  <a14:hiddenLine xmlns="" xmlns:a14="http://schemas.microsoft.com/office/drawing/2010/main" w="9525">
                     <a:solidFill>
                       <a:srgbClr val="000000"/>
                     </a:solidFill>
@@ -9510,7 +9957,7 @@
               </a:ln>
               <a:extLst>
                 <a:ext uri="{91240B29-F687-4f45-9708-019B960494DF}">
-                  <a14:hiddenLine xmlns:a14="http://schemas.microsoft.com/office/drawing/2010/main" xmlns="" w="9525">
+                  <a14:hiddenLine xmlns="" xmlns:a14="http://schemas.microsoft.com/office/drawing/2010/main" w="9525">
                     <a:solidFill>
                       <a:srgbClr val="000000"/>
                     </a:solidFill>
@@ -9600,7 +10047,7 @@
               </a:ln>
               <a:extLst>
                 <a:ext uri="{91240B29-F687-4f45-9708-019B960494DF}">
-                  <a14:hiddenLine xmlns:a14="http://schemas.microsoft.com/office/drawing/2010/main" xmlns="" w="9525">
+                  <a14:hiddenLine xmlns="" xmlns:a14="http://schemas.microsoft.com/office/drawing/2010/main" w="9525">
                     <a:solidFill>
                       <a:srgbClr val="000000"/>
                     </a:solidFill>
@@ -9690,7 +10137,7 @@
               </a:ln>
               <a:extLst>
                 <a:ext uri="{91240B29-F687-4f45-9708-019B960494DF}">
-                  <a14:hiddenLine xmlns:a14="http://schemas.microsoft.com/office/drawing/2010/main" xmlns="" w="9525">
+                  <a14:hiddenLine xmlns="" xmlns:a14="http://schemas.microsoft.com/office/drawing/2010/main" w="9525">
                     <a:solidFill>
                       <a:srgbClr val="000000"/>
                     </a:solidFill>
@@ -9752,7 +10199,7 @@
               </a:ln>
               <a:extLst>
                 <a:ext uri="{91240B29-F687-4f45-9708-019B960494DF}">
-                  <a14:hiddenLine xmlns:a14="http://schemas.microsoft.com/office/drawing/2010/main" xmlns="" w="9525">
+                  <a14:hiddenLine xmlns="" xmlns:a14="http://schemas.microsoft.com/office/drawing/2010/main" w="9525">
                     <a:solidFill>
                       <a:srgbClr val="000000"/>
                     </a:solidFill>
@@ -9862,7 +10309,7 @@
               </a:ln>
               <a:extLst>
                 <a:ext uri="{91240B29-F687-4f45-9708-019B960494DF}">
-                  <a14:hiddenLine xmlns:a14="http://schemas.microsoft.com/office/drawing/2010/main" xmlns="" w="9525">
+                  <a14:hiddenLine xmlns="" xmlns:a14="http://schemas.microsoft.com/office/drawing/2010/main" w="9525">
                     <a:solidFill>
                       <a:srgbClr val="000000"/>
                     </a:solidFill>
@@ -9946,7 +10393,7 @@
               </a:ln>
               <a:extLst>
                 <a:ext uri="{91240B29-F687-4f45-9708-019B960494DF}">
-                  <a14:hiddenLine xmlns:a14="http://schemas.microsoft.com/office/drawing/2010/main" xmlns="" w="9525">
+                  <a14:hiddenLine xmlns="" xmlns:a14="http://schemas.microsoft.com/office/drawing/2010/main" w="9525">
                     <a:solidFill>
                       <a:srgbClr val="000000"/>
                     </a:solidFill>
@@ -10008,7 +10455,7 @@
               </a:ln>
               <a:extLst>
                 <a:ext uri="{91240B29-F687-4f45-9708-019B960494DF}">
-                  <a14:hiddenLine xmlns:a14="http://schemas.microsoft.com/office/drawing/2010/main" xmlns="" w="9525">
+                  <a14:hiddenLine xmlns="" xmlns:a14="http://schemas.microsoft.com/office/drawing/2010/main" w="9525">
                     <a:solidFill>
                       <a:srgbClr val="000000"/>
                     </a:solidFill>
@@ -10070,7 +10517,7 @@
               </a:ln>
               <a:extLst>
                 <a:ext uri="{91240B29-F687-4f45-9708-019B960494DF}">
-                  <a14:hiddenLine xmlns:a14="http://schemas.microsoft.com/office/drawing/2010/main" xmlns="" w="9525">
+                  <a14:hiddenLine xmlns="" xmlns:a14="http://schemas.microsoft.com/office/drawing/2010/main" w="9525">
                     <a:solidFill>
                       <a:srgbClr val="000000"/>
                     </a:solidFill>
@@ -10160,7 +10607,7 @@
               </a:ln>
               <a:extLst>
                 <a:ext uri="{91240B29-F687-4f45-9708-019B960494DF}">
-                  <a14:hiddenLine xmlns:a14="http://schemas.microsoft.com/office/drawing/2010/main" xmlns="" w="9525">
+                  <a14:hiddenLine xmlns="" xmlns:a14="http://schemas.microsoft.com/office/drawing/2010/main" w="9525">
                     <a:solidFill>
                       <a:srgbClr val="000000"/>
                     </a:solidFill>
@@ -10194,7 +10641,7 @@
               </a:ln>
               <a:extLst>
                 <a:ext uri="{91240B29-F687-4f45-9708-019B960494DF}">
-                  <a14:hiddenLine xmlns:a14="http://schemas.microsoft.com/office/drawing/2010/main" xmlns="" w="9525">
+                  <a14:hiddenLine xmlns="" xmlns:a14="http://schemas.microsoft.com/office/drawing/2010/main" w="9525">
                     <a:solidFill>
                       <a:srgbClr val="000000"/>
                     </a:solidFill>
@@ -10259,7 +10706,7 @@
               </a:ln>
               <a:extLst>
                 <a:ext uri="{91240B29-F687-4f45-9708-019B960494DF}">
-                  <a14:hiddenLine xmlns:a14="http://schemas.microsoft.com/office/drawing/2010/main" xmlns="" w="9525">
+                  <a14:hiddenLine xmlns="" xmlns:a14="http://schemas.microsoft.com/office/drawing/2010/main" w="9525">
                     <a:solidFill>
                       <a:srgbClr val="000000"/>
                     </a:solidFill>
@@ -10349,7 +10796,7 @@
               </a:ln>
               <a:extLst>
                 <a:ext uri="{91240B29-F687-4f45-9708-019B960494DF}">
-                  <a14:hiddenLine xmlns:a14="http://schemas.microsoft.com/office/drawing/2010/main" xmlns="" w="9525">
+                  <a14:hiddenLine xmlns="" xmlns:a14="http://schemas.microsoft.com/office/drawing/2010/main" w="9525">
                     <a:solidFill>
                       <a:srgbClr val="000000"/>
                     </a:solidFill>
@@ -10411,7 +10858,7 @@
               </a:ln>
               <a:extLst>
                 <a:ext uri="{91240B29-F687-4f45-9708-019B960494DF}">
-                  <a14:hiddenLine xmlns:a14="http://schemas.microsoft.com/office/drawing/2010/main" xmlns="" w="9525">
+                  <a14:hiddenLine xmlns="" xmlns:a14="http://schemas.microsoft.com/office/drawing/2010/main" w="9525">
                     <a:solidFill>
                       <a:srgbClr val="000000"/>
                     </a:solidFill>
@@ -10501,7 +10948,7 @@
               </a:ln>
               <a:extLst>
                 <a:ext uri="{91240B29-F687-4f45-9708-019B960494DF}">
-                  <a14:hiddenLine xmlns:a14="http://schemas.microsoft.com/office/drawing/2010/main" xmlns="" w="9525">
+                  <a14:hiddenLine xmlns="" xmlns:a14="http://schemas.microsoft.com/office/drawing/2010/main" w="9525">
                     <a:solidFill>
                       <a:srgbClr val="000000"/>
                     </a:solidFill>
@@ -10566,7 +11013,7 @@
               </a:ln>
               <a:extLst>
                 <a:ext uri="{91240B29-F687-4f45-9708-019B960494DF}">
-                  <a14:hiddenLine xmlns:a14="http://schemas.microsoft.com/office/drawing/2010/main" xmlns="" w="9525">
+                  <a14:hiddenLine xmlns="" xmlns:a14="http://schemas.microsoft.com/office/drawing/2010/main" w="9525">
                     <a:solidFill>
                       <a:srgbClr val="000000"/>
                     </a:solidFill>
@@ -10628,7 +11075,7 @@
               </a:ln>
               <a:extLst>
                 <a:ext uri="{91240B29-F687-4f45-9708-019B960494DF}">
-                  <a14:hiddenLine xmlns:a14="http://schemas.microsoft.com/office/drawing/2010/main" xmlns="" w="9525">
+                  <a14:hiddenLine xmlns="" xmlns:a14="http://schemas.microsoft.com/office/drawing/2010/main" w="9525">
                     <a:solidFill>
                       <a:srgbClr val="000000"/>
                     </a:solidFill>
@@ -10718,7 +11165,7 @@
               </a:ln>
               <a:extLst>
                 <a:ext uri="{91240B29-F687-4f45-9708-019B960494DF}">
-                  <a14:hiddenLine xmlns:a14="http://schemas.microsoft.com/office/drawing/2010/main" xmlns="" w="9525">
+                  <a14:hiddenLine xmlns="" xmlns:a14="http://schemas.microsoft.com/office/drawing/2010/main" w="9525">
                     <a:solidFill>
                       <a:srgbClr val="000000"/>
                     </a:solidFill>
@@ -10808,7 +11255,7 @@
               </a:ln>
               <a:extLst>
                 <a:ext uri="{91240B29-F687-4f45-9708-019B960494DF}">
-                  <a14:hiddenLine xmlns:a14="http://schemas.microsoft.com/office/drawing/2010/main" xmlns="" w="9525">
+                  <a14:hiddenLine xmlns="" xmlns:a14="http://schemas.microsoft.com/office/drawing/2010/main" w="9525">
                     <a:solidFill>
                       <a:srgbClr val="000000"/>
                     </a:solidFill>
@@ -10873,7 +11320,7 @@
               </a:ln>
               <a:extLst>
                 <a:ext uri="{91240B29-F687-4f45-9708-019B960494DF}">
-                  <a14:hiddenLine xmlns:a14="http://schemas.microsoft.com/office/drawing/2010/main" xmlns="" w="9525">
+                  <a14:hiddenLine xmlns="" xmlns:a14="http://schemas.microsoft.com/office/drawing/2010/main" w="9525">
                     <a:solidFill>
                       <a:srgbClr val="000000"/>
                     </a:solidFill>
@@ -10993,7 +11440,7 @@
               </a:ln>
               <a:extLst>
                 <a:ext uri="{91240B29-F687-4f45-9708-019B960494DF}">
-                  <a14:hiddenLine xmlns:a14="http://schemas.microsoft.com/office/drawing/2010/main" xmlns="" w="9525">
+                  <a14:hiddenLine xmlns="" xmlns:a14="http://schemas.microsoft.com/office/drawing/2010/main" w="9525">
                     <a:solidFill>
                       <a:srgbClr val="000000"/>
                     </a:solidFill>
@@ -11074,7 +11521,7 @@
               </a:ln>
               <a:extLst>
                 <a:ext uri="{91240B29-F687-4f45-9708-019B960494DF}">
-                  <a14:hiddenLine xmlns:a14="http://schemas.microsoft.com/office/drawing/2010/main" xmlns="" w="9525">
+                  <a14:hiddenLine xmlns="" xmlns:a14="http://schemas.microsoft.com/office/drawing/2010/main" w="9525">
                     <a:solidFill>
                       <a:srgbClr val="000000"/>
                     </a:solidFill>
@@ -11189,7 +11636,7 @@
               </a:ln>
               <a:extLst>
                 <a:ext uri="{91240B29-F687-4f45-9708-019B960494DF}">
-                  <a14:hiddenLine xmlns:a14="http://schemas.microsoft.com/office/drawing/2010/main" xmlns="" w="9525">
+                  <a14:hiddenLine xmlns="" xmlns:a14="http://schemas.microsoft.com/office/drawing/2010/main" w="9525">
                     <a:solidFill>
                       <a:srgbClr val="000000"/>
                     </a:solidFill>
@@ -11279,7 +11726,7 @@
               </a:ln>
               <a:extLst>
                 <a:ext uri="{91240B29-F687-4f45-9708-019B960494DF}">
-                  <a14:hiddenLine xmlns:a14="http://schemas.microsoft.com/office/drawing/2010/main" xmlns="" w="9525">
+                  <a14:hiddenLine xmlns="" xmlns:a14="http://schemas.microsoft.com/office/drawing/2010/main" w="9525">
                     <a:solidFill>
                       <a:srgbClr val="000000"/>
                     </a:solidFill>
@@ -11344,7 +11791,7 @@
               </a:ln>
               <a:extLst>
                 <a:ext uri="{91240B29-F687-4f45-9708-019B960494DF}">
-                  <a14:hiddenLine xmlns:a14="http://schemas.microsoft.com/office/drawing/2010/main" xmlns="" w="9525">
+                  <a14:hiddenLine xmlns="" xmlns:a14="http://schemas.microsoft.com/office/drawing/2010/main" w="9525">
                     <a:solidFill>
                       <a:srgbClr val="000000"/>
                     </a:solidFill>
@@ -11434,7 +11881,7 @@
               </a:ln>
               <a:extLst>
                 <a:ext uri="{91240B29-F687-4f45-9708-019B960494DF}">
-                  <a14:hiddenLine xmlns:a14="http://schemas.microsoft.com/office/drawing/2010/main" xmlns="" w="9525">
+                  <a14:hiddenLine xmlns="" xmlns:a14="http://schemas.microsoft.com/office/drawing/2010/main" w="9525">
                     <a:solidFill>
                       <a:srgbClr val="000000"/>
                     </a:solidFill>
@@ -11502,7 +11949,7 @@
               </a:ln>
               <a:extLst>
                 <a:ext uri="{91240B29-F687-4f45-9708-019B960494DF}">
-                  <a14:hiddenLine xmlns:a14="http://schemas.microsoft.com/office/drawing/2010/main" xmlns="" w="9525">
+                  <a14:hiddenLine xmlns="" xmlns:a14="http://schemas.microsoft.com/office/drawing/2010/main" w="9525">
                     <a:solidFill>
                       <a:srgbClr val="000000"/>
                     </a:solidFill>
@@ -11592,7 +12039,7 @@
               </a:ln>
               <a:extLst>
                 <a:ext uri="{91240B29-F687-4f45-9708-019B960494DF}">
-                  <a14:hiddenLine xmlns:a14="http://schemas.microsoft.com/office/drawing/2010/main" xmlns="" w="9525">
+                  <a14:hiddenLine xmlns="" xmlns:a14="http://schemas.microsoft.com/office/drawing/2010/main" w="9525">
                     <a:solidFill>
                       <a:srgbClr val="000000"/>
                     </a:solidFill>
@@ -11660,7 +12107,7 @@
               </a:ln>
               <a:extLst>
                 <a:ext uri="{91240B29-F687-4f45-9708-019B960494DF}">
-                  <a14:hiddenLine xmlns:a14="http://schemas.microsoft.com/office/drawing/2010/main" xmlns="" w="9525">
+                  <a14:hiddenLine xmlns="" xmlns:a14="http://schemas.microsoft.com/office/drawing/2010/main" w="9525">
                     <a:solidFill>
                       <a:srgbClr val="000000"/>
                     </a:solidFill>
@@ -11750,7 +12197,7 @@
               </a:ln>
               <a:extLst>
                 <a:ext uri="{91240B29-F687-4f45-9708-019B960494DF}">
-                  <a14:hiddenLine xmlns:a14="http://schemas.microsoft.com/office/drawing/2010/main" xmlns="" w="9525">
+                  <a14:hiddenLine xmlns="" xmlns:a14="http://schemas.microsoft.com/office/drawing/2010/main" w="9525">
                     <a:solidFill>
                       <a:srgbClr val="000000"/>
                     </a:solidFill>
@@ -11784,7 +12231,7 @@
               </a:ln>
               <a:extLst>
                 <a:ext uri="{91240B29-F687-4f45-9708-019B960494DF}">
-                  <a14:hiddenLine xmlns:a14="http://schemas.microsoft.com/office/drawing/2010/main" xmlns="" w="9525">
+                  <a14:hiddenLine xmlns="" xmlns:a14="http://schemas.microsoft.com/office/drawing/2010/main" w="9525">
                     <a:solidFill>
                       <a:srgbClr val="000000"/>
                     </a:solidFill>
@@ -12482,7 +12929,12 @@
             <p:ph idx="1"/>
           </p:nvPr>
         </p:nvSpPr>
-        <p:spPr/>
+        <p:spPr>
+          <a:xfrm>
+            <a:off x="1141412" y="1561589"/>
+            <a:ext cx="9905999" cy="1617839"/>
+          </a:xfrm>
+        </p:spPr>
         <p:txBody>
           <a:bodyPr/>
           <a:lstStyle/>
@@ -12492,8 +12944,512 @@
               <a:t>Bridge design pattern separates an object’s interface from its implementation</a:t>
             </a:r>
           </a:p>
+          <a:p>
+            <a:r>
+              <a:rPr lang="en-US" dirty="0"/>
+              <a:t>Progressively adding functionality while separating out major differences using abstract classes</a:t>
+            </a:r>
+          </a:p>
         </p:txBody>
       </p:sp>
+      <p:pic>
+        <p:nvPicPr>
+          <p:cNvPr id="1030" name="Picture 6" descr="Image result for tv clipart">
+            <a:extLst>
+              <a:ext uri="{FF2B5EF4-FFF2-40B4-BE49-F238E27FC236}">
+                <a16:creationId xmlns:a16="http://schemas.microsoft.com/office/drawing/2014/main" id="{45DF3747-2F42-49E9-8481-5424AD67ABAE}"/>
+              </a:ext>
+            </a:extLst>
+          </p:cNvPr>
+          <p:cNvPicPr>
+            <a:picLocks noChangeAspect="1" noChangeArrowheads="1"/>
+          </p:cNvPicPr>
+          <p:nvPr/>
+        </p:nvPicPr>
+        <p:blipFill>
+          <a:blip r:embed="rId3">
+            <a:extLst>
+              <a:ext uri="{28A0092B-C50C-407E-A947-70E740481C1C}">
+                <a14:useLocalDpi xmlns:a14="http://schemas.microsoft.com/office/drawing/2010/main" val="0"/>
+              </a:ext>
+            </a:extLst>
+          </a:blip>
+          <a:srcRect/>
+          <a:stretch>
+            <a:fillRect/>
+          </a:stretch>
+        </p:blipFill>
+        <p:spPr bwMode="auto">
+          <a:xfrm>
+            <a:off x="2290196" y="3887607"/>
+            <a:ext cx="1060508" cy="1060508"/>
+          </a:xfrm>
+          <a:prstGeom prst="rect">
+            <a:avLst/>
+          </a:prstGeom>
+          <a:noFill/>
+          <a:extLst>
+            <a:ext uri="{909E8E84-426E-40DD-AFC4-6F175D3DCCD1}">
+              <a14:hiddenFill xmlns:a14="http://schemas.microsoft.com/office/drawing/2010/main">
+                <a:solidFill>
+                  <a:srgbClr val="FFFFFF"/>
+                </a:solidFill>
+              </a14:hiddenFill>
+            </a:ext>
+          </a:extLst>
+        </p:spPr>
+      </p:pic>
+      <p:pic>
+        <p:nvPicPr>
+          <p:cNvPr id="1032" name="Picture 8" descr="Image result for blu ray player clipart">
+            <a:extLst>
+              <a:ext uri="{FF2B5EF4-FFF2-40B4-BE49-F238E27FC236}">
+                <a16:creationId xmlns:a16="http://schemas.microsoft.com/office/drawing/2014/main" id="{D1203B1F-0E43-4EEB-9445-802182B6BB53}"/>
+              </a:ext>
+            </a:extLst>
+          </p:cNvPr>
+          <p:cNvPicPr>
+            <a:picLocks noChangeAspect="1" noChangeArrowheads="1"/>
+          </p:cNvPicPr>
+          <p:nvPr/>
+        </p:nvPicPr>
+        <p:blipFill>
+          <a:blip r:embed="rId4">
+            <a:extLst>
+              <a:ext uri="{28A0092B-C50C-407E-A947-70E740481C1C}">
+                <a14:useLocalDpi xmlns:a14="http://schemas.microsoft.com/office/drawing/2010/main" val="0"/>
+              </a:ext>
+            </a:extLst>
+          </a:blip>
+          <a:srcRect/>
+          <a:stretch>
+            <a:fillRect/>
+          </a:stretch>
+        </p:blipFill>
+        <p:spPr bwMode="auto">
+          <a:xfrm>
+            <a:off x="3951216" y="5221081"/>
+            <a:ext cx="1732136" cy="554825"/>
+          </a:xfrm>
+          <a:prstGeom prst="rect">
+            <a:avLst/>
+          </a:prstGeom>
+          <a:noFill/>
+          <a:extLst>
+            <a:ext uri="{909E8E84-426E-40DD-AFC4-6F175D3DCCD1}">
+              <a14:hiddenFill xmlns:a14="http://schemas.microsoft.com/office/drawing/2010/main">
+                <a:solidFill>
+                  <a:srgbClr val="FFFFFF"/>
+                </a:solidFill>
+              </a14:hiddenFill>
+            </a:ext>
+          </a:extLst>
+        </p:spPr>
+      </p:pic>
+      <p:pic>
+        <p:nvPicPr>
+          <p:cNvPr id="1036" name="Picture 12" descr="Image result for flat screen tv clipart">
+            <a:extLst>
+              <a:ext uri="{FF2B5EF4-FFF2-40B4-BE49-F238E27FC236}">
+                <a16:creationId xmlns:a16="http://schemas.microsoft.com/office/drawing/2014/main" id="{449F95AB-313D-49F3-8E58-9CC84F1A4576}"/>
+              </a:ext>
+            </a:extLst>
+          </p:cNvPr>
+          <p:cNvPicPr>
+            <a:picLocks noChangeAspect="1" noChangeArrowheads="1"/>
+          </p:cNvPicPr>
+          <p:nvPr/>
+        </p:nvPicPr>
+        <p:blipFill>
+          <a:blip r:embed="rId5">
+            <a:extLst>
+              <a:ext uri="{28A0092B-C50C-407E-A947-70E740481C1C}">
+                <a14:useLocalDpi xmlns:a14="http://schemas.microsoft.com/office/drawing/2010/main" val="0"/>
+              </a:ext>
+            </a:extLst>
+          </a:blip>
+          <a:srcRect/>
+          <a:stretch>
+            <a:fillRect/>
+          </a:stretch>
+        </p:blipFill>
+        <p:spPr bwMode="auto">
+          <a:xfrm>
+            <a:off x="4274358" y="3599279"/>
+            <a:ext cx="1085851" cy="814388"/>
+          </a:xfrm>
+          <a:prstGeom prst="rect">
+            <a:avLst/>
+          </a:prstGeom>
+          <a:noFill/>
+          <a:extLst>
+            <a:ext uri="{909E8E84-426E-40DD-AFC4-6F175D3DCCD1}">
+              <a14:hiddenFill xmlns:a14="http://schemas.microsoft.com/office/drawing/2010/main">
+                <a:solidFill>
+                  <a:srgbClr val="FFFFFF"/>
+                </a:solidFill>
+              </a14:hiddenFill>
+            </a:ext>
+          </a:extLst>
+        </p:spPr>
+      </p:pic>
+      <p:pic>
+        <p:nvPicPr>
+          <p:cNvPr id="1070" name="Picture 46" descr="Image result for tv control clipart transparent background">
+            <a:extLst>
+              <a:ext uri="{FF2B5EF4-FFF2-40B4-BE49-F238E27FC236}">
+                <a16:creationId xmlns:a16="http://schemas.microsoft.com/office/drawing/2014/main" id="{84A563FD-CE22-4756-B899-1B41724C5D04}"/>
+              </a:ext>
+            </a:extLst>
+          </p:cNvPr>
+          <p:cNvPicPr>
+            <a:picLocks noChangeAspect="1" noChangeArrowheads="1"/>
+          </p:cNvPicPr>
+          <p:nvPr/>
+        </p:nvPicPr>
+        <p:blipFill>
+          <a:blip r:embed="rId6">
+            <a:extLst>
+              <a:ext uri="{28A0092B-C50C-407E-A947-70E740481C1C}">
+                <a14:useLocalDpi xmlns:a14="http://schemas.microsoft.com/office/drawing/2010/main" val="0"/>
+              </a:ext>
+            </a:extLst>
+          </a:blip>
+          <a:srcRect/>
+          <a:stretch>
+            <a:fillRect/>
+          </a:stretch>
+        </p:blipFill>
+        <p:spPr bwMode="auto">
+          <a:xfrm rot="18907914">
+            <a:off x="6257332" y="3777905"/>
+            <a:ext cx="1041560" cy="1041560"/>
+          </a:xfrm>
+          <a:prstGeom prst="rect">
+            <a:avLst/>
+          </a:prstGeom>
+          <a:noFill/>
+          <a:extLst>
+            <a:ext uri="{909E8E84-426E-40DD-AFC4-6F175D3DCCD1}">
+              <a14:hiddenFill xmlns:a14="http://schemas.microsoft.com/office/drawing/2010/main">
+                <a:solidFill>
+                  <a:srgbClr val="FFFFFF"/>
+                </a:solidFill>
+              </a14:hiddenFill>
+            </a:ext>
+          </a:extLst>
+        </p:spPr>
+      </p:pic>
+      <p:pic>
+        <p:nvPicPr>
+          <p:cNvPr id="31" name="Picture 46" descr="Image result for tv control clipart transparent background">
+            <a:extLst>
+              <a:ext uri="{FF2B5EF4-FFF2-40B4-BE49-F238E27FC236}">
+                <a16:creationId xmlns:a16="http://schemas.microsoft.com/office/drawing/2014/main" id="{B44CC8D5-1888-459F-84FA-12C396B75F96}"/>
+              </a:ext>
+            </a:extLst>
+          </p:cNvPr>
+          <p:cNvPicPr>
+            <a:picLocks noChangeAspect="1" noChangeArrowheads="1"/>
+          </p:cNvPicPr>
+          <p:nvPr/>
+        </p:nvPicPr>
+        <p:blipFill>
+          <a:blip r:embed="rId6">
+            <a:extLst>
+              <a:ext uri="{28A0092B-C50C-407E-A947-70E740481C1C}">
+                <a14:useLocalDpi xmlns:a14="http://schemas.microsoft.com/office/drawing/2010/main" val="0"/>
+              </a:ext>
+            </a:extLst>
+          </a:blip>
+          <a:srcRect/>
+          <a:stretch>
+            <a:fillRect/>
+          </a:stretch>
+        </p:blipFill>
+        <p:spPr bwMode="auto">
+          <a:xfrm rot="18907914">
+            <a:off x="8091233" y="3276634"/>
+            <a:ext cx="877420" cy="877420"/>
+          </a:xfrm>
+          <a:prstGeom prst="rect">
+            <a:avLst/>
+          </a:prstGeom>
+          <a:noFill/>
+          <a:extLst>
+            <a:ext uri="{909E8E84-426E-40DD-AFC4-6F175D3DCCD1}">
+              <a14:hiddenFill xmlns:a14="http://schemas.microsoft.com/office/drawing/2010/main">
+                <a:solidFill>
+                  <a:srgbClr val="FFFFFF"/>
+                </a:solidFill>
+              </a14:hiddenFill>
+            </a:ext>
+          </a:extLst>
+        </p:spPr>
+      </p:pic>
+      <p:sp>
+        <p:nvSpPr>
+          <p:cNvPr id="4" name="TextBox 3">
+            <a:extLst>
+              <a:ext uri="{FF2B5EF4-FFF2-40B4-BE49-F238E27FC236}">
+                <a16:creationId xmlns:a16="http://schemas.microsoft.com/office/drawing/2014/main" id="{113BABE9-6D80-4E1B-9DC6-EEF49E7480BD}"/>
+              </a:ext>
+            </a:extLst>
+          </p:cNvPr>
+          <p:cNvSpPr txBox="1"/>
+          <p:nvPr/>
+        </p:nvSpPr>
+        <p:spPr>
+          <a:xfrm>
+            <a:off x="2130804" y="4907559"/>
+            <a:ext cx="1367405" cy="369332"/>
+          </a:xfrm>
+          <a:prstGeom prst="rect">
+            <a:avLst/>
+          </a:prstGeom>
+          <a:noFill/>
+        </p:spPr>
+        <p:txBody>
+          <a:bodyPr wrap="square" rtlCol="0">
+            <a:spAutoFit/>
+          </a:bodyPr>
+          <a:lstStyle/>
+          <a:p>
+            <a:pPr algn="ctr"/>
+            <a:r>
+              <a:rPr lang="en-US" dirty="0"/>
+              <a:t>Abstract</a:t>
+            </a:r>
+          </a:p>
+        </p:txBody>
+      </p:sp>
+      <p:sp>
+        <p:nvSpPr>
+          <p:cNvPr id="35" name="TextBox 34">
+            <a:extLst>
+              <a:ext uri="{FF2B5EF4-FFF2-40B4-BE49-F238E27FC236}">
+                <a16:creationId xmlns:a16="http://schemas.microsoft.com/office/drawing/2014/main" id="{7C850CD5-9077-4F2D-9901-B5642A9BBFAE}"/>
+              </a:ext>
+            </a:extLst>
+          </p:cNvPr>
+          <p:cNvSpPr txBox="1"/>
+          <p:nvPr/>
+        </p:nvSpPr>
+        <p:spPr>
+          <a:xfrm>
+            <a:off x="4133579" y="5870150"/>
+            <a:ext cx="1367405" cy="369332"/>
+          </a:xfrm>
+          <a:prstGeom prst="rect">
+            <a:avLst/>
+          </a:prstGeom>
+          <a:noFill/>
+        </p:spPr>
+        <p:txBody>
+          <a:bodyPr wrap="square" rtlCol="0">
+            <a:spAutoFit/>
+          </a:bodyPr>
+          <a:lstStyle/>
+          <a:p>
+            <a:pPr algn="ctr"/>
+            <a:r>
+              <a:rPr lang="en-US" dirty="0"/>
+              <a:t>Device 2</a:t>
+            </a:r>
+          </a:p>
+        </p:txBody>
+      </p:sp>
+      <p:sp>
+        <p:nvSpPr>
+          <p:cNvPr id="36" name="TextBox 35">
+            <a:extLst>
+              <a:ext uri="{FF2B5EF4-FFF2-40B4-BE49-F238E27FC236}">
+                <a16:creationId xmlns:a16="http://schemas.microsoft.com/office/drawing/2014/main" id="{7700D1D1-AF4C-4FFB-B3DA-9D96274AECCF}"/>
+              </a:ext>
+            </a:extLst>
+          </p:cNvPr>
+          <p:cNvSpPr txBox="1"/>
+          <p:nvPr/>
+        </p:nvSpPr>
+        <p:spPr>
+          <a:xfrm>
+            <a:off x="4133580" y="4481180"/>
+            <a:ext cx="1367405" cy="369332"/>
+          </a:xfrm>
+          <a:prstGeom prst="rect">
+            <a:avLst/>
+          </a:prstGeom>
+          <a:noFill/>
+        </p:spPr>
+        <p:txBody>
+          <a:bodyPr wrap="square" rtlCol="0">
+            <a:spAutoFit/>
+          </a:bodyPr>
+          <a:lstStyle/>
+          <a:p>
+            <a:pPr algn="ctr"/>
+            <a:r>
+              <a:rPr lang="en-US" dirty="0"/>
+              <a:t>Device 1</a:t>
+            </a:r>
+          </a:p>
+        </p:txBody>
+      </p:sp>
+      <p:sp>
+        <p:nvSpPr>
+          <p:cNvPr id="37" name="TextBox 36">
+            <a:extLst>
+              <a:ext uri="{FF2B5EF4-FFF2-40B4-BE49-F238E27FC236}">
+                <a16:creationId xmlns:a16="http://schemas.microsoft.com/office/drawing/2014/main" id="{DC296CB9-10A0-45C4-9F6E-45F4D9E2812B}"/>
+              </a:ext>
+            </a:extLst>
+          </p:cNvPr>
+          <p:cNvSpPr txBox="1"/>
+          <p:nvPr/>
+        </p:nvSpPr>
+        <p:spPr>
+          <a:xfrm>
+            <a:off x="6094411" y="4850512"/>
+            <a:ext cx="1367405" cy="369332"/>
+          </a:xfrm>
+          <a:prstGeom prst="rect">
+            <a:avLst/>
+          </a:prstGeom>
+          <a:noFill/>
+        </p:spPr>
+        <p:txBody>
+          <a:bodyPr wrap="square" rtlCol="0">
+            <a:spAutoFit/>
+          </a:bodyPr>
+          <a:lstStyle/>
+          <a:p>
+            <a:pPr algn="ctr"/>
+            <a:r>
+              <a:rPr lang="en-US" dirty="0"/>
+              <a:t>Abstract</a:t>
+            </a:r>
+          </a:p>
+        </p:txBody>
+      </p:sp>
+      <p:sp>
+        <p:nvSpPr>
+          <p:cNvPr id="38" name="TextBox 37">
+            <a:extLst>
+              <a:ext uri="{FF2B5EF4-FFF2-40B4-BE49-F238E27FC236}">
+                <a16:creationId xmlns:a16="http://schemas.microsoft.com/office/drawing/2014/main" id="{FB49F1F0-00D2-4AEC-A0B8-B38C139F7488}"/>
+              </a:ext>
+            </a:extLst>
+          </p:cNvPr>
+          <p:cNvSpPr txBox="1"/>
+          <p:nvPr/>
+        </p:nvSpPr>
+        <p:spPr>
+          <a:xfrm>
+            <a:off x="7846506" y="4229001"/>
+            <a:ext cx="1367405" cy="369332"/>
+          </a:xfrm>
+          <a:prstGeom prst="rect">
+            <a:avLst/>
+          </a:prstGeom>
+          <a:noFill/>
+        </p:spPr>
+        <p:txBody>
+          <a:bodyPr wrap="square" rtlCol="0">
+            <a:spAutoFit/>
+          </a:bodyPr>
+          <a:lstStyle/>
+          <a:p>
+            <a:pPr algn="ctr"/>
+            <a:r>
+              <a:rPr lang="en-US" dirty="0"/>
+              <a:t>Remote 1</a:t>
+            </a:r>
+          </a:p>
+        </p:txBody>
+      </p:sp>
+      <p:sp>
+        <p:nvSpPr>
+          <p:cNvPr id="39" name="TextBox 38">
+            <a:extLst>
+              <a:ext uri="{FF2B5EF4-FFF2-40B4-BE49-F238E27FC236}">
+                <a16:creationId xmlns:a16="http://schemas.microsoft.com/office/drawing/2014/main" id="{F0FC3621-3C08-4B36-9297-57BCC25A0212}"/>
+              </a:ext>
+            </a:extLst>
+          </p:cNvPr>
+          <p:cNvSpPr txBox="1"/>
+          <p:nvPr/>
+        </p:nvSpPr>
+        <p:spPr>
+          <a:xfrm>
+            <a:off x="7846506" y="5775906"/>
+            <a:ext cx="1367405" cy="369332"/>
+          </a:xfrm>
+          <a:prstGeom prst="rect">
+            <a:avLst/>
+          </a:prstGeom>
+          <a:noFill/>
+        </p:spPr>
+        <p:txBody>
+          <a:bodyPr wrap="square" rtlCol="0">
+            <a:spAutoFit/>
+          </a:bodyPr>
+          <a:lstStyle/>
+          <a:p>
+            <a:pPr algn="ctr"/>
+            <a:r>
+              <a:rPr lang="en-US" dirty="0"/>
+              <a:t>Remote 2</a:t>
+            </a:r>
+          </a:p>
+        </p:txBody>
+      </p:sp>
+      <p:pic>
+        <p:nvPicPr>
+          <p:cNvPr id="40" name="Picture 46" descr="Image result for tv control clipart transparent background">
+            <a:extLst>
+              <a:ext uri="{FF2B5EF4-FFF2-40B4-BE49-F238E27FC236}">
+                <a16:creationId xmlns:a16="http://schemas.microsoft.com/office/drawing/2014/main" id="{4C7E8DE3-1899-43D4-B3FE-E9594A71EE64}"/>
+              </a:ext>
+            </a:extLst>
+          </p:cNvPr>
+          <p:cNvPicPr>
+            <a:picLocks noChangeAspect="1" noChangeArrowheads="1"/>
+          </p:cNvPicPr>
+          <p:nvPr/>
+        </p:nvPicPr>
+        <p:blipFill>
+          <a:blip r:embed="rId6">
+            <a:extLst>
+              <a:ext uri="{28A0092B-C50C-407E-A947-70E740481C1C}">
+                <a14:useLocalDpi xmlns:a14="http://schemas.microsoft.com/office/drawing/2010/main" val="0"/>
+              </a:ext>
+            </a:extLst>
+          </a:blip>
+          <a:srcRect/>
+          <a:stretch>
+            <a:fillRect/>
+          </a:stretch>
+        </p:blipFill>
+        <p:spPr bwMode="auto">
+          <a:xfrm rot="18907914">
+            <a:off x="8091233" y="4901434"/>
+            <a:ext cx="877420" cy="877420"/>
+          </a:xfrm>
+          <a:prstGeom prst="rect">
+            <a:avLst/>
+          </a:prstGeom>
+          <a:noFill/>
+          <a:extLst>
+            <a:ext uri="{909E8E84-426E-40DD-AFC4-6F175D3DCCD1}">
+              <a14:hiddenFill xmlns:a14="http://schemas.microsoft.com/office/drawing/2010/main">
+                <a:solidFill>
+                  <a:srgbClr val="FFFFFF"/>
+                </a:solidFill>
+              </a14:hiddenFill>
+            </a:ext>
+          </a:extLst>
+        </p:spPr>
+      </p:pic>
     </p:spTree>
     <p:extLst>
       <p:ext uri="{BB962C8B-B14F-4D97-AF65-F5344CB8AC3E}">
@@ -12578,6 +13534,15 @@
                 <a:hlinkClick r:id="rId2"/>
               </a:rPr>
               <a:t>https://sourcemaking.com/design_patterns</a:t>
+            </a:r>
+            <a:endParaRPr lang="en-US" dirty="0"/>
+          </a:p>
+          <a:p>
+            <a:r>
+              <a:rPr lang="en-US" dirty="0">
+                <a:hlinkClick r:id="rId3"/>
+              </a:rPr>
+              <a:t>https://www.youtube.com/watch?v=9jIgSsIfh_8</a:t>
             </a:r>
             <a:endParaRPr lang="en-US" dirty="0"/>
           </a:p>
@@ -12848,4 +13813,299 @@
     </a:ext>
   </a:extLst>
 </a:theme>
+</file>
+
+<file path=ppt/theme/theme2.xml><?xml version="1.0" encoding="utf-8"?>
+<a:theme xmlns:a="http://schemas.openxmlformats.org/drawingml/2006/main" name="Office Theme">
+  <a:themeElements>
+    <a:clrScheme name="Office">
+      <a:dk1>
+        <a:sysClr val="windowText" lastClr="000000"/>
+      </a:dk1>
+      <a:lt1>
+        <a:sysClr val="window" lastClr="FFFFFF"/>
+      </a:lt1>
+      <a:dk2>
+        <a:srgbClr val="44546A"/>
+      </a:dk2>
+      <a:lt2>
+        <a:srgbClr val="E7E6E6"/>
+      </a:lt2>
+      <a:accent1>
+        <a:srgbClr val="4472C4"/>
+      </a:accent1>
+      <a:accent2>
+        <a:srgbClr val="ED7D31"/>
+      </a:accent2>
+      <a:accent3>
+        <a:srgbClr val="A5A5A5"/>
+      </a:accent3>
+      <a:accent4>
+        <a:srgbClr val="FFC000"/>
+      </a:accent4>
+      <a:accent5>
+        <a:srgbClr val="5B9BD5"/>
+      </a:accent5>
+      <a:accent6>
+        <a:srgbClr val="70AD47"/>
+      </a:accent6>
+      <a:hlink>
+        <a:srgbClr val="0563C1"/>
+      </a:hlink>
+      <a:folHlink>
+        <a:srgbClr val="954F72"/>
+      </a:folHlink>
+    </a:clrScheme>
+    <a:fontScheme name="Office">
+      <a:majorFont>
+        <a:latin typeface="Calibri Light" panose="020F0302020204030204"/>
+        <a:ea typeface=""/>
+        <a:cs typeface=""/>
+        <a:font script="Jpan" typeface="游ゴシック Light"/>
+        <a:font script="Hang" typeface="맑은 고딕"/>
+        <a:font script="Hans" typeface="等线 Light"/>
+        <a:font script="Hant" typeface="新細明體"/>
+        <a:font script="Arab" typeface="Times New Roman"/>
+        <a:font script="Hebr" typeface="Times New Roman"/>
+        <a:font script="Thai" typeface="Angsana New"/>
+        <a:font script="Ethi" typeface="Nyala"/>
+        <a:font script="Beng" typeface="Vrinda"/>
+        <a:font script="Gujr" typeface="Shruti"/>
+        <a:font script="Khmr" typeface="MoolBoran"/>
+        <a:font script="Knda" typeface="Tunga"/>
+        <a:font script="Guru" typeface="Raavi"/>
+        <a:font script="Cans" typeface="Euphemia"/>
+        <a:font script="Cher" typeface="Plantagenet Cherokee"/>
+        <a:font script="Yiii" typeface="Microsoft Yi Baiti"/>
+        <a:font script="Tibt" typeface="Microsoft Himalaya"/>
+        <a:font script="Thaa" typeface="MV Boli"/>
+        <a:font script="Deva" typeface="Mangal"/>
+        <a:font script="Telu" typeface="Gautami"/>
+        <a:font script="Taml" typeface="Latha"/>
+        <a:font script="Syrc" typeface="Estrangelo Edessa"/>
+        <a:font script="Orya" typeface="Kalinga"/>
+        <a:font script="Mlym" typeface="Kartika"/>
+        <a:font script="Laoo" typeface="DokChampa"/>
+        <a:font script="Sinh" typeface="Iskoola Pota"/>
+        <a:font script="Mong" typeface="Mongolian Baiti"/>
+        <a:font script="Viet" typeface="Times New Roman"/>
+        <a:font script="Uigh" typeface="Microsoft Uighur"/>
+        <a:font script="Geor" typeface="Sylfaen"/>
+        <a:font script="Armn" typeface="Arial"/>
+        <a:font script="Bugi" typeface="Leelawadee UI"/>
+        <a:font script="Bopo" typeface="Microsoft JhengHei"/>
+        <a:font script="Java" typeface="Javanese Text"/>
+        <a:font script="Lisu" typeface="Segoe UI"/>
+        <a:font script="Mymr" typeface="Myanmar Text"/>
+        <a:font script="Nkoo" typeface="Ebrima"/>
+        <a:font script="Olck" typeface="Nirmala UI"/>
+        <a:font script="Osma" typeface="Ebrima"/>
+        <a:font script="Phag" typeface="Phagspa"/>
+        <a:font script="Syrn" typeface="Estrangelo Edessa"/>
+        <a:font script="Syrj" typeface="Estrangelo Edessa"/>
+        <a:font script="Syre" typeface="Estrangelo Edessa"/>
+        <a:font script="Sora" typeface="Nirmala UI"/>
+        <a:font script="Tale" typeface="Microsoft Tai Le"/>
+        <a:font script="Talu" typeface="Microsoft New Tai Lue"/>
+        <a:font script="Tfng" typeface="Ebrima"/>
+      </a:majorFont>
+      <a:minorFont>
+        <a:latin typeface="Calibri" panose="020F0502020204030204"/>
+        <a:ea typeface=""/>
+        <a:cs typeface=""/>
+        <a:font script="Jpan" typeface="游ゴシック"/>
+        <a:font script="Hang" typeface="맑은 고딕"/>
+        <a:font script="Hans" typeface="等线"/>
+        <a:font script="Hant" typeface="新細明體"/>
+        <a:font script="Arab" typeface="Arial"/>
+        <a:font script="Hebr" typeface="Arial"/>
+        <a:font script="Thai" typeface="Cordia New"/>
+        <a:font script="Ethi" typeface="Nyala"/>
+        <a:font script="Beng" typeface="Vrinda"/>
+        <a:font script="Gujr" typeface="Shruti"/>
+        <a:font script="Khmr" typeface="DaunPenh"/>
+        <a:font script="Knda" typeface="Tunga"/>
+        <a:font script="Guru" typeface="Raavi"/>
+        <a:font script="Cans" typeface="Euphemia"/>
+        <a:font script="Cher" typeface="Plantagenet Cherokee"/>
+        <a:font script="Yiii" typeface="Microsoft Yi Baiti"/>
+        <a:font script="Tibt" typeface="Microsoft Himalaya"/>
+        <a:font script="Thaa" typeface="MV Boli"/>
+        <a:font script="Deva" typeface="Mangal"/>
+        <a:font script="Telu" typeface="Gautami"/>
+        <a:font script="Taml" typeface="Latha"/>
+        <a:font script="Syrc" typeface="Estrangelo Edessa"/>
+        <a:font script="Orya" typeface="Kalinga"/>
+        <a:font script="Mlym" typeface="Kartika"/>
+        <a:font script="Laoo" typeface="DokChampa"/>
+        <a:font script="Sinh" typeface="Iskoola Pota"/>
+        <a:font script="Mong" typeface="Mongolian Baiti"/>
+        <a:font script="Viet" typeface="Arial"/>
+        <a:font script="Uigh" typeface="Microsoft Uighur"/>
+        <a:font script="Geor" typeface="Sylfaen"/>
+        <a:font script="Armn" typeface="Arial"/>
+        <a:font script="Bugi" typeface="Leelawadee UI"/>
+        <a:font script="Bopo" typeface="Microsoft JhengHei"/>
+        <a:font script="Java" typeface="Javanese Text"/>
+        <a:font script="Lisu" typeface="Segoe UI"/>
+        <a:font script="Mymr" typeface="Myanmar Text"/>
+        <a:font script="Nkoo" typeface="Ebrima"/>
+        <a:font script="Olck" typeface="Nirmala UI"/>
+        <a:font script="Osma" typeface="Ebrima"/>
+        <a:font script="Phag" typeface="Phagspa"/>
+        <a:font script="Syrn" typeface="Estrangelo Edessa"/>
+        <a:font script="Syrj" typeface="Estrangelo Edessa"/>
+        <a:font script="Syre" typeface="Estrangelo Edessa"/>
+        <a:font script="Sora" typeface="Nirmala UI"/>
+        <a:font script="Tale" typeface="Microsoft Tai Le"/>
+        <a:font script="Talu" typeface="Microsoft New Tai Lue"/>
+        <a:font script="Tfng" typeface="Ebrima"/>
+      </a:minorFont>
+    </a:fontScheme>
+    <a:fmtScheme name="Office">
+      <a:fillStyleLst>
+        <a:solidFill>
+          <a:schemeClr val="phClr"/>
+        </a:solidFill>
+        <a:gradFill rotWithShape="1">
+          <a:gsLst>
+            <a:gs pos="0">
+              <a:schemeClr val="phClr">
+                <a:lumMod val="110000"/>
+                <a:satMod val="105000"/>
+                <a:tint val="67000"/>
+              </a:schemeClr>
+            </a:gs>
+            <a:gs pos="50000">
+              <a:schemeClr val="phClr">
+                <a:lumMod val="105000"/>
+                <a:satMod val="103000"/>
+                <a:tint val="73000"/>
+              </a:schemeClr>
+            </a:gs>
+            <a:gs pos="100000">
+              <a:schemeClr val="phClr">
+                <a:lumMod val="105000"/>
+                <a:satMod val="109000"/>
+                <a:tint val="81000"/>
+              </a:schemeClr>
+            </a:gs>
+          </a:gsLst>
+          <a:lin ang="5400000" scaled="0"/>
+        </a:gradFill>
+        <a:gradFill rotWithShape="1">
+          <a:gsLst>
+            <a:gs pos="0">
+              <a:schemeClr val="phClr">
+                <a:satMod val="103000"/>
+                <a:lumMod val="102000"/>
+                <a:tint val="94000"/>
+              </a:schemeClr>
+            </a:gs>
+            <a:gs pos="50000">
+              <a:schemeClr val="phClr">
+                <a:satMod val="110000"/>
+                <a:lumMod val="100000"/>
+                <a:shade val="100000"/>
+              </a:schemeClr>
+            </a:gs>
+            <a:gs pos="100000">
+              <a:schemeClr val="phClr">
+                <a:lumMod val="99000"/>
+                <a:satMod val="120000"/>
+                <a:shade val="78000"/>
+              </a:schemeClr>
+            </a:gs>
+          </a:gsLst>
+          <a:lin ang="5400000" scaled="0"/>
+        </a:gradFill>
+      </a:fillStyleLst>
+      <a:lnStyleLst>
+        <a:ln w="6350" cap="flat" cmpd="sng" algn="ctr">
+          <a:solidFill>
+            <a:schemeClr val="phClr"/>
+          </a:solidFill>
+          <a:prstDash val="solid"/>
+          <a:miter lim="800000"/>
+        </a:ln>
+        <a:ln w="12700" cap="flat" cmpd="sng" algn="ctr">
+          <a:solidFill>
+            <a:schemeClr val="phClr"/>
+          </a:solidFill>
+          <a:prstDash val="solid"/>
+          <a:miter lim="800000"/>
+        </a:ln>
+        <a:ln w="19050" cap="flat" cmpd="sng" algn="ctr">
+          <a:solidFill>
+            <a:schemeClr val="phClr"/>
+          </a:solidFill>
+          <a:prstDash val="solid"/>
+          <a:miter lim="800000"/>
+        </a:ln>
+      </a:lnStyleLst>
+      <a:effectStyleLst>
+        <a:effectStyle>
+          <a:effectLst/>
+        </a:effectStyle>
+        <a:effectStyle>
+          <a:effectLst/>
+        </a:effectStyle>
+        <a:effectStyle>
+          <a:effectLst>
+            <a:outerShdw blurRad="57150" dist="19050" dir="5400000" algn="ctr" rotWithShape="0">
+              <a:srgbClr val="000000">
+                <a:alpha val="63000"/>
+              </a:srgbClr>
+            </a:outerShdw>
+          </a:effectLst>
+        </a:effectStyle>
+      </a:effectStyleLst>
+      <a:bgFillStyleLst>
+        <a:solidFill>
+          <a:schemeClr val="phClr"/>
+        </a:solidFill>
+        <a:solidFill>
+          <a:schemeClr val="phClr">
+            <a:tint val="95000"/>
+            <a:satMod val="170000"/>
+          </a:schemeClr>
+        </a:solidFill>
+        <a:gradFill rotWithShape="1">
+          <a:gsLst>
+            <a:gs pos="0">
+              <a:schemeClr val="phClr">
+                <a:tint val="93000"/>
+                <a:satMod val="150000"/>
+                <a:shade val="98000"/>
+                <a:lumMod val="102000"/>
+              </a:schemeClr>
+            </a:gs>
+            <a:gs pos="50000">
+              <a:schemeClr val="phClr">
+                <a:tint val="98000"/>
+                <a:satMod val="130000"/>
+                <a:shade val="90000"/>
+                <a:lumMod val="103000"/>
+              </a:schemeClr>
+            </a:gs>
+            <a:gs pos="100000">
+              <a:schemeClr val="phClr">
+                <a:shade val="63000"/>
+                <a:satMod val="120000"/>
+              </a:schemeClr>
+            </a:gs>
+          </a:gsLst>
+          <a:lin ang="5400000" scaled="0"/>
+        </a:gradFill>
+      </a:bgFillStyleLst>
+    </a:fmtScheme>
+  </a:themeElements>
+  <a:objectDefaults/>
+  <a:extraClrSchemeLst/>
+  <a:extLst>
+    <a:ext uri="{05A4C25C-085E-4340-85A3-A5531E510DB2}">
+      <thm15:themeFamily xmlns:thm15="http://schemas.microsoft.com/office/thememl/2012/main" name="Office Theme" id="{62F939B6-93AF-4DB8-9C6B-D6C7DFDC589F}" vid="{4A3C46E8-61CC-4603-A589-7422A47A8E4A}"/>
+    </a:ext>
+  </a:extLst>
+</a:theme>
 </file>
--- a/Design Patterns/Bridge Design Pattern.pptx
+++ b/Design Patterns/Bridge Design Pattern.pptx
@@ -5,12 +5,15 @@
     <p:sldMasterId id="2147483648" r:id="rId1"/>
   </p:sldMasterIdLst>
   <p:notesMasterIdLst>
-    <p:notesMasterId r:id="rId5"/>
+    <p:notesMasterId r:id="rId8"/>
   </p:notesMasterIdLst>
   <p:sldIdLst>
     <p:sldId id="256" r:id="rId2"/>
     <p:sldId id="257" r:id="rId3"/>
-    <p:sldId id="258" r:id="rId4"/>
+    <p:sldId id="259" r:id="rId4"/>
+    <p:sldId id="260" r:id="rId5"/>
+    <p:sldId id="261" r:id="rId6"/>
+    <p:sldId id="258" r:id="rId7"/>
   </p:sldIdLst>
   <p:sldSz cx="12192000" cy="6858000"/>
   <p:notesSz cx="6858000" cy="9144000"/>
@@ -199,7 +202,7 @@
           <a:p>
             <a:fld id="{D9223263-2300-4AC1-BB7E-FFDBA5CF77B2}" type="datetimeFigureOut">
               <a:rPr lang="en-US" smtClean="0"/>
-              <a:t>4/25/2019</a:t>
+              <a:t>4/26/2019</a:t>
             </a:fld>
             <a:endParaRPr lang="en-US"/>
           </a:p>
@@ -511,12 +514,28 @@
           <a:lstStyle/>
           <a:p>
             <a:r>
-              <a:rPr lang="en-US">
-                <a:hlinkClick r:id="rId3"/>
-              </a:rPr>
-              <a:t>https://www.youtube.com/watch?v=9jIgSsIfh_8</a:t>
+              <a:rPr lang="en-US" dirty="0"/>
+              <a:t>A real world example of this is devices and remote controllers.  The device classes act as the implementation and the remotes act as the abstraction.  The base remote class is linked with a device object, thus creating our bridge.  We can define high level controls in the remote abstraction such as power on/off and volume up/down.  The corresponding methods can be defined in the base device class.</a:t>
             </a:r>
-            <a:endParaRPr lang="en-US"/>
+            <a:br>
+              <a:rPr lang="en-US" dirty="0"/>
+            </a:br>
+            <a:br>
+              <a:rPr lang="en-US" dirty="0"/>
+            </a:br>
+            <a:r>
+              <a:rPr lang="en-US" dirty="0"/>
+              <a:t>From there, you can extended the base remote class for more specific devices.  A DVD remote can be extended to pause/play, rewind/fast forward, etc.  Whereas, a TV remote might have the ability to change channels or mute.</a:t>
+            </a:r>
+          </a:p>
+          <a:p>
+            <a:endParaRPr lang="en-US" dirty="0"/>
+          </a:p>
+          <a:p>
+            <a:r>
+              <a:rPr lang="en-US" dirty="0"/>
+              <a:t>This design patterns allows you to change or add new classes without touching the opposite hierarchy.</a:t>
+            </a:r>
           </a:p>
         </p:txBody>
       </p:sp>
@@ -547,6 +566,462 @@
     <p:extLst>
       <p:ext uri="{BB962C8B-B14F-4D97-AF65-F5344CB8AC3E}">
         <p14:creationId xmlns:p14="http://schemas.microsoft.com/office/powerpoint/2010/main" val="3164694390"/>
+      </p:ext>
+    </p:extLst>
+  </p:cSld>
+  <p:clrMapOvr>
+    <a:masterClrMapping/>
+  </p:clrMapOvr>
+</p:notes>
+</file>
+
+<file path=ppt/notesSlides/notesSlide2.xml><?xml version="1.0" encoding="utf-8"?>
+<p:notes xmlns:a="http://schemas.openxmlformats.org/drawingml/2006/main" xmlns:r="http://schemas.openxmlformats.org/officeDocument/2006/relationships" xmlns:p="http://schemas.openxmlformats.org/presentationml/2006/main">
+  <p:cSld>
+    <p:spTree>
+      <p:nvGrpSpPr>
+        <p:cNvPr id="1" name=""/>
+        <p:cNvGrpSpPr/>
+        <p:nvPr/>
+      </p:nvGrpSpPr>
+      <p:grpSpPr>
+        <a:xfrm>
+          <a:off x="0" y="0"/>
+          <a:ext cx="0" cy="0"/>
+          <a:chOff x="0" y="0"/>
+          <a:chExt cx="0" cy="0"/>
+        </a:xfrm>
+      </p:grpSpPr>
+      <p:sp>
+        <p:nvSpPr>
+          <p:cNvPr id="2" name="Slide Image Placeholder 1"/>
+          <p:cNvSpPr>
+            <a:spLocks noGrp="1" noRot="1" noChangeAspect="1"/>
+          </p:cNvSpPr>
+          <p:nvPr>
+            <p:ph type="sldImg"/>
+          </p:nvPr>
+        </p:nvSpPr>
+        <p:spPr/>
+      </p:sp>
+      <p:sp>
+        <p:nvSpPr>
+          <p:cNvPr id="3" name="Notes Placeholder 2"/>
+          <p:cNvSpPr>
+            <a:spLocks noGrp="1"/>
+          </p:cNvSpPr>
+          <p:nvPr>
+            <p:ph type="body" idx="1"/>
+          </p:nvPr>
+        </p:nvSpPr>
+        <p:spPr/>
+        <p:txBody>
+          <a:bodyPr/>
+          <a:lstStyle/>
+          <a:p>
+            <a:r>
+              <a:rPr lang="en-US" dirty="0"/>
+              <a:t>There are separate hierarchies for the abstraction and implementor making them independent of each other.  The abstraction defines the abstract interface and maintains the implementor reference.  This can be extended through the </a:t>
+            </a:r>
+            <a:r>
+              <a:rPr lang="en-US" dirty="0" err="1"/>
+              <a:t>RefinedAbstraction</a:t>
+            </a:r>
+            <a:r>
+              <a:rPr lang="en-US" dirty="0"/>
+              <a:t>.  The implementor defines the interface for the implementation classes.  The </a:t>
+            </a:r>
+            <a:r>
+              <a:rPr lang="en-US" dirty="0" err="1"/>
+              <a:t>ConcreteImplementor</a:t>
+            </a:r>
+            <a:r>
+              <a:rPr lang="en-US" dirty="0"/>
+              <a:t> inherits from the Implementor and defines additional functionality.</a:t>
+            </a:r>
+          </a:p>
+        </p:txBody>
+      </p:sp>
+      <p:sp>
+        <p:nvSpPr>
+          <p:cNvPr id="4" name="Slide Number Placeholder 3"/>
+          <p:cNvSpPr>
+            <a:spLocks noGrp="1"/>
+          </p:cNvSpPr>
+          <p:nvPr>
+            <p:ph type="sldNum" sz="quarter" idx="5"/>
+          </p:nvPr>
+        </p:nvSpPr>
+        <p:spPr/>
+        <p:txBody>
+          <a:bodyPr/>
+          <a:lstStyle/>
+          <a:p>
+            <a:fld id="{0187D12A-64D4-4043-8A6B-E859BF4A2B12}" type="slidenum">
+              <a:rPr lang="en-US" smtClean="0"/>
+              <a:t>3</a:t>
+            </a:fld>
+            <a:endParaRPr lang="en-US"/>
+          </a:p>
+        </p:txBody>
+      </p:sp>
+    </p:spTree>
+    <p:extLst>
+      <p:ext uri="{BB962C8B-B14F-4D97-AF65-F5344CB8AC3E}">
+        <p14:creationId xmlns:p14="http://schemas.microsoft.com/office/powerpoint/2010/main" val="3093347112"/>
+      </p:ext>
+    </p:extLst>
+  </p:cSld>
+  <p:clrMapOvr>
+    <a:masterClrMapping/>
+  </p:clrMapOvr>
+</p:notes>
+</file>
+
+<file path=ppt/notesSlides/notesSlide3.xml><?xml version="1.0" encoding="utf-8"?>
+<p:notes xmlns:a="http://schemas.openxmlformats.org/drawingml/2006/main" xmlns:r="http://schemas.openxmlformats.org/officeDocument/2006/relationships" xmlns:p="http://schemas.openxmlformats.org/presentationml/2006/main">
+  <p:cSld>
+    <p:spTree>
+      <p:nvGrpSpPr>
+        <p:cNvPr id="1" name=""/>
+        <p:cNvGrpSpPr/>
+        <p:nvPr/>
+      </p:nvGrpSpPr>
+      <p:grpSpPr>
+        <a:xfrm>
+          <a:off x="0" y="0"/>
+          <a:ext cx="0" cy="0"/>
+          <a:chOff x="0" y="0"/>
+          <a:chExt cx="0" cy="0"/>
+        </a:xfrm>
+      </p:grpSpPr>
+      <p:sp>
+        <p:nvSpPr>
+          <p:cNvPr id="2" name="Slide Image Placeholder 1"/>
+          <p:cNvSpPr>
+            <a:spLocks noGrp="1" noRot="1" noChangeAspect="1"/>
+          </p:cNvSpPr>
+          <p:nvPr>
+            <p:ph type="sldImg"/>
+          </p:nvPr>
+        </p:nvSpPr>
+        <p:spPr/>
+      </p:sp>
+      <p:sp>
+        <p:nvSpPr>
+          <p:cNvPr id="3" name="Notes Placeholder 2"/>
+          <p:cNvSpPr>
+            <a:spLocks noGrp="1"/>
+          </p:cNvSpPr>
+          <p:nvPr>
+            <p:ph type="body" idx="1"/>
+          </p:nvPr>
+        </p:nvSpPr>
+        <p:spPr/>
+        <p:txBody>
+          <a:bodyPr/>
+          <a:lstStyle/>
+          <a:p>
+            <a:r>
+              <a:rPr lang="en-US" dirty="0"/>
+              <a:t>The </a:t>
+            </a:r>
+            <a:r>
+              <a:rPr lang="en-US" dirty="0" err="1"/>
+              <a:t>RemoteControl</a:t>
+            </a:r>
+            <a:r>
+              <a:rPr lang="en-US" dirty="0"/>
+              <a:t> abstraction defines the interface for control of the both hierarchies and maintains a refence to an object from the implementation hierarchy where all the work is performed.  This abstraction can be extended like </a:t>
+            </a:r>
+            <a:r>
+              <a:rPr lang="en-US" dirty="0" err="1"/>
+              <a:t>AdvancedRemoteControl</a:t>
+            </a:r>
+            <a:r>
+              <a:rPr lang="en-US" dirty="0"/>
+              <a:t> with additional methods independently from the device hierarchy.</a:t>
+            </a:r>
+            <a:br>
+              <a:rPr lang="en-US" dirty="0"/>
+            </a:br>
+            <a:br>
+              <a:rPr lang="en-US" dirty="0"/>
+            </a:br>
+            <a:r>
+              <a:rPr lang="en-US" dirty="0"/>
+              <a:t>The Device interface is an implementation interface where all the common methods are declared.  This does not have to match the abstraction’s interface but all concrete implementors such as TV and Radio must follow this interface.</a:t>
+            </a:r>
+          </a:p>
+          <a:p>
+            <a:endParaRPr lang="en-US" dirty="0"/>
+          </a:p>
+          <a:p>
+            <a:r>
+              <a:rPr lang="en-US" dirty="0">
+                <a:hlinkClick r:id="rId3"/>
+              </a:rPr>
+              <a:t>https://refactoring.guru/design-patterns/bridge</a:t>
+            </a:r>
+            <a:endParaRPr lang="en-US" dirty="0"/>
+          </a:p>
+        </p:txBody>
+      </p:sp>
+      <p:sp>
+        <p:nvSpPr>
+          <p:cNvPr id="4" name="Slide Number Placeholder 3"/>
+          <p:cNvSpPr>
+            <a:spLocks noGrp="1"/>
+          </p:cNvSpPr>
+          <p:nvPr>
+            <p:ph type="sldNum" sz="quarter" idx="5"/>
+          </p:nvPr>
+        </p:nvSpPr>
+        <p:spPr/>
+        <p:txBody>
+          <a:bodyPr/>
+          <a:lstStyle/>
+          <a:p>
+            <a:fld id="{0187D12A-64D4-4043-8A6B-E859BF4A2B12}" type="slidenum">
+              <a:rPr lang="en-US" smtClean="0"/>
+              <a:t>4</a:t>
+            </a:fld>
+            <a:endParaRPr lang="en-US"/>
+          </a:p>
+        </p:txBody>
+      </p:sp>
+    </p:spTree>
+    <p:extLst>
+      <p:ext uri="{BB962C8B-B14F-4D97-AF65-F5344CB8AC3E}">
+        <p14:creationId xmlns:p14="http://schemas.microsoft.com/office/powerpoint/2010/main" val="2044394"/>
+      </p:ext>
+    </p:extLst>
+  </p:cSld>
+  <p:clrMapOvr>
+    <a:masterClrMapping/>
+  </p:clrMapOvr>
+</p:notes>
+</file>
+
+<file path=ppt/notesSlides/notesSlide4.xml><?xml version="1.0" encoding="utf-8"?>
+<p:notes xmlns:a="http://schemas.openxmlformats.org/drawingml/2006/main" xmlns:r="http://schemas.openxmlformats.org/officeDocument/2006/relationships" xmlns:p="http://schemas.openxmlformats.org/presentationml/2006/main">
+  <p:cSld>
+    <p:spTree>
+      <p:nvGrpSpPr>
+        <p:cNvPr id="1" name=""/>
+        <p:cNvGrpSpPr/>
+        <p:nvPr/>
+      </p:nvGrpSpPr>
+      <p:grpSpPr>
+        <a:xfrm>
+          <a:off x="0" y="0"/>
+          <a:ext cx="0" cy="0"/>
+          <a:chOff x="0" y="0"/>
+          <a:chExt cx="0" cy="0"/>
+        </a:xfrm>
+      </p:grpSpPr>
+      <p:sp>
+        <p:nvSpPr>
+          <p:cNvPr id="2" name="Slide Image Placeholder 1"/>
+          <p:cNvSpPr>
+            <a:spLocks noGrp="1" noRot="1" noChangeAspect="1"/>
+          </p:cNvSpPr>
+          <p:nvPr>
+            <p:ph type="sldImg"/>
+          </p:nvPr>
+        </p:nvSpPr>
+        <p:spPr/>
+      </p:sp>
+      <p:sp>
+        <p:nvSpPr>
+          <p:cNvPr id="3" name="Notes Placeholder 2"/>
+          <p:cNvSpPr>
+            <a:spLocks noGrp="1"/>
+          </p:cNvSpPr>
+          <p:nvPr>
+            <p:ph type="body" idx="1"/>
+          </p:nvPr>
+        </p:nvSpPr>
+        <p:spPr/>
+        <p:txBody>
+          <a:bodyPr/>
+          <a:lstStyle/>
+          <a:p>
+            <a:pPr marL="171450" indent="-171450">
+              <a:buFontTx/>
+              <a:buChar char="-"/>
+            </a:pPr>
+            <a:r>
+              <a:rPr lang="en-US" dirty="0"/>
+              <a:t>Abstraction and Implementation</a:t>
+            </a:r>
+          </a:p>
+          <a:p>
+            <a:pPr marL="171450" indent="-171450">
+              <a:buFontTx/>
+              <a:buChar char="-"/>
+            </a:pPr>
+            <a:r>
+              <a:rPr lang="en-US" dirty="0"/>
+              <a:t>No, this is the main benefit of the Bridge Design Pattern.</a:t>
+            </a:r>
+          </a:p>
+          <a:p>
+            <a:pPr marL="171450" indent="-171450">
+              <a:buFontTx/>
+              <a:buChar char="-"/>
+            </a:pPr>
+            <a:r>
+              <a:rPr lang="en-US" sz="1200" b="0" i="0" kern="1200" dirty="0">
+                <a:solidFill>
+                  <a:schemeClr val="tx1"/>
+                </a:solidFill>
+                <a:effectLst/>
+                <a:latin typeface="+mn-lt"/>
+                <a:ea typeface="+mn-ea"/>
+                <a:cs typeface="+mn-cs"/>
+              </a:rPr>
+              <a:t>The Abstraction</a:t>
+            </a:r>
+            <a:r>
+              <a:rPr lang="en-US" sz="1200" b="1" i="0" kern="1200" dirty="0">
+                <a:solidFill>
+                  <a:schemeClr val="tx1"/>
+                </a:solidFill>
+                <a:effectLst/>
+                <a:latin typeface="+mn-lt"/>
+                <a:ea typeface="+mn-ea"/>
+                <a:cs typeface="+mn-cs"/>
+              </a:rPr>
+              <a:t> </a:t>
+            </a:r>
+            <a:r>
+              <a:rPr lang="en-US" sz="1200" b="0" i="0" kern="1200" dirty="0">
+                <a:solidFill>
+                  <a:schemeClr val="tx1"/>
+                </a:solidFill>
+                <a:effectLst/>
+                <a:latin typeface="+mn-lt"/>
+                <a:ea typeface="+mn-ea"/>
+                <a:cs typeface="+mn-cs"/>
+              </a:rPr>
+              <a:t>provides high-level control logic and relies on the implementation object to do the actual low-level work.</a:t>
+            </a:r>
+            <a:endParaRPr lang="en-US" dirty="0"/>
+          </a:p>
+        </p:txBody>
+      </p:sp>
+      <p:sp>
+        <p:nvSpPr>
+          <p:cNvPr id="4" name="Slide Number Placeholder 3"/>
+          <p:cNvSpPr>
+            <a:spLocks noGrp="1"/>
+          </p:cNvSpPr>
+          <p:nvPr>
+            <p:ph type="sldNum" sz="quarter" idx="5"/>
+          </p:nvPr>
+        </p:nvSpPr>
+        <p:spPr/>
+        <p:txBody>
+          <a:bodyPr/>
+          <a:lstStyle/>
+          <a:p>
+            <a:fld id="{0187D12A-64D4-4043-8A6B-E859BF4A2B12}" type="slidenum">
+              <a:rPr lang="en-US" smtClean="0"/>
+              <a:t>5</a:t>
+            </a:fld>
+            <a:endParaRPr lang="en-US"/>
+          </a:p>
+        </p:txBody>
+      </p:sp>
+    </p:spTree>
+    <p:extLst>
+      <p:ext uri="{BB962C8B-B14F-4D97-AF65-F5344CB8AC3E}">
+        <p14:creationId xmlns:p14="http://schemas.microsoft.com/office/powerpoint/2010/main" val="2905221136"/>
+      </p:ext>
+    </p:extLst>
+  </p:cSld>
+  <p:clrMapOvr>
+    <a:masterClrMapping/>
+  </p:clrMapOvr>
+</p:notes>
+</file>
+
+<file path=ppt/notesSlides/notesSlide5.xml><?xml version="1.0" encoding="utf-8"?>
+<p:notes xmlns:a="http://schemas.openxmlformats.org/drawingml/2006/main" xmlns:r="http://schemas.openxmlformats.org/officeDocument/2006/relationships" xmlns:p="http://schemas.openxmlformats.org/presentationml/2006/main">
+  <p:cSld>
+    <p:spTree>
+      <p:nvGrpSpPr>
+        <p:cNvPr id="1" name=""/>
+        <p:cNvGrpSpPr/>
+        <p:nvPr/>
+      </p:nvGrpSpPr>
+      <p:grpSpPr>
+        <a:xfrm>
+          <a:off x="0" y="0"/>
+          <a:ext cx="0" cy="0"/>
+          <a:chOff x="0" y="0"/>
+          <a:chExt cx="0" cy="0"/>
+        </a:xfrm>
+      </p:grpSpPr>
+      <p:sp>
+        <p:nvSpPr>
+          <p:cNvPr id="2" name="Slide Image Placeholder 1"/>
+          <p:cNvSpPr>
+            <a:spLocks noGrp="1" noRot="1" noChangeAspect="1"/>
+          </p:cNvSpPr>
+          <p:nvPr>
+            <p:ph type="sldImg"/>
+          </p:nvPr>
+        </p:nvSpPr>
+        <p:spPr/>
+      </p:sp>
+      <p:sp>
+        <p:nvSpPr>
+          <p:cNvPr id="3" name="Notes Placeholder 2"/>
+          <p:cNvSpPr>
+            <a:spLocks noGrp="1"/>
+          </p:cNvSpPr>
+          <p:nvPr>
+            <p:ph type="body" idx="1"/>
+          </p:nvPr>
+        </p:nvSpPr>
+        <p:spPr/>
+        <p:txBody>
+          <a:bodyPr/>
+          <a:lstStyle/>
+          <a:p>
+            <a:endParaRPr lang="en-US" dirty="0"/>
+          </a:p>
+        </p:txBody>
+      </p:sp>
+      <p:sp>
+        <p:nvSpPr>
+          <p:cNvPr id="4" name="Slide Number Placeholder 3"/>
+          <p:cNvSpPr>
+            <a:spLocks noGrp="1"/>
+          </p:cNvSpPr>
+          <p:nvPr>
+            <p:ph type="sldNum" sz="quarter" idx="5"/>
+          </p:nvPr>
+        </p:nvSpPr>
+        <p:spPr/>
+        <p:txBody>
+          <a:bodyPr/>
+          <a:lstStyle/>
+          <a:p>
+            <a:fld id="{0187D12A-64D4-4043-8A6B-E859BF4A2B12}" type="slidenum">
+              <a:rPr lang="en-US" smtClean="0"/>
+              <a:t>6</a:t>
+            </a:fld>
+            <a:endParaRPr lang="en-US"/>
+          </a:p>
+        </p:txBody>
+      </p:sp>
+    </p:spTree>
+    <p:extLst>
+      <p:ext uri="{BB962C8B-B14F-4D97-AF65-F5344CB8AC3E}">
+        <p14:creationId xmlns:p14="http://schemas.microsoft.com/office/powerpoint/2010/main" val="1359181875"/>
       </p:ext>
     </p:extLst>
   </p:cSld>
@@ -613,7 +1088,7 @@
           <a:noFill/>
           <a:extLst>
             <a:ext uri="{909E8E84-426E-40dd-AFC4-6F175D3DCCD1}">
-              <a14:hiddenFill xmlns="" xmlns:a14="http://schemas.microsoft.com/office/drawing/2010/main">
+              <a14:hiddenFill xmlns:a14="http://schemas.microsoft.com/office/drawing/2010/main" xmlns="">
                 <a:solidFill>
                   <a:srgbClr val="FFFFFF"/>
                 </a:solidFill>
@@ -672,7 +1147,7 @@
             </a:ln>
             <a:extLst>
               <a:ext uri="{91240B29-F687-4f45-9708-019B960494DF}">
-                <a14:hiddenLine xmlns="" xmlns:a14="http://schemas.microsoft.com/office/drawing/2010/main" w="9525">
+                <a14:hiddenLine xmlns:a14="http://schemas.microsoft.com/office/drawing/2010/main" xmlns="" w="9525">
                   <a:solidFill>
                     <a:srgbClr val="000000"/>
                   </a:solidFill>
@@ -762,7 +1237,7 @@
             </a:ln>
             <a:extLst>
               <a:ext uri="{91240B29-F687-4f45-9708-019B960494DF}">
-                <a14:hiddenLine xmlns="" xmlns:a14="http://schemas.microsoft.com/office/drawing/2010/main" w="9525">
+                <a14:hiddenLine xmlns:a14="http://schemas.microsoft.com/office/drawing/2010/main" xmlns="" w="9525">
                   <a:solidFill>
                     <a:srgbClr val="000000"/>
                   </a:solidFill>
@@ -852,7 +1327,7 @@
             </a:ln>
             <a:extLst>
               <a:ext uri="{91240B29-F687-4f45-9708-019B960494DF}">
-                <a14:hiddenLine xmlns="" xmlns:a14="http://schemas.microsoft.com/office/drawing/2010/main" w="9525">
+                <a14:hiddenLine xmlns:a14="http://schemas.microsoft.com/office/drawing/2010/main" xmlns="" w="9525">
                   <a:solidFill>
                     <a:srgbClr val="000000"/>
                   </a:solidFill>
@@ -886,7 +1361,7 @@
             </a:ln>
             <a:extLst>
               <a:ext uri="{91240B29-F687-4f45-9708-019B960494DF}">
-                <a14:hiddenLine xmlns="" xmlns:a14="http://schemas.microsoft.com/office/drawing/2010/main" w="9525">
+                <a14:hiddenLine xmlns:a14="http://schemas.microsoft.com/office/drawing/2010/main" xmlns="" w="9525">
                   <a:solidFill>
                     <a:srgbClr val="000000"/>
                   </a:solidFill>
@@ -976,7 +1451,7 @@
             </a:ln>
             <a:extLst>
               <a:ext uri="{91240B29-F687-4f45-9708-019B960494DF}">
-                <a14:hiddenLine xmlns="" xmlns:a14="http://schemas.microsoft.com/office/drawing/2010/main" w="9525">
+                <a14:hiddenLine xmlns:a14="http://schemas.microsoft.com/office/drawing/2010/main" xmlns="" w="9525">
                   <a:solidFill>
                     <a:srgbClr val="000000"/>
                   </a:solidFill>
@@ -1038,7 +1513,7 @@
             </a:ln>
             <a:extLst>
               <a:ext uri="{91240B29-F687-4f45-9708-019B960494DF}">
-                <a14:hiddenLine xmlns="" xmlns:a14="http://schemas.microsoft.com/office/drawing/2010/main" w="9525">
+                <a14:hiddenLine xmlns:a14="http://schemas.microsoft.com/office/drawing/2010/main" xmlns="" w="9525">
                   <a:solidFill>
                     <a:srgbClr val="000000"/>
                   </a:solidFill>
@@ -1100,7 +1575,7 @@
             </a:ln>
             <a:extLst>
               <a:ext uri="{91240B29-F687-4f45-9708-019B960494DF}">
-                <a14:hiddenLine xmlns="" xmlns:a14="http://schemas.microsoft.com/office/drawing/2010/main" w="9525">
+                <a14:hiddenLine xmlns:a14="http://schemas.microsoft.com/office/drawing/2010/main" xmlns="" w="9525">
                   <a:solidFill>
                     <a:srgbClr val="000000"/>
                   </a:solidFill>
@@ -1190,7 +1665,7 @@
             </a:ln>
             <a:extLst>
               <a:ext uri="{91240B29-F687-4f45-9708-019B960494DF}">
-                <a14:hiddenLine xmlns="" xmlns:a14="http://schemas.microsoft.com/office/drawing/2010/main" w="9525">
+                <a14:hiddenLine xmlns:a14="http://schemas.microsoft.com/office/drawing/2010/main" xmlns="" w="9525">
                   <a:solidFill>
                     <a:srgbClr val="000000"/>
                   </a:solidFill>
@@ -1252,7 +1727,7 @@
             </a:ln>
             <a:extLst>
               <a:ext uri="{91240B29-F687-4f45-9708-019B960494DF}">
-                <a14:hiddenLine xmlns="" xmlns:a14="http://schemas.microsoft.com/office/drawing/2010/main" w="9525">
+                <a14:hiddenLine xmlns:a14="http://schemas.microsoft.com/office/drawing/2010/main" xmlns="" w="9525">
                   <a:solidFill>
                     <a:srgbClr val="000000"/>
                   </a:solidFill>
@@ -1314,7 +1789,7 @@
             </a:ln>
             <a:extLst>
               <a:ext uri="{91240B29-F687-4f45-9708-019B960494DF}">
-                <a14:hiddenLine xmlns="" xmlns:a14="http://schemas.microsoft.com/office/drawing/2010/main" w="9525">
+                <a14:hiddenLine xmlns:a14="http://schemas.microsoft.com/office/drawing/2010/main" xmlns="" w="9525">
                   <a:solidFill>
                     <a:srgbClr val="000000"/>
                   </a:solidFill>
@@ -1404,7 +1879,7 @@
             </a:ln>
             <a:extLst>
               <a:ext uri="{91240B29-F687-4f45-9708-019B960494DF}">
-                <a14:hiddenLine xmlns="" xmlns:a14="http://schemas.microsoft.com/office/drawing/2010/main" w="9525">
+                <a14:hiddenLine xmlns:a14="http://schemas.microsoft.com/office/drawing/2010/main" xmlns="" w="9525">
                   <a:solidFill>
                     <a:srgbClr val="000000"/>
                   </a:solidFill>
@@ -1494,7 +1969,7 @@
             </a:ln>
             <a:extLst>
               <a:ext uri="{91240B29-F687-4f45-9708-019B960494DF}">
-                <a14:hiddenLine xmlns="" xmlns:a14="http://schemas.microsoft.com/office/drawing/2010/main" w="9525">
+                <a14:hiddenLine xmlns:a14="http://schemas.microsoft.com/office/drawing/2010/main" xmlns="" w="9525">
                   <a:solidFill>
                     <a:srgbClr val="000000"/>
                   </a:solidFill>
@@ -1556,7 +2031,7 @@
             </a:ln>
             <a:extLst>
               <a:ext uri="{91240B29-F687-4f45-9708-019B960494DF}">
-                <a14:hiddenLine xmlns="" xmlns:a14="http://schemas.microsoft.com/office/drawing/2010/main" w="9525">
+                <a14:hiddenLine xmlns:a14="http://schemas.microsoft.com/office/drawing/2010/main" xmlns="" w="9525">
                   <a:solidFill>
                     <a:srgbClr val="000000"/>
                   </a:solidFill>
@@ -1666,7 +2141,7 @@
             </a:ln>
             <a:extLst>
               <a:ext uri="{91240B29-F687-4f45-9708-019B960494DF}">
-                <a14:hiddenLine xmlns="" xmlns:a14="http://schemas.microsoft.com/office/drawing/2010/main" w="9525">
+                <a14:hiddenLine xmlns:a14="http://schemas.microsoft.com/office/drawing/2010/main" xmlns="" w="9525">
                   <a:solidFill>
                     <a:srgbClr val="000000"/>
                   </a:solidFill>
@@ -1728,7 +2203,7 @@
             </a:ln>
             <a:extLst>
               <a:ext uri="{91240B29-F687-4f45-9708-019B960494DF}">
-                <a14:hiddenLine xmlns="" xmlns:a14="http://schemas.microsoft.com/office/drawing/2010/main" w="9525">
+                <a14:hiddenLine xmlns:a14="http://schemas.microsoft.com/office/drawing/2010/main" xmlns="" w="9525">
                   <a:solidFill>
                     <a:srgbClr val="000000"/>
                   </a:solidFill>
@@ -1818,7 +2293,7 @@
             </a:ln>
             <a:extLst>
               <a:ext uri="{91240B29-F687-4f45-9708-019B960494DF}">
-                <a14:hiddenLine xmlns="" xmlns:a14="http://schemas.microsoft.com/office/drawing/2010/main" w="9525">
+                <a14:hiddenLine xmlns:a14="http://schemas.microsoft.com/office/drawing/2010/main" xmlns="" w="9525">
                   <a:solidFill>
                     <a:srgbClr val="000000"/>
                   </a:solidFill>
@@ -1908,7 +2383,7 @@
             </a:ln>
             <a:extLst>
               <a:ext uri="{91240B29-F687-4f45-9708-019B960494DF}">
-                <a14:hiddenLine xmlns="" xmlns:a14="http://schemas.microsoft.com/office/drawing/2010/main" w="9525">
+                <a14:hiddenLine xmlns:a14="http://schemas.microsoft.com/office/drawing/2010/main" xmlns="" w="9525">
                   <a:solidFill>
                     <a:srgbClr val="000000"/>
                   </a:solidFill>
@@ -1970,7 +2445,7 @@
             </a:ln>
             <a:extLst>
               <a:ext uri="{91240B29-F687-4f45-9708-019B960494DF}">
-                <a14:hiddenLine xmlns="" xmlns:a14="http://schemas.microsoft.com/office/drawing/2010/main" w="9525">
+                <a14:hiddenLine xmlns:a14="http://schemas.microsoft.com/office/drawing/2010/main" xmlns="" w="9525">
                   <a:solidFill>
                     <a:srgbClr val="000000"/>
                   </a:solidFill>
@@ -2060,7 +2535,7 @@
             </a:ln>
             <a:extLst>
               <a:ext uri="{91240B29-F687-4f45-9708-019B960494DF}">
-                <a14:hiddenLine xmlns="" xmlns:a14="http://schemas.microsoft.com/office/drawing/2010/main" w="9525">
+                <a14:hiddenLine xmlns:a14="http://schemas.microsoft.com/office/drawing/2010/main" xmlns="" w="9525">
                   <a:solidFill>
                     <a:srgbClr val="000000"/>
                   </a:solidFill>
@@ -2150,7 +2625,7 @@
             </a:ln>
             <a:extLst>
               <a:ext uri="{91240B29-F687-4f45-9708-019B960494DF}">
-                <a14:hiddenLine xmlns="" xmlns:a14="http://schemas.microsoft.com/office/drawing/2010/main" w="9525">
+                <a14:hiddenLine xmlns:a14="http://schemas.microsoft.com/office/drawing/2010/main" xmlns="" w="9525">
                   <a:solidFill>
                     <a:srgbClr val="000000"/>
                   </a:solidFill>
@@ -2206,7 +2681,7 @@
             </a:ln>
             <a:extLst>
               <a:ext uri="{91240B29-F687-4f45-9708-019B960494DF}">
-                <a14:hiddenLine xmlns="" xmlns:a14="http://schemas.microsoft.com/office/drawing/2010/main" w="9525">
+                <a14:hiddenLine xmlns:a14="http://schemas.microsoft.com/office/drawing/2010/main" xmlns="" w="9525">
                   <a:solidFill>
                     <a:srgbClr val="000000"/>
                   </a:solidFill>
@@ -2296,7 +2771,7 @@
             </a:ln>
             <a:extLst>
               <a:ext uri="{91240B29-F687-4f45-9708-019B960494DF}">
-                <a14:hiddenLine xmlns="" xmlns:a14="http://schemas.microsoft.com/office/drawing/2010/main" w="9525">
+                <a14:hiddenLine xmlns:a14="http://schemas.microsoft.com/office/drawing/2010/main" xmlns="" w="9525">
                   <a:solidFill>
                     <a:srgbClr val="000000"/>
                   </a:solidFill>
@@ -2352,7 +2827,7 @@
             </a:ln>
             <a:extLst>
               <a:ext uri="{91240B29-F687-4f45-9708-019B960494DF}">
-                <a14:hiddenLine xmlns="" xmlns:a14="http://schemas.microsoft.com/office/drawing/2010/main" w="9525">
+                <a14:hiddenLine xmlns:a14="http://schemas.microsoft.com/office/drawing/2010/main" xmlns="" w="9525">
                   <a:solidFill>
                     <a:srgbClr val="000000"/>
                   </a:solidFill>
@@ -2442,7 +2917,7 @@
             </a:ln>
             <a:extLst>
               <a:ext uri="{91240B29-F687-4f45-9708-019B960494DF}">
-                <a14:hiddenLine xmlns="" xmlns:a14="http://schemas.microsoft.com/office/drawing/2010/main" w="9525">
+                <a14:hiddenLine xmlns:a14="http://schemas.microsoft.com/office/drawing/2010/main" xmlns="" w="9525">
                   <a:solidFill>
                     <a:srgbClr val="000000"/>
                   </a:solidFill>
@@ -2510,7 +2985,7 @@
             </a:ln>
             <a:extLst>
               <a:ext uri="{91240B29-F687-4f45-9708-019B960494DF}">
-                <a14:hiddenLine xmlns="" xmlns:a14="http://schemas.microsoft.com/office/drawing/2010/main" w="9525">
+                <a14:hiddenLine xmlns:a14="http://schemas.microsoft.com/office/drawing/2010/main" xmlns="" w="9525">
                   <a:solidFill>
                     <a:srgbClr val="000000"/>
                   </a:solidFill>
@@ -2600,7 +3075,7 @@
             </a:ln>
             <a:extLst>
               <a:ext uri="{91240B29-F687-4f45-9708-019B960494DF}">
-                <a14:hiddenLine xmlns="" xmlns:a14="http://schemas.microsoft.com/office/drawing/2010/main" w="9525">
+                <a14:hiddenLine xmlns:a14="http://schemas.microsoft.com/office/drawing/2010/main" xmlns="" w="9525">
                   <a:solidFill>
                     <a:srgbClr val="000000"/>
                   </a:solidFill>
@@ -2668,7 +3143,7 @@
             </a:ln>
             <a:extLst>
               <a:ext uri="{91240B29-F687-4f45-9708-019B960494DF}">
-                <a14:hiddenLine xmlns="" xmlns:a14="http://schemas.microsoft.com/office/drawing/2010/main" w="9525">
+                <a14:hiddenLine xmlns:a14="http://schemas.microsoft.com/office/drawing/2010/main" xmlns="" w="9525">
                   <a:solidFill>
                     <a:srgbClr val="000000"/>
                   </a:solidFill>
@@ -2758,7 +3233,7 @@
             </a:ln>
             <a:extLst>
               <a:ext uri="{91240B29-F687-4f45-9708-019B960494DF}">
-                <a14:hiddenLine xmlns="" xmlns:a14="http://schemas.microsoft.com/office/drawing/2010/main" w="9525">
+                <a14:hiddenLine xmlns:a14="http://schemas.microsoft.com/office/drawing/2010/main" xmlns="" w="9525">
                   <a:solidFill>
                     <a:srgbClr val="000000"/>
                   </a:solidFill>
@@ -2792,7 +3267,7 @@
             </a:ln>
             <a:extLst>
               <a:ext uri="{91240B29-F687-4f45-9708-019B960494DF}">
-                <a14:hiddenLine xmlns="" xmlns:a14="http://schemas.microsoft.com/office/drawing/2010/main" w="9525">
+                <a14:hiddenLine xmlns:a14="http://schemas.microsoft.com/office/drawing/2010/main" xmlns="" w="9525">
                   <a:solidFill>
                     <a:srgbClr val="000000"/>
                   </a:solidFill>
@@ -2882,7 +3357,7 @@
             </a:ln>
             <a:extLst>
               <a:ext uri="{91240B29-F687-4f45-9708-019B960494DF}">
-                <a14:hiddenLine xmlns="" xmlns:a14="http://schemas.microsoft.com/office/drawing/2010/main" w="9525">
+                <a14:hiddenLine xmlns:a14="http://schemas.microsoft.com/office/drawing/2010/main" xmlns="" w="9525">
                   <a:solidFill>
                     <a:srgbClr val="000000"/>
                   </a:solidFill>
@@ -2944,7 +3419,7 @@
             </a:ln>
             <a:extLst>
               <a:ext uri="{91240B29-F687-4f45-9708-019B960494DF}">
-                <a14:hiddenLine xmlns="" xmlns:a14="http://schemas.microsoft.com/office/drawing/2010/main" w="9525">
+                <a14:hiddenLine xmlns:a14="http://schemas.microsoft.com/office/drawing/2010/main" xmlns="" w="9525">
                   <a:solidFill>
                     <a:srgbClr val="000000"/>
                   </a:solidFill>
@@ -3006,7 +3481,7 @@
             </a:ln>
             <a:extLst>
               <a:ext uri="{91240B29-F687-4f45-9708-019B960494DF}">
-                <a14:hiddenLine xmlns="" xmlns:a14="http://schemas.microsoft.com/office/drawing/2010/main" w="9525">
+                <a14:hiddenLine xmlns:a14="http://schemas.microsoft.com/office/drawing/2010/main" xmlns="" w="9525">
                   <a:solidFill>
                     <a:srgbClr val="000000"/>
                   </a:solidFill>
@@ -3096,7 +3571,7 @@
             </a:ln>
             <a:extLst>
               <a:ext uri="{91240B29-F687-4f45-9708-019B960494DF}">
-                <a14:hiddenLine xmlns="" xmlns:a14="http://schemas.microsoft.com/office/drawing/2010/main" w="9525">
+                <a14:hiddenLine xmlns:a14="http://schemas.microsoft.com/office/drawing/2010/main" xmlns="" w="9525">
                   <a:solidFill>
                     <a:srgbClr val="000000"/>
                   </a:solidFill>
@@ -3164,7 +3639,7 @@
             </a:ln>
             <a:extLst>
               <a:ext uri="{91240B29-F687-4f45-9708-019B960494DF}">
-                <a14:hiddenLine xmlns="" xmlns:a14="http://schemas.microsoft.com/office/drawing/2010/main" w="9525">
+                <a14:hiddenLine xmlns:a14="http://schemas.microsoft.com/office/drawing/2010/main" xmlns="" w="9525">
                   <a:solidFill>
                     <a:srgbClr val="000000"/>
                   </a:solidFill>
@@ -3226,7 +3701,7 @@
             </a:ln>
             <a:extLst>
               <a:ext uri="{91240B29-F687-4f45-9708-019B960494DF}">
-                <a14:hiddenLine xmlns="" xmlns:a14="http://schemas.microsoft.com/office/drawing/2010/main" w="9525">
+                <a14:hiddenLine xmlns:a14="http://schemas.microsoft.com/office/drawing/2010/main" xmlns="" w="9525">
                   <a:solidFill>
                     <a:srgbClr val="000000"/>
                   </a:solidFill>
@@ -3316,7 +3791,7 @@
             </a:ln>
             <a:extLst>
               <a:ext uri="{91240B29-F687-4f45-9708-019B960494DF}">
-                <a14:hiddenLine xmlns="" xmlns:a14="http://schemas.microsoft.com/office/drawing/2010/main" w="9525">
+                <a14:hiddenLine xmlns:a14="http://schemas.microsoft.com/office/drawing/2010/main" xmlns="" w="9525">
                   <a:solidFill>
                     <a:srgbClr val="000000"/>
                   </a:solidFill>
@@ -3378,7 +3853,7 @@
             </a:ln>
             <a:extLst>
               <a:ext uri="{91240B29-F687-4f45-9708-019B960494DF}">
-                <a14:hiddenLine xmlns="" xmlns:a14="http://schemas.microsoft.com/office/drawing/2010/main" w="9525">
+                <a14:hiddenLine xmlns:a14="http://schemas.microsoft.com/office/drawing/2010/main" xmlns="" w="9525">
                   <a:solidFill>
                     <a:srgbClr val="000000"/>
                   </a:solidFill>
@@ -3468,7 +3943,7 @@
             </a:ln>
             <a:extLst>
               <a:ext uri="{91240B29-F687-4f45-9708-019B960494DF}">
-                <a14:hiddenLine xmlns="" xmlns:a14="http://schemas.microsoft.com/office/drawing/2010/main" w="9525">
+                <a14:hiddenLine xmlns:a14="http://schemas.microsoft.com/office/drawing/2010/main" xmlns="" w="9525">
                   <a:solidFill>
                     <a:srgbClr val="000000"/>
                   </a:solidFill>
@@ -3530,7 +4005,7 @@
             </a:ln>
             <a:extLst>
               <a:ext uri="{91240B29-F687-4f45-9708-019B960494DF}">
-                <a14:hiddenLine xmlns="" xmlns:a14="http://schemas.microsoft.com/office/drawing/2010/main" w="9525">
+                <a14:hiddenLine xmlns:a14="http://schemas.microsoft.com/office/drawing/2010/main" xmlns="" w="9525">
                   <a:solidFill>
                     <a:srgbClr val="000000"/>
                   </a:solidFill>
@@ -3620,7 +4095,7 @@
             </a:ln>
             <a:extLst>
               <a:ext uri="{91240B29-F687-4f45-9708-019B960494DF}">
-                <a14:hiddenLine xmlns="" xmlns:a14="http://schemas.microsoft.com/office/drawing/2010/main" w="9525">
+                <a14:hiddenLine xmlns:a14="http://schemas.microsoft.com/office/drawing/2010/main" xmlns="" w="9525">
                   <a:solidFill>
                     <a:srgbClr val="000000"/>
                   </a:solidFill>
@@ -3654,7 +4129,7 @@
             </a:ln>
             <a:extLst>
               <a:ext uri="{91240B29-F687-4f45-9708-019B960494DF}">
-                <a14:hiddenLine xmlns="" xmlns:a14="http://schemas.microsoft.com/office/drawing/2010/main" w="9525">
+                <a14:hiddenLine xmlns:a14="http://schemas.microsoft.com/office/drawing/2010/main" xmlns="" w="9525">
                   <a:solidFill>
                     <a:srgbClr val="000000"/>
                   </a:solidFill>
@@ -3719,7 +4194,7 @@
             </a:ln>
             <a:extLst>
               <a:ext uri="{91240B29-F687-4f45-9708-019B960494DF}">
-                <a14:hiddenLine xmlns="" xmlns:a14="http://schemas.microsoft.com/office/drawing/2010/main" w="9525">
+                <a14:hiddenLine xmlns:a14="http://schemas.microsoft.com/office/drawing/2010/main" xmlns="" w="9525">
                   <a:solidFill>
                     <a:srgbClr val="000000"/>
                   </a:solidFill>
@@ -3809,7 +4284,7 @@
             </a:ln>
             <a:extLst>
               <a:ext uri="{91240B29-F687-4f45-9708-019B960494DF}">
-                <a14:hiddenLine xmlns="" xmlns:a14="http://schemas.microsoft.com/office/drawing/2010/main" w="9525">
+                <a14:hiddenLine xmlns:a14="http://schemas.microsoft.com/office/drawing/2010/main" xmlns="" w="9525">
                   <a:solidFill>
                     <a:srgbClr val="000000"/>
                   </a:solidFill>
@@ -3871,7 +4346,7 @@
             </a:ln>
             <a:extLst>
               <a:ext uri="{91240B29-F687-4f45-9708-019B960494DF}">
-                <a14:hiddenLine xmlns="" xmlns:a14="http://schemas.microsoft.com/office/drawing/2010/main" w="9525">
+                <a14:hiddenLine xmlns:a14="http://schemas.microsoft.com/office/drawing/2010/main" xmlns="" w="9525">
                   <a:solidFill>
                     <a:srgbClr val="000000"/>
                   </a:solidFill>
@@ -3961,7 +4436,7 @@
             </a:ln>
             <a:extLst>
               <a:ext uri="{91240B29-F687-4f45-9708-019B960494DF}">
-                <a14:hiddenLine xmlns="" xmlns:a14="http://schemas.microsoft.com/office/drawing/2010/main" w="9525">
+                <a14:hiddenLine xmlns:a14="http://schemas.microsoft.com/office/drawing/2010/main" xmlns="" w="9525">
                   <a:solidFill>
                     <a:srgbClr val="000000"/>
                   </a:solidFill>
@@ -4051,7 +4526,7 @@
             </a:ln>
             <a:extLst>
               <a:ext uri="{91240B29-F687-4f45-9708-019B960494DF}">
-                <a14:hiddenLine xmlns="" xmlns:a14="http://schemas.microsoft.com/office/drawing/2010/main" w="9525">
+                <a14:hiddenLine xmlns:a14="http://schemas.microsoft.com/office/drawing/2010/main" xmlns="" w="9525">
                   <a:solidFill>
                     <a:srgbClr val="000000"/>
                   </a:solidFill>
@@ -4116,7 +4591,7 @@
             </a:ln>
             <a:extLst>
               <a:ext uri="{91240B29-F687-4f45-9708-019B960494DF}">
-                <a14:hiddenLine xmlns="" xmlns:a14="http://schemas.microsoft.com/office/drawing/2010/main" w="9525">
+                <a14:hiddenLine xmlns:a14="http://schemas.microsoft.com/office/drawing/2010/main" xmlns="" w="9525">
                   <a:solidFill>
                     <a:srgbClr val="000000"/>
                   </a:solidFill>
@@ -4178,7 +4653,7 @@
             </a:ln>
             <a:extLst>
               <a:ext uri="{91240B29-F687-4f45-9708-019B960494DF}">
-                <a14:hiddenLine xmlns="" xmlns:a14="http://schemas.microsoft.com/office/drawing/2010/main" w="9525">
+                <a14:hiddenLine xmlns:a14="http://schemas.microsoft.com/office/drawing/2010/main" xmlns="" w="9525">
                   <a:solidFill>
                     <a:srgbClr val="000000"/>
                   </a:solidFill>
@@ -4268,7 +4743,7 @@
             </a:ln>
             <a:extLst>
               <a:ext uri="{91240B29-F687-4f45-9708-019B960494DF}">
-                <a14:hiddenLine xmlns="" xmlns:a14="http://schemas.microsoft.com/office/drawing/2010/main" w="9525">
+                <a14:hiddenLine xmlns:a14="http://schemas.microsoft.com/office/drawing/2010/main" xmlns="" w="9525">
                   <a:solidFill>
                     <a:srgbClr val="000000"/>
                   </a:solidFill>
@@ -4358,7 +4833,7 @@
             </a:ln>
             <a:extLst>
               <a:ext uri="{91240B29-F687-4f45-9708-019B960494DF}">
-                <a14:hiddenLine xmlns="" xmlns:a14="http://schemas.microsoft.com/office/drawing/2010/main" w="9525">
+                <a14:hiddenLine xmlns:a14="http://schemas.microsoft.com/office/drawing/2010/main" xmlns="" w="9525">
                   <a:solidFill>
                     <a:srgbClr val="000000"/>
                   </a:solidFill>
@@ -4420,7 +4895,7 @@
             </a:ln>
             <a:extLst>
               <a:ext uri="{91240B29-F687-4f45-9708-019B960494DF}">
-                <a14:hiddenLine xmlns="" xmlns:a14="http://schemas.microsoft.com/office/drawing/2010/main" w="9525">
+                <a14:hiddenLine xmlns:a14="http://schemas.microsoft.com/office/drawing/2010/main" xmlns="" w="9525">
                   <a:solidFill>
                     <a:srgbClr val="000000"/>
                   </a:solidFill>
@@ -4540,7 +5015,7 @@
             </a:ln>
             <a:extLst>
               <a:ext uri="{91240B29-F687-4f45-9708-019B960494DF}">
-                <a14:hiddenLine xmlns="" xmlns:a14="http://schemas.microsoft.com/office/drawing/2010/main" w="9525">
+                <a14:hiddenLine xmlns:a14="http://schemas.microsoft.com/office/drawing/2010/main" xmlns="" w="9525">
                   <a:solidFill>
                     <a:srgbClr val="000000"/>
                   </a:solidFill>
@@ -4608,7 +5083,7 @@
             </a:ln>
             <a:extLst>
               <a:ext uri="{91240B29-F687-4f45-9708-019B960494DF}">
-                <a14:hiddenLine xmlns="" xmlns:a14="http://schemas.microsoft.com/office/drawing/2010/main" w="9525">
+                <a14:hiddenLine xmlns:a14="http://schemas.microsoft.com/office/drawing/2010/main" xmlns="" w="9525">
                   <a:solidFill>
                     <a:srgbClr val="000000"/>
                   </a:solidFill>
@@ -4698,7 +5173,7 @@
             </a:ln>
             <a:extLst>
               <a:ext uri="{91240B29-F687-4f45-9708-019B960494DF}">
-                <a14:hiddenLine xmlns="" xmlns:a14="http://schemas.microsoft.com/office/drawing/2010/main" w="9525">
+                <a14:hiddenLine xmlns:a14="http://schemas.microsoft.com/office/drawing/2010/main" xmlns="" w="9525">
                   <a:solidFill>
                     <a:srgbClr val="000000"/>
                   </a:solidFill>
@@ -4838,7 +5313,7 @@
           <a:p>
             <a:fld id="{48A87A34-81AB-432B-8DAE-1953F412C126}" type="datetimeFigureOut">
               <a:rPr lang="en-US" dirty="0"/>
-              <a:t>4/25/2019</a:t>
+              <a:t>4/26/2019</a:t>
             </a:fld>
             <a:endParaRPr lang="en-US" dirty="0"/>
           </a:p>
@@ -5100,7 +5575,7 @@
           <a:p>
             <a:fld id="{48A87A34-81AB-432B-8DAE-1953F412C126}" type="datetimeFigureOut">
               <a:rPr lang="en-US" dirty="0"/>
-              <a:t>4/25/2019</a:t>
+              <a:t>4/26/2019</a:t>
             </a:fld>
             <a:endParaRPr lang="en-US" dirty="0"/>
           </a:p>
@@ -5291,7 +5766,7 @@
           <a:p>
             <a:fld id="{48A87A34-81AB-432B-8DAE-1953F412C126}" type="datetimeFigureOut">
               <a:rPr lang="en-US" dirty="0"/>
-              <a:t>4/25/2019</a:t>
+              <a:t>4/26/2019</a:t>
             </a:fld>
             <a:endParaRPr lang="en-US" dirty="0"/>
           </a:p>
@@ -5549,7 +6024,7 @@
           <a:p>
             <a:fld id="{48A87A34-81AB-432B-8DAE-1953F412C126}" type="datetimeFigureOut">
               <a:rPr lang="en-US" dirty="0"/>
-              <a:t>4/25/2019</a:t>
+              <a:t>4/26/2019</a:t>
             </a:fld>
             <a:endParaRPr lang="en-US" dirty="0"/>
           </a:p>
@@ -5978,7 +6453,7 @@
           <a:p>
             <a:fld id="{48A87A34-81AB-432B-8DAE-1953F412C126}" type="datetimeFigureOut">
               <a:rPr lang="en-US" dirty="0"/>
-              <a:t>4/25/2019</a:t>
+              <a:t>4/26/2019</a:t>
             </a:fld>
             <a:endParaRPr lang="en-US" dirty="0"/>
           </a:p>
@@ -6519,7 +6994,7 @@
           <a:p>
             <a:fld id="{48A87A34-81AB-432B-8DAE-1953F412C126}" type="datetimeFigureOut">
               <a:rPr lang="en-US" dirty="0"/>
-              <a:t>4/25/2019</a:t>
+              <a:t>4/26/2019</a:t>
             </a:fld>
             <a:endParaRPr lang="en-US" dirty="0"/>
           </a:p>
@@ -7234,7 +7709,7 @@
           <a:p>
             <a:fld id="{48A87A34-81AB-432B-8DAE-1953F412C126}" type="datetimeFigureOut">
               <a:rPr lang="en-US" dirty="0"/>
-              <a:t>4/25/2019</a:t>
+              <a:t>4/26/2019</a:t>
             </a:fld>
             <a:endParaRPr lang="en-US" dirty="0"/>
           </a:p>
@@ -7399,7 +7874,7 @@
           <a:p>
             <a:fld id="{48A87A34-81AB-432B-8DAE-1953F412C126}" type="datetimeFigureOut">
               <a:rPr lang="en-US" dirty="0"/>
-              <a:t>4/25/2019</a:t>
+              <a:t>4/26/2019</a:t>
             </a:fld>
             <a:endParaRPr lang="en-US" dirty="0"/>
           </a:p>
@@ -7574,7 +8049,7 @@
           <a:p>
             <a:fld id="{48A87A34-81AB-432B-8DAE-1953F412C126}" type="datetimeFigureOut">
               <a:rPr lang="en-US" dirty="0"/>
-              <a:t>4/25/2019</a:t>
+              <a:t>4/26/2019</a:t>
             </a:fld>
             <a:endParaRPr lang="en-US" dirty="0"/>
           </a:p>
@@ -7739,7 +8214,7 @@
           <a:p>
             <a:fld id="{48A87A34-81AB-432B-8DAE-1953F412C126}" type="datetimeFigureOut">
               <a:rPr lang="en-US" dirty="0"/>
-              <a:t>4/25/2019</a:t>
+              <a:t>4/26/2019</a:t>
             </a:fld>
             <a:endParaRPr lang="en-US" dirty="0"/>
           </a:p>
@@ -7984,7 +8459,7 @@
           <a:p>
             <a:fld id="{48A87A34-81AB-432B-8DAE-1953F412C126}" type="datetimeFigureOut">
               <a:rPr lang="en-US" dirty="0"/>
-              <a:t>4/25/2019</a:t>
+              <a:t>4/26/2019</a:t>
             </a:fld>
             <a:endParaRPr lang="en-US" dirty="0"/>
           </a:p>
@@ -8211,7 +8686,7 @@
           <a:p>
             <a:fld id="{48A87A34-81AB-432B-8DAE-1953F412C126}" type="datetimeFigureOut">
               <a:rPr lang="en-US" dirty="0"/>
-              <a:t>4/25/2019</a:t>
+              <a:t>4/26/2019</a:t>
             </a:fld>
             <a:endParaRPr lang="en-US" dirty="0"/>
           </a:p>
@@ -8587,7 +9062,7 @@
           <a:p>
             <a:fld id="{48A87A34-81AB-432B-8DAE-1953F412C126}" type="datetimeFigureOut">
               <a:rPr lang="en-US" dirty="0"/>
-              <a:t>4/25/2019</a:t>
+              <a:t>4/26/2019</a:t>
             </a:fld>
             <a:endParaRPr lang="en-US" dirty="0"/>
           </a:p>
@@ -8700,7 +9175,7 @@
           <a:p>
             <a:fld id="{48A87A34-81AB-432B-8DAE-1953F412C126}" type="datetimeFigureOut">
               <a:rPr lang="en-US" dirty="0"/>
-              <a:t>4/25/2019</a:t>
+              <a:t>4/26/2019</a:t>
             </a:fld>
             <a:endParaRPr lang="en-US" dirty="0"/>
           </a:p>
@@ -8790,7 +9265,7 @@
           <a:p>
             <a:fld id="{48A87A34-81AB-432B-8DAE-1953F412C126}" type="datetimeFigureOut">
               <a:rPr lang="en-US" dirty="0"/>
-              <a:t>4/25/2019</a:t>
+              <a:t>4/26/2019</a:t>
             </a:fld>
             <a:endParaRPr lang="en-US" dirty="0"/>
           </a:p>
@@ -9034,7 +9509,7 @@
           <a:p>
             <a:fld id="{48A87A34-81AB-432B-8DAE-1953F412C126}" type="datetimeFigureOut">
               <a:rPr lang="en-US" dirty="0"/>
-              <a:t>4/25/2019</a:t>
+              <a:t>4/26/2019</a:t>
             </a:fld>
             <a:endParaRPr lang="en-US" dirty="0"/>
           </a:p>
@@ -9309,7 +9784,7 @@
           <a:p>
             <a:fld id="{48A87A34-81AB-432B-8DAE-1953F412C126}" type="datetimeFigureOut">
               <a:rPr lang="en-US" dirty="0"/>
-              <a:t>4/25/2019</a:t>
+              <a:t>4/26/2019</a:t>
             </a:fld>
             <a:endParaRPr lang="en-US" dirty="0"/>
           </a:p>
@@ -9427,7 +9902,7 @@
           <a:noFill/>
           <a:extLst>
             <a:ext uri="{909E8E84-426E-40dd-AFC4-6F175D3DCCD1}">
-              <a14:hiddenFill xmlns="" xmlns:a14="http://schemas.microsoft.com/office/drawing/2010/main">
+              <a14:hiddenFill xmlns:a14="http://schemas.microsoft.com/office/drawing/2010/main" xmlns="">
                 <a:solidFill>
                   <a:srgbClr val="FFFFFF"/>
                 </a:solidFill>
@@ -9501,7 +9976,7 @@
               </a:ln>
               <a:extLst>
                 <a:ext uri="{91240B29-F687-4f45-9708-019B960494DF}">
-                  <a14:hiddenLine xmlns="" xmlns:a14="http://schemas.microsoft.com/office/drawing/2010/main" w="9525">
+                  <a14:hiddenLine xmlns:a14="http://schemas.microsoft.com/office/drawing/2010/main" xmlns="" w="9525">
                     <a:solidFill>
                       <a:srgbClr val="000000"/>
                     </a:solidFill>
@@ -9591,7 +10066,7 @@
               </a:ln>
               <a:extLst>
                 <a:ext uri="{91240B29-F687-4f45-9708-019B960494DF}">
-                  <a14:hiddenLine xmlns="" xmlns:a14="http://schemas.microsoft.com/office/drawing/2010/main" w="9525">
+                  <a14:hiddenLine xmlns:a14="http://schemas.microsoft.com/office/drawing/2010/main" xmlns="" w="9525">
                     <a:solidFill>
                       <a:srgbClr val="000000"/>
                     </a:solidFill>
@@ -9681,7 +10156,7 @@
               </a:ln>
               <a:extLst>
                 <a:ext uri="{91240B29-F687-4f45-9708-019B960494DF}">
-                  <a14:hiddenLine xmlns="" xmlns:a14="http://schemas.microsoft.com/office/drawing/2010/main" w="9525">
+                  <a14:hiddenLine xmlns:a14="http://schemas.microsoft.com/office/drawing/2010/main" xmlns="" w="9525">
                     <a:solidFill>
                       <a:srgbClr val="000000"/>
                     </a:solidFill>
@@ -9743,7 +10218,7 @@
               </a:ln>
               <a:extLst>
                 <a:ext uri="{91240B29-F687-4f45-9708-019B960494DF}">
-                  <a14:hiddenLine xmlns="" xmlns:a14="http://schemas.microsoft.com/office/drawing/2010/main" w="9525">
+                  <a14:hiddenLine xmlns:a14="http://schemas.microsoft.com/office/drawing/2010/main" xmlns="" w="9525">
                     <a:solidFill>
                       <a:srgbClr val="000000"/>
                     </a:solidFill>
@@ -9833,7 +10308,7 @@
               </a:ln>
               <a:extLst>
                 <a:ext uri="{91240B29-F687-4f45-9708-019B960494DF}">
-                  <a14:hiddenLine xmlns="" xmlns:a14="http://schemas.microsoft.com/office/drawing/2010/main" w="9525">
+                  <a14:hiddenLine xmlns:a14="http://schemas.microsoft.com/office/drawing/2010/main" xmlns="" w="9525">
                     <a:solidFill>
                       <a:srgbClr val="000000"/>
                     </a:solidFill>
@@ -9895,7 +10370,7 @@
               </a:ln>
               <a:extLst>
                 <a:ext uri="{91240B29-F687-4f45-9708-019B960494DF}">
-                  <a14:hiddenLine xmlns="" xmlns:a14="http://schemas.microsoft.com/office/drawing/2010/main" w="9525">
+                  <a14:hiddenLine xmlns:a14="http://schemas.microsoft.com/office/drawing/2010/main" xmlns="" w="9525">
                     <a:solidFill>
                       <a:srgbClr val="000000"/>
                     </a:solidFill>
@@ -9957,7 +10432,7 @@
               </a:ln>
               <a:extLst>
                 <a:ext uri="{91240B29-F687-4f45-9708-019B960494DF}">
-                  <a14:hiddenLine xmlns="" xmlns:a14="http://schemas.microsoft.com/office/drawing/2010/main" w="9525">
+                  <a14:hiddenLine xmlns:a14="http://schemas.microsoft.com/office/drawing/2010/main" xmlns="" w="9525">
                     <a:solidFill>
                       <a:srgbClr val="000000"/>
                     </a:solidFill>
@@ -10047,7 +10522,7 @@
               </a:ln>
               <a:extLst>
                 <a:ext uri="{91240B29-F687-4f45-9708-019B960494DF}">
-                  <a14:hiddenLine xmlns="" xmlns:a14="http://schemas.microsoft.com/office/drawing/2010/main" w="9525">
+                  <a14:hiddenLine xmlns:a14="http://schemas.microsoft.com/office/drawing/2010/main" xmlns="" w="9525">
                     <a:solidFill>
                       <a:srgbClr val="000000"/>
                     </a:solidFill>
@@ -10137,7 +10612,7 @@
               </a:ln>
               <a:extLst>
                 <a:ext uri="{91240B29-F687-4f45-9708-019B960494DF}">
-                  <a14:hiddenLine xmlns="" xmlns:a14="http://schemas.microsoft.com/office/drawing/2010/main" w="9525">
+                  <a14:hiddenLine xmlns:a14="http://schemas.microsoft.com/office/drawing/2010/main" xmlns="" w="9525">
                     <a:solidFill>
                       <a:srgbClr val="000000"/>
                     </a:solidFill>
@@ -10199,7 +10674,7 @@
               </a:ln>
               <a:extLst>
                 <a:ext uri="{91240B29-F687-4f45-9708-019B960494DF}">
-                  <a14:hiddenLine xmlns="" xmlns:a14="http://schemas.microsoft.com/office/drawing/2010/main" w="9525">
+                  <a14:hiddenLine xmlns:a14="http://schemas.microsoft.com/office/drawing/2010/main" xmlns="" w="9525">
                     <a:solidFill>
                       <a:srgbClr val="000000"/>
                     </a:solidFill>
@@ -10309,7 +10784,7 @@
               </a:ln>
               <a:extLst>
                 <a:ext uri="{91240B29-F687-4f45-9708-019B960494DF}">
-                  <a14:hiddenLine xmlns="" xmlns:a14="http://schemas.microsoft.com/office/drawing/2010/main" w="9525">
+                  <a14:hiddenLine xmlns:a14="http://schemas.microsoft.com/office/drawing/2010/main" xmlns="" w="9525">
                     <a:solidFill>
                       <a:srgbClr val="000000"/>
                     </a:solidFill>
@@ -10393,7 +10868,7 @@
               </a:ln>
               <a:extLst>
                 <a:ext uri="{91240B29-F687-4f45-9708-019B960494DF}">
-                  <a14:hiddenLine xmlns="" xmlns:a14="http://schemas.microsoft.com/office/drawing/2010/main" w="9525">
+                  <a14:hiddenLine xmlns:a14="http://schemas.microsoft.com/office/drawing/2010/main" xmlns="" w="9525">
                     <a:solidFill>
                       <a:srgbClr val="000000"/>
                     </a:solidFill>
@@ -10455,7 +10930,7 @@
               </a:ln>
               <a:extLst>
                 <a:ext uri="{91240B29-F687-4f45-9708-019B960494DF}">
-                  <a14:hiddenLine xmlns="" xmlns:a14="http://schemas.microsoft.com/office/drawing/2010/main" w="9525">
+                  <a14:hiddenLine xmlns:a14="http://schemas.microsoft.com/office/drawing/2010/main" xmlns="" w="9525">
                     <a:solidFill>
                       <a:srgbClr val="000000"/>
                     </a:solidFill>
@@ -10517,7 +10992,7 @@
               </a:ln>
               <a:extLst>
                 <a:ext uri="{91240B29-F687-4f45-9708-019B960494DF}">
-                  <a14:hiddenLine xmlns="" xmlns:a14="http://schemas.microsoft.com/office/drawing/2010/main" w="9525">
+                  <a14:hiddenLine xmlns:a14="http://schemas.microsoft.com/office/drawing/2010/main" xmlns="" w="9525">
                     <a:solidFill>
                       <a:srgbClr val="000000"/>
                     </a:solidFill>
@@ -10607,7 +11082,7 @@
               </a:ln>
               <a:extLst>
                 <a:ext uri="{91240B29-F687-4f45-9708-019B960494DF}">
-                  <a14:hiddenLine xmlns="" xmlns:a14="http://schemas.microsoft.com/office/drawing/2010/main" w="9525">
+                  <a14:hiddenLine xmlns:a14="http://schemas.microsoft.com/office/drawing/2010/main" xmlns="" w="9525">
                     <a:solidFill>
                       <a:srgbClr val="000000"/>
                     </a:solidFill>
@@ -10641,7 +11116,7 @@
               </a:ln>
               <a:extLst>
                 <a:ext uri="{91240B29-F687-4f45-9708-019B960494DF}">
-                  <a14:hiddenLine xmlns="" xmlns:a14="http://schemas.microsoft.com/office/drawing/2010/main" w="9525">
+                  <a14:hiddenLine xmlns:a14="http://schemas.microsoft.com/office/drawing/2010/main" xmlns="" w="9525">
                     <a:solidFill>
                       <a:srgbClr val="000000"/>
                     </a:solidFill>
@@ -10706,7 +11181,7 @@
               </a:ln>
               <a:extLst>
                 <a:ext uri="{91240B29-F687-4f45-9708-019B960494DF}">
-                  <a14:hiddenLine xmlns="" xmlns:a14="http://schemas.microsoft.com/office/drawing/2010/main" w="9525">
+                  <a14:hiddenLine xmlns:a14="http://schemas.microsoft.com/office/drawing/2010/main" xmlns="" w="9525">
                     <a:solidFill>
                       <a:srgbClr val="000000"/>
                     </a:solidFill>
@@ -10796,7 +11271,7 @@
               </a:ln>
               <a:extLst>
                 <a:ext uri="{91240B29-F687-4f45-9708-019B960494DF}">
-                  <a14:hiddenLine xmlns="" xmlns:a14="http://schemas.microsoft.com/office/drawing/2010/main" w="9525">
+                  <a14:hiddenLine xmlns:a14="http://schemas.microsoft.com/office/drawing/2010/main" xmlns="" w="9525">
                     <a:solidFill>
                       <a:srgbClr val="000000"/>
                     </a:solidFill>
@@ -10858,7 +11333,7 @@
               </a:ln>
               <a:extLst>
                 <a:ext uri="{91240B29-F687-4f45-9708-019B960494DF}">
-                  <a14:hiddenLine xmlns="" xmlns:a14="http://schemas.microsoft.com/office/drawing/2010/main" w="9525">
+                  <a14:hiddenLine xmlns:a14="http://schemas.microsoft.com/office/drawing/2010/main" xmlns="" w="9525">
                     <a:solidFill>
                       <a:srgbClr val="000000"/>
                     </a:solidFill>
@@ -10948,7 +11423,7 @@
               </a:ln>
               <a:extLst>
                 <a:ext uri="{91240B29-F687-4f45-9708-019B960494DF}">
-                  <a14:hiddenLine xmlns="" xmlns:a14="http://schemas.microsoft.com/office/drawing/2010/main" w="9525">
+                  <a14:hiddenLine xmlns:a14="http://schemas.microsoft.com/office/drawing/2010/main" xmlns="" w="9525">
                     <a:solidFill>
                       <a:srgbClr val="000000"/>
                     </a:solidFill>
@@ -11013,7 +11488,7 @@
               </a:ln>
               <a:extLst>
                 <a:ext uri="{91240B29-F687-4f45-9708-019B960494DF}">
-                  <a14:hiddenLine xmlns="" xmlns:a14="http://schemas.microsoft.com/office/drawing/2010/main" w="9525">
+                  <a14:hiddenLine xmlns:a14="http://schemas.microsoft.com/office/drawing/2010/main" xmlns="" w="9525">
                     <a:solidFill>
                       <a:srgbClr val="000000"/>
                     </a:solidFill>
@@ -11075,7 +11550,7 @@
               </a:ln>
               <a:extLst>
                 <a:ext uri="{91240B29-F687-4f45-9708-019B960494DF}">
-                  <a14:hiddenLine xmlns="" xmlns:a14="http://schemas.microsoft.com/office/drawing/2010/main" w="9525">
+                  <a14:hiddenLine xmlns:a14="http://schemas.microsoft.com/office/drawing/2010/main" xmlns="" w="9525">
                     <a:solidFill>
                       <a:srgbClr val="000000"/>
                     </a:solidFill>
@@ -11165,7 +11640,7 @@
               </a:ln>
               <a:extLst>
                 <a:ext uri="{91240B29-F687-4f45-9708-019B960494DF}">
-                  <a14:hiddenLine xmlns="" xmlns:a14="http://schemas.microsoft.com/office/drawing/2010/main" w="9525">
+                  <a14:hiddenLine xmlns:a14="http://schemas.microsoft.com/office/drawing/2010/main" xmlns="" w="9525">
                     <a:solidFill>
                       <a:srgbClr val="000000"/>
                     </a:solidFill>
@@ -11255,7 +11730,7 @@
               </a:ln>
               <a:extLst>
                 <a:ext uri="{91240B29-F687-4f45-9708-019B960494DF}">
-                  <a14:hiddenLine xmlns="" xmlns:a14="http://schemas.microsoft.com/office/drawing/2010/main" w="9525">
+                  <a14:hiddenLine xmlns:a14="http://schemas.microsoft.com/office/drawing/2010/main" xmlns="" w="9525">
                     <a:solidFill>
                       <a:srgbClr val="000000"/>
                     </a:solidFill>
@@ -11320,7 +11795,7 @@
               </a:ln>
               <a:extLst>
                 <a:ext uri="{91240B29-F687-4f45-9708-019B960494DF}">
-                  <a14:hiddenLine xmlns="" xmlns:a14="http://schemas.microsoft.com/office/drawing/2010/main" w="9525">
+                  <a14:hiddenLine xmlns:a14="http://schemas.microsoft.com/office/drawing/2010/main" xmlns="" w="9525">
                     <a:solidFill>
                       <a:srgbClr val="000000"/>
                     </a:solidFill>
@@ -11440,7 +11915,7 @@
               </a:ln>
               <a:extLst>
                 <a:ext uri="{91240B29-F687-4f45-9708-019B960494DF}">
-                  <a14:hiddenLine xmlns="" xmlns:a14="http://schemas.microsoft.com/office/drawing/2010/main" w="9525">
+                  <a14:hiddenLine xmlns:a14="http://schemas.microsoft.com/office/drawing/2010/main" xmlns="" w="9525">
                     <a:solidFill>
                       <a:srgbClr val="000000"/>
                     </a:solidFill>
@@ -11521,7 +11996,7 @@
               </a:ln>
               <a:extLst>
                 <a:ext uri="{91240B29-F687-4f45-9708-019B960494DF}">
-                  <a14:hiddenLine xmlns="" xmlns:a14="http://schemas.microsoft.com/office/drawing/2010/main" w="9525">
+                  <a14:hiddenLine xmlns:a14="http://schemas.microsoft.com/office/drawing/2010/main" xmlns="" w="9525">
                     <a:solidFill>
                       <a:srgbClr val="000000"/>
                     </a:solidFill>
@@ -11636,7 +12111,7 @@
               </a:ln>
               <a:extLst>
                 <a:ext uri="{91240B29-F687-4f45-9708-019B960494DF}">
-                  <a14:hiddenLine xmlns="" xmlns:a14="http://schemas.microsoft.com/office/drawing/2010/main" w="9525">
+                  <a14:hiddenLine xmlns:a14="http://schemas.microsoft.com/office/drawing/2010/main" xmlns="" w="9525">
                     <a:solidFill>
                       <a:srgbClr val="000000"/>
                     </a:solidFill>
@@ -11726,7 +12201,7 @@
               </a:ln>
               <a:extLst>
                 <a:ext uri="{91240B29-F687-4f45-9708-019B960494DF}">
-                  <a14:hiddenLine xmlns="" xmlns:a14="http://schemas.microsoft.com/office/drawing/2010/main" w="9525">
+                  <a14:hiddenLine xmlns:a14="http://schemas.microsoft.com/office/drawing/2010/main" xmlns="" w="9525">
                     <a:solidFill>
                       <a:srgbClr val="000000"/>
                     </a:solidFill>
@@ -11791,7 +12266,7 @@
               </a:ln>
               <a:extLst>
                 <a:ext uri="{91240B29-F687-4f45-9708-019B960494DF}">
-                  <a14:hiddenLine xmlns="" xmlns:a14="http://schemas.microsoft.com/office/drawing/2010/main" w="9525">
+                  <a14:hiddenLine xmlns:a14="http://schemas.microsoft.com/office/drawing/2010/main" xmlns="" w="9525">
                     <a:solidFill>
                       <a:srgbClr val="000000"/>
                     </a:solidFill>
@@ -11881,7 +12356,7 @@
               </a:ln>
               <a:extLst>
                 <a:ext uri="{91240B29-F687-4f45-9708-019B960494DF}">
-                  <a14:hiddenLine xmlns="" xmlns:a14="http://schemas.microsoft.com/office/drawing/2010/main" w="9525">
+                  <a14:hiddenLine xmlns:a14="http://schemas.microsoft.com/office/drawing/2010/main" xmlns="" w="9525">
                     <a:solidFill>
                       <a:srgbClr val="000000"/>
                     </a:solidFill>
@@ -11949,7 +12424,7 @@
               </a:ln>
               <a:extLst>
                 <a:ext uri="{91240B29-F687-4f45-9708-019B960494DF}">
-                  <a14:hiddenLine xmlns="" xmlns:a14="http://schemas.microsoft.com/office/drawing/2010/main" w="9525">
+                  <a14:hiddenLine xmlns:a14="http://schemas.microsoft.com/office/drawing/2010/main" xmlns="" w="9525">
                     <a:solidFill>
                       <a:srgbClr val="000000"/>
                     </a:solidFill>
@@ -12039,7 +12514,7 @@
               </a:ln>
               <a:extLst>
                 <a:ext uri="{91240B29-F687-4f45-9708-019B960494DF}">
-                  <a14:hiddenLine xmlns="" xmlns:a14="http://schemas.microsoft.com/office/drawing/2010/main" w="9525">
+                  <a14:hiddenLine xmlns:a14="http://schemas.microsoft.com/office/drawing/2010/main" xmlns="" w="9525">
                     <a:solidFill>
                       <a:srgbClr val="000000"/>
                     </a:solidFill>
@@ -12107,7 +12582,7 @@
               </a:ln>
               <a:extLst>
                 <a:ext uri="{91240B29-F687-4f45-9708-019B960494DF}">
-                  <a14:hiddenLine xmlns="" xmlns:a14="http://schemas.microsoft.com/office/drawing/2010/main" w="9525">
+                  <a14:hiddenLine xmlns:a14="http://schemas.microsoft.com/office/drawing/2010/main" xmlns="" w="9525">
                     <a:solidFill>
                       <a:srgbClr val="000000"/>
                     </a:solidFill>
@@ -12197,7 +12672,7 @@
               </a:ln>
               <a:extLst>
                 <a:ext uri="{91240B29-F687-4f45-9708-019B960494DF}">
-                  <a14:hiddenLine xmlns="" xmlns:a14="http://schemas.microsoft.com/office/drawing/2010/main" w="9525">
+                  <a14:hiddenLine xmlns:a14="http://schemas.microsoft.com/office/drawing/2010/main" xmlns="" w="9525">
                     <a:solidFill>
                       <a:srgbClr val="000000"/>
                     </a:solidFill>
@@ -12231,7 +12706,7 @@
               </a:ln>
               <a:extLst>
                 <a:ext uri="{91240B29-F687-4f45-9708-019B960494DF}">
-                  <a14:hiddenLine xmlns="" xmlns:a14="http://schemas.microsoft.com/office/drawing/2010/main" w="9525">
+                  <a14:hiddenLine xmlns:a14="http://schemas.microsoft.com/office/drawing/2010/main" xmlns="" w="9525">
                     <a:solidFill>
                       <a:srgbClr val="000000"/>
                     </a:solidFill>
@@ -12372,7 +12847,7 @@
             <a:fld id="{48A87A34-81AB-432B-8DAE-1953F412C126}" type="datetimeFigureOut">
               <a:rPr lang="en-US" dirty="0"/>
               <a:pPr/>
-              <a:t>4/25/2019</a:t>
+              <a:t>4/26/2019</a:t>
             </a:fld>
             <a:endParaRPr lang="en-US" dirty="0"/>
           </a:p>
@@ -12936,7 +13411,9 @@
           </a:xfrm>
         </p:spPr>
         <p:txBody>
-          <a:bodyPr/>
+          <a:bodyPr>
+            <a:normAutofit fontScale="85000" lnSpcReduction="20000"/>
+          </a:bodyPr>
           <a:lstStyle/>
           <a:p>
             <a:r>
@@ -12948,6 +13425,12 @@
             <a:r>
               <a:rPr lang="en-US" dirty="0"/>
               <a:t>Progressively adding functionality while separating out major differences using abstract classes</a:t>
+            </a:r>
+          </a:p>
+          <a:p>
+            <a:r>
+              <a:rPr lang="en-US" dirty="0"/>
+              <a:t>Changes in the abstraction won’t affect the client</a:t>
             </a:r>
           </a:p>
         </p:txBody>
@@ -12981,8 +13464,8 @@
         </p:blipFill>
         <p:spPr bwMode="auto">
           <a:xfrm>
-            <a:off x="2290196" y="3887607"/>
-            <a:ext cx="1060508" cy="1060508"/>
+            <a:off x="3091647" y="3296375"/>
+            <a:ext cx="1732136" cy="1732136"/>
           </a:xfrm>
           <a:prstGeom prst="rect">
             <a:avLst/>
@@ -13028,7 +13511,7 @@
         </p:blipFill>
         <p:spPr bwMode="auto">
           <a:xfrm>
-            <a:off x="3951216" y="5221081"/>
+            <a:off x="6914571" y="3908995"/>
             <a:ext cx="1732136" cy="554825"/>
           </a:xfrm>
           <a:prstGeom prst="rect">
@@ -13075,7 +13558,7 @@
         </p:blipFill>
         <p:spPr bwMode="auto">
           <a:xfrm>
-            <a:off x="4274358" y="3599279"/>
+            <a:off x="5465055" y="3779214"/>
             <a:ext cx="1085851" cy="814388"/>
           </a:xfrm>
           <a:prstGeom prst="rect">
@@ -13122,7 +13605,7 @@
         </p:blipFill>
         <p:spPr bwMode="auto">
           <a:xfrm rot="18907914">
-            <a:off x="6257332" y="3777905"/>
+            <a:off x="7259859" y="5182670"/>
             <a:ext cx="1041560" cy="1041560"/>
           </a:xfrm>
           <a:prstGeom prst="rect">
@@ -13142,10 +13625,10 @@
       </p:pic>
       <p:pic>
         <p:nvPicPr>
-          <p:cNvPr id="31" name="Picture 46" descr="Image result for tv control clipart transparent background">
+          <p:cNvPr id="6" name="Picture 8" descr="Image result for button remote clipart transparent">
             <a:extLst>
               <a:ext uri="{FF2B5EF4-FFF2-40B4-BE49-F238E27FC236}">
-                <a16:creationId xmlns:a16="http://schemas.microsoft.com/office/drawing/2014/main" id="{B44CC8D5-1888-459F-84FA-12C396B75F96}"/>
+                <a16:creationId xmlns:a16="http://schemas.microsoft.com/office/drawing/2014/main" id="{EDDE86F1-4737-4BCC-9F52-B3FDCB6522E5}"/>
               </a:ext>
             </a:extLst>
           </p:cNvPr>
@@ -13155,7 +13638,7 @@
           <p:nvPr/>
         </p:nvPicPr>
         <p:blipFill>
-          <a:blip r:embed="rId6">
+          <a:blip r:embed="rId7">
             <a:extLst>
               <a:ext uri="{28A0092B-C50C-407E-A947-70E740481C1C}">
                 <a14:useLocalDpi xmlns:a14="http://schemas.microsoft.com/office/drawing/2010/main" val="0"/>
@@ -13168,9 +13651,9 @@
           </a:stretch>
         </p:blipFill>
         <p:spPr bwMode="auto">
-          <a:xfrm rot="18907914">
-            <a:off x="8091233" y="3276634"/>
-            <a:ext cx="877420" cy="877420"/>
+          <a:xfrm>
+            <a:off x="2417569" y="5108203"/>
+            <a:ext cx="3076050" cy="1566589"/>
           </a:xfrm>
           <a:prstGeom prst="rect">
             <a:avLst/>
@@ -13189,226 +13672,63 @@
       </p:pic>
       <p:sp>
         <p:nvSpPr>
-          <p:cNvPr id="4" name="TextBox 3">
+          <p:cNvPr id="7" name="Rectangle 6">
             <a:extLst>
               <a:ext uri="{FF2B5EF4-FFF2-40B4-BE49-F238E27FC236}">
-                <a16:creationId xmlns:a16="http://schemas.microsoft.com/office/drawing/2014/main" id="{113BABE9-6D80-4E1B-9DC6-EEF49E7480BD}"/>
+                <a16:creationId xmlns:a16="http://schemas.microsoft.com/office/drawing/2014/main" id="{2E1019DF-FE1A-4075-81B7-9E6E835D93E2}"/>
               </a:ext>
             </a:extLst>
           </p:cNvPr>
-          <p:cNvSpPr txBox="1"/>
+          <p:cNvSpPr/>
           <p:nvPr/>
         </p:nvSpPr>
         <p:spPr>
           <a:xfrm>
-            <a:off x="2130804" y="4907559"/>
-            <a:ext cx="1367405" cy="369332"/>
+            <a:off x="2809799" y="3179427"/>
+            <a:ext cx="2291591" cy="3575060"/>
           </a:xfrm>
           <a:prstGeom prst="rect">
             <a:avLst/>
           </a:prstGeom>
           <a:noFill/>
+          <a:ln w="28575">
+            <a:solidFill>
+              <a:srgbClr val="C00000"/>
+            </a:solidFill>
+            <a:prstDash val="lgDash"/>
+          </a:ln>
         </p:spPr>
+        <p:style>
+          <a:lnRef idx="2">
+            <a:schemeClr val="accent1">
+              <a:shade val="50000"/>
+            </a:schemeClr>
+          </a:lnRef>
+          <a:fillRef idx="1">
+            <a:schemeClr val="accent1"/>
+          </a:fillRef>
+          <a:effectRef idx="0">
+            <a:schemeClr val="accent1"/>
+          </a:effectRef>
+          <a:fontRef idx="minor">
+            <a:schemeClr val="lt1"/>
+          </a:fontRef>
+        </p:style>
         <p:txBody>
-          <a:bodyPr wrap="square" rtlCol="0">
-            <a:spAutoFit/>
-          </a:bodyPr>
+          <a:bodyPr rtlCol="0" anchor="ctr"/>
           <a:lstStyle/>
           <a:p>
             <a:pPr algn="ctr"/>
-            <a:r>
-              <a:rPr lang="en-US" dirty="0"/>
-              <a:t>Abstract</a:t>
-            </a:r>
-          </a:p>
-        </p:txBody>
-      </p:sp>
-      <p:sp>
-        <p:nvSpPr>
-          <p:cNvPr id="35" name="TextBox 34">
-            <a:extLst>
-              <a:ext uri="{FF2B5EF4-FFF2-40B4-BE49-F238E27FC236}">
-                <a16:creationId xmlns:a16="http://schemas.microsoft.com/office/drawing/2014/main" id="{7C850CD5-9077-4F2D-9901-B5642A9BBFAE}"/>
-              </a:ext>
-            </a:extLst>
-          </p:cNvPr>
-          <p:cNvSpPr txBox="1"/>
-          <p:nvPr/>
-        </p:nvSpPr>
-        <p:spPr>
-          <a:xfrm>
-            <a:off x="4133579" y="5870150"/>
-            <a:ext cx="1367405" cy="369332"/>
-          </a:xfrm>
-          <a:prstGeom prst="rect">
-            <a:avLst/>
-          </a:prstGeom>
-          <a:noFill/>
-        </p:spPr>
-        <p:txBody>
-          <a:bodyPr wrap="square" rtlCol="0">
-            <a:spAutoFit/>
-          </a:bodyPr>
-          <a:lstStyle/>
-          <a:p>
-            <a:pPr algn="ctr"/>
-            <a:r>
-              <a:rPr lang="en-US" dirty="0"/>
-              <a:t>Device 2</a:t>
-            </a:r>
-          </a:p>
-        </p:txBody>
-      </p:sp>
-      <p:sp>
-        <p:nvSpPr>
-          <p:cNvPr id="36" name="TextBox 35">
-            <a:extLst>
-              <a:ext uri="{FF2B5EF4-FFF2-40B4-BE49-F238E27FC236}">
-                <a16:creationId xmlns:a16="http://schemas.microsoft.com/office/drawing/2014/main" id="{7700D1D1-AF4C-4FFB-B3DA-9D96274AECCF}"/>
-              </a:ext>
-            </a:extLst>
-          </p:cNvPr>
-          <p:cNvSpPr txBox="1"/>
-          <p:nvPr/>
-        </p:nvSpPr>
-        <p:spPr>
-          <a:xfrm>
-            <a:off x="4133580" y="4481180"/>
-            <a:ext cx="1367405" cy="369332"/>
-          </a:xfrm>
-          <a:prstGeom prst="rect">
-            <a:avLst/>
-          </a:prstGeom>
-          <a:noFill/>
-        </p:spPr>
-        <p:txBody>
-          <a:bodyPr wrap="square" rtlCol="0">
-            <a:spAutoFit/>
-          </a:bodyPr>
-          <a:lstStyle/>
-          <a:p>
-            <a:pPr algn="ctr"/>
-            <a:r>
-              <a:rPr lang="en-US" dirty="0"/>
-              <a:t>Device 1</a:t>
-            </a:r>
-          </a:p>
-        </p:txBody>
-      </p:sp>
-      <p:sp>
-        <p:nvSpPr>
-          <p:cNvPr id="37" name="TextBox 36">
-            <a:extLst>
-              <a:ext uri="{FF2B5EF4-FFF2-40B4-BE49-F238E27FC236}">
-                <a16:creationId xmlns:a16="http://schemas.microsoft.com/office/drawing/2014/main" id="{DC296CB9-10A0-45C4-9F6E-45F4D9E2812B}"/>
-              </a:ext>
-            </a:extLst>
-          </p:cNvPr>
-          <p:cNvSpPr txBox="1"/>
-          <p:nvPr/>
-        </p:nvSpPr>
-        <p:spPr>
-          <a:xfrm>
-            <a:off x="6094411" y="4850512"/>
-            <a:ext cx="1367405" cy="369332"/>
-          </a:xfrm>
-          <a:prstGeom prst="rect">
-            <a:avLst/>
-          </a:prstGeom>
-          <a:noFill/>
-        </p:spPr>
-        <p:txBody>
-          <a:bodyPr wrap="square" rtlCol="0">
-            <a:spAutoFit/>
-          </a:bodyPr>
-          <a:lstStyle/>
-          <a:p>
-            <a:pPr algn="ctr"/>
-            <a:r>
-              <a:rPr lang="en-US" dirty="0"/>
-              <a:t>Abstract</a:t>
-            </a:r>
-          </a:p>
-        </p:txBody>
-      </p:sp>
-      <p:sp>
-        <p:nvSpPr>
-          <p:cNvPr id="38" name="TextBox 37">
-            <a:extLst>
-              <a:ext uri="{FF2B5EF4-FFF2-40B4-BE49-F238E27FC236}">
-                <a16:creationId xmlns:a16="http://schemas.microsoft.com/office/drawing/2014/main" id="{FB49F1F0-00D2-4AEC-A0B8-B38C139F7488}"/>
-              </a:ext>
-            </a:extLst>
-          </p:cNvPr>
-          <p:cNvSpPr txBox="1"/>
-          <p:nvPr/>
-        </p:nvSpPr>
-        <p:spPr>
-          <a:xfrm>
-            <a:off x="7846506" y="4229001"/>
-            <a:ext cx="1367405" cy="369332"/>
-          </a:xfrm>
-          <a:prstGeom prst="rect">
-            <a:avLst/>
-          </a:prstGeom>
-          <a:noFill/>
-        </p:spPr>
-        <p:txBody>
-          <a:bodyPr wrap="square" rtlCol="0">
-            <a:spAutoFit/>
-          </a:bodyPr>
-          <a:lstStyle/>
-          <a:p>
-            <a:pPr algn="ctr"/>
-            <a:r>
-              <a:rPr lang="en-US" dirty="0"/>
-              <a:t>Remote 1</a:t>
-            </a:r>
-          </a:p>
-        </p:txBody>
-      </p:sp>
-      <p:sp>
-        <p:nvSpPr>
-          <p:cNvPr id="39" name="TextBox 38">
-            <a:extLst>
-              <a:ext uri="{FF2B5EF4-FFF2-40B4-BE49-F238E27FC236}">
-                <a16:creationId xmlns:a16="http://schemas.microsoft.com/office/drawing/2014/main" id="{F0FC3621-3C08-4B36-9297-57BCC25A0212}"/>
-              </a:ext>
-            </a:extLst>
-          </p:cNvPr>
-          <p:cNvSpPr txBox="1"/>
-          <p:nvPr/>
-        </p:nvSpPr>
-        <p:spPr>
-          <a:xfrm>
-            <a:off x="7846506" y="5775906"/>
-            <a:ext cx="1367405" cy="369332"/>
-          </a:xfrm>
-          <a:prstGeom prst="rect">
-            <a:avLst/>
-          </a:prstGeom>
-          <a:noFill/>
-        </p:spPr>
-        <p:txBody>
-          <a:bodyPr wrap="square" rtlCol="0">
-            <a:spAutoFit/>
-          </a:bodyPr>
-          <a:lstStyle/>
-          <a:p>
-            <a:pPr algn="ctr"/>
-            <a:r>
-              <a:rPr lang="en-US" dirty="0"/>
-              <a:t>Remote 2</a:t>
-            </a:r>
+            <a:endParaRPr lang="en-US"/>
           </a:p>
         </p:txBody>
       </p:sp>
       <p:pic>
         <p:nvPicPr>
-          <p:cNvPr id="40" name="Picture 46" descr="Image result for tv control clipart transparent background">
+          <p:cNvPr id="1056" name="Picture 32" descr="Image result for remote clipart">
             <a:extLst>
               <a:ext uri="{FF2B5EF4-FFF2-40B4-BE49-F238E27FC236}">
-                <a16:creationId xmlns:a16="http://schemas.microsoft.com/office/drawing/2014/main" id="{4C7E8DE3-1899-43D4-B3FE-E9594A71EE64}"/>
+                <a16:creationId xmlns:a16="http://schemas.microsoft.com/office/drawing/2014/main" id="{63287753-AFD1-4F82-91EB-1F46FE62BF09}"/>
               </a:ext>
             </a:extLst>
           </p:cNvPr>
@@ -13418,7 +13738,7 @@
           <p:nvPr/>
         </p:nvPicPr>
         <p:blipFill>
-          <a:blip r:embed="rId6">
+          <a:blip r:embed="rId8">
             <a:extLst>
               <a:ext uri="{28A0092B-C50C-407E-A947-70E740481C1C}">
                 <a14:useLocalDpi xmlns:a14="http://schemas.microsoft.com/office/drawing/2010/main" val="0"/>
@@ -13431,9 +13751,9 @@
           </a:stretch>
         </p:blipFill>
         <p:spPr bwMode="auto">
-          <a:xfrm rot="18907914">
-            <a:off x="8091233" y="4901434"/>
-            <a:ext cx="877420" cy="877420"/>
+          <a:xfrm>
+            <a:off x="5659925" y="5108203"/>
+            <a:ext cx="696110" cy="1325339"/>
           </a:xfrm>
           <a:prstGeom prst="rect">
             <a:avLst/>
@@ -13485,6 +13805,864 @@
           <p:cNvPr id="2" name="Title 1">
             <a:extLst>
               <a:ext uri="{FF2B5EF4-FFF2-40B4-BE49-F238E27FC236}">
+                <a16:creationId xmlns:a16="http://schemas.microsoft.com/office/drawing/2014/main" id="{F5052C2D-49A8-40CD-B3F8-25BF692FA839}"/>
+              </a:ext>
+            </a:extLst>
+          </p:cNvPr>
+          <p:cNvSpPr>
+            <a:spLocks noGrp="1"/>
+          </p:cNvSpPr>
+          <p:nvPr>
+            <p:ph type="title"/>
+          </p:nvPr>
+        </p:nvSpPr>
+        <p:spPr/>
+        <p:txBody>
+          <a:bodyPr/>
+          <a:lstStyle/>
+          <a:p>
+            <a:r>
+              <a:rPr lang="en-US" dirty="0"/>
+              <a:t>UML Design</a:t>
+            </a:r>
+          </a:p>
+        </p:txBody>
+      </p:sp>
+      <p:pic>
+        <p:nvPicPr>
+          <p:cNvPr id="4" name="Content Placeholder 3">
+            <a:extLst>
+              <a:ext uri="{FF2B5EF4-FFF2-40B4-BE49-F238E27FC236}">
+                <a16:creationId xmlns:a16="http://schemas.microsoft.com/office/drawing/2014/main" id="{E0D06756-2FF2-47D4-8783-0368278D9FA3}"/>
+              </a:ext>
+            </a:extLst>
+          </p:cNvPr>
+          <p:cNvPicPr>
+            <a:picLocks noGrp="1" noChangeAspect="1"/>
+          </p:cNvPicPr>
+          <p:nvPr>
+            <p:ph idx="1"/>
+          </p:nvPr>
+        </p:nvPicPr>
+        <p:blipFill>
+          <a:blip r:embed="rId3"/>
+          <a:stretch>
+            <a:fillRect/>
+          </a:stretch>
+        </p:blipFill>
+        <p:spPr>
+          <a:xfrm>
+            <a:off x="3568699" y="2249488"/>
+            <a:ext cx="5051427" cy="3541712"/>
+          </a:xfrm>
+          <a:prstGeom prst="rect">
+            <a:avLst/>
+          </a:prstGeom>
+        </p:spPr>
+      </p:pic>
+    </p:spTree>
+    <p:extLst>
+      <p:ext uri="{BB962C8B-B14F-4D97-AF65-F5344CB8AC3E}">
+        <p14:creationId xmlns:p14="http://schemas.microsoft.com/office/powerpoint/2010/main" val="3252342097"/>
+      </p:ext>
+    </p:extLst>
+  </p:cSld>
+  <p:clrMapOvr>
+    <a:masterClrMapping/>
+  </p:clrMapOvr>
+</p:sld>
+</file>
+
+<file path=ppt/slides/slide4.xml><?xml version="1.0" encoding="utf-8"?>
+<p:sld xmlns:a="http://schemas.openxmlformats.org/drawingml/2006/main" xmlns:r="http://schemas.openxmlformats.org/officeDocument/2006/relationships" xmlns:p="http://schemas.openxmlformats.org/presentationml/2006/main">
+  <p:cSld>
+    <p:spTree>
+      <p:nvGrpSpPr>
+        <p:cNvPr id="1" name=""/>
+        <p:cNvGrpSpPr/>
+        <p:nvPr/>
+      </p:nvGrpSpPr>
+      <p:grpSpPr>
+        <a:xfrm>
+          <a:off x="0" y="0"/>
+          <a:ext cx="0" cy="0"/>
+          <a:chOff x="0" y="0"/>
+          <a:chExt cx="0" cy="0"/>
+        </a:xfrm>
+      </p:grpSpPr>
+      <p:sp>
+        <p:nvSpPr>
+          <p:cNvPr id="2" name="Title 1">
+            <a:extLst>
+              <a:ext uri="{FF2B5EF4-FFF2-40B4-BE49-F238E27FC236}">
+                <a16:creationId xmlns:a16="http://schemas.microsoft.com/office/drawing/2014/main" id="{8D88EE74-5F6B-4C29-8D79-58DD460DBDDF}"/>
+              </a:ext>
+            </a:extLst>
+          </p:cNvPr>
+          <p:cNvSpPr>
+            <a:spLocks noGrp="1"/>
+          </p:cNvSpPr>
+          <p:nvPr>
+            <p:ph type="title"/>
+          </p:nvPr>
+        </p:nvSpPr>
+        <p:spPr>
+          <a:xfrm>
+            <a:off x="1261730" y="-163532"/>
+            <a:ext cx="9905998" cy="1478570"/>
+          </a:xfrm>
+        </p:spPr>
+        <p:txBody>
+          <a:bodyPr/>
+          <a:lstStyle/>
+          <a:p>
+            <a:r>
+              <a:rPr lang="en-US" dirty="0"/>
+              <a:t>Code</a:t>
+            </a:r>
+          </a:p>
+        </p:txBody>
+      </p:sp>
+      <p:pic>
+        <p:nvPicPr>
+          <p:cNvPr id="4" name="Picture 3">
+            <a:extLst>
+              <a:ext uri="{FF2B5EF4-FFF2-40B4-BE49-F238E27FC236}">
+                <a16:creationId xmlns:a16="http://schemas.microsoft.com/office/drawing/2014/main" id="{2DC1F1DE-8D13-4DAE-8AB1-57645C8E42F4}"/>
+              </a:ext>
+            </a:extLst>
+          </p:cNvPr>
+          <p:cNvPicPr>
+            <a:picLocks noChangeAspect="1"/>
+          </p:cNvPicPr>
+          <p:nvPr/>
+        </p:nvPicPr>
+        <p:blipFill>
+          <a:blip r:embed="rId3"/>
+          <a:stretch>
+            <a:fillRect/>
+          </a:stretch>
+        </p:blipFill>
+        <p:spPr>
+          <a:xfrm>
+            <a:off x="1141413" y="2287783"/>
+            <a:ext cx="3925887" cy="3335098"/>
+          </a:xfrm>
+          <a:prstGeom prst="rect">
+            <a:avLst/>
+          </a:prstGeom>
+        </p:spPr>
+      </p:pic>
+      <p:pic>
+        <p:nvPicPr>
+          <p:cNvPr id="5" name="Picture 4">
+            <a:extLst>
+              <a:ext uri="{FF2B5EF4-FFF2-40B4-BE49-F238E27FC236}">
+                <a16:creationId xmlns:a16="http://schemas.microsoft.com/office/drawing/2014/main" id="{068D406E-9FE5-4139-8D92-651754B5AAC8}"/>
+              </a:ext>
+            </a:extLst>
+          </p:cNvPr>
+          <p:cNvPicPr>
+            <a:picLocks noChangeAspect="1"/>
+          </p:cNvPicPr>
+          <p:nvPr/>
+        </p:nvPicPr>
+        <p:blipFill rotWithShape="1">
+          <a:blip r:embed="rId4"/>
+          <a:srcRect l="-1" r="-3155"/>
+          <a:stretch/>
+        </p:blipFill>
+        <p:spPr>
+          <a:xfrm>
+            <a:off x="1141413" y="5813577"/>
+            <a:ext cx="4049762" cy="714664"/>
+          </a:xfrm>
+          <a:prstGeom prst="rect">
+            <a:avLst/>
+          </a:prstGeom>
+        </p:spPr>
+      </p:pic>
+      <p:pic>
+        <p:nvPicPr>
+          <p:cNvPr id="6" name="Picture 5">
+            <a:extLst>
+              <a:ext uri="{FF2B5EF4-FFF2-40B4-BE49-F238E27FC236}">
+                <a16:creationId xmlns:a16="http://schemas.microsoft.com/office/drawing/2014/main" id="{5FC77C68-6E83-4A1F-8FC1-9C381A530D7A}"/>
+              </a:ext>
+            </a:extLst>
+          </p:cNvPr>
+          <p:cNvPicPr>
+            <a:picLocks noChangeAspect="1"/>
+          </p:cNvPicPr>
+          <p:nvPr/>
+        </p:nvPicPr>
+        <p:blipFill>
+          <a:blip r:embed="rId5"/>
+          <a:stretch>
+            <a:fillRect/>
+          </a:stretch>
+        </p:blipFill>
+        <p:spPr>
+          <a:xfrm>
+            <a:off x="7280360" y="2492311"/>
+            <a:ext cx="2467973" cy="1753309"/>
+          </a:xfrm>
+          <a:prstGeom prst="rect">
+            <a:avLst/>
+          </a:prstGeom>
+        </p:spPr>
+      </p:pic>
+      <p:pic>
+        <p:nvPicPr>
+          <p:cNvPr id="7" name="Picture 6">
+            <a:extLst>
+              <a:ext uri="{FF2B5EF4-FFF2-40B4-BE49-F238E27FC236}">
+                <a16:creationId xmlns:a16="http://schemas.microsoft.com/office/drawing/2014/main" id="{3E3B4075-E702-4580-BF7A-39A561E7DD03}"/>
+              </a:ext>
+            </a:extLst>
+          </p:cNvPr>
+          <p:cNvPicPr>
+            <a:picLocks noChangeAspect="1"/>
+          </p:cNvPicPr>
+          <p:nvPr/>
+        </p:nvPicPr>
+        <p:blipFill>
+          <a:blip r:embed="rId6"/>
+          <a:stretch>
+            <a:fillRect/>
+          </a:stretch>
+        </p:blipFill>
+        <p:spPr>
+          <a:xfrm>
+            <a:off x="7251774" y="4870219"/>
+            <a:ext cx="2496559" cy="1105347"/>
+          </a:xfrm>
+          <a:prstGeom prst="rect">
+            <a:avLst/>
+          </a:prstGeom>
+        </p:spPr>
+      </p:pic>
+      <p:sp>
+        <p:nvSpPr>
+          <p:cNvPr id="8" name="TextBox 7">
+            <a:extLst>
+              <a:ext uri="{FF2B5EF4-FFF2-40B4-BE49-F238E27FC236}">
+                <a16:creationId xmlns:a16="http://schemas.microsoft.com/office/drawing/2014/main" id="{DFF0A741-5D53-4402-B8F1-D45C530C8AAA}"/>
+              </a:ext>
+            </a:extLst>
+          </p:cNvPr>
+          <p:cNvSpPr txBox="1"/>
+          <p:nvPr/>
+        </p:nvSpPr>
+        <p:spPr>
+          <a:xfrm>
+            <a:off x="2490745" y="1726081"/>
+            <a:ext cx="1227221" cy="369332"/>
+          </a:xfrm>
+          <a:prstGeom prst="rect">
+            <a:avLst/>
+          </a:prstGeom>
+          <a:noFill/>
+        </p:spPr>
+        <p:txBody>
+          <a:bodyPr wrap="square" rtlCol="0">
+            <a:spAutoFit/>
+          </a:bodyPr>
+          <a:lstStyle/>
+          <a:p>
+            <a:r>
+              <a:rPr lang="en-US" dirty="0"/>
+              <a:t>Abstraction</a:t>
+            </a:r>
+          </a:p>
+        </p:txBody>
+      </p:sp>
+      <p:sp>
+        <p:nvSpPr>
+          <p:cNvPr id="9" name="TextBox 8">
+            <a:extLst>
+              <a:ext uri="{FF2B5EF4-FFF2-40B4-BE49-F238E27FC236}">
+                <a16:creationId xmlns:a16="http://schemas.microsoft.com/office/drawing/2014/main" id="{07E388DB-116E-4E7C-9615-57F9E5EE016D}"/>
+              </a:ext>
+            </a:extLst>
+          </p:cNvPr>
+          <p:cNvSpPr txBox="1"/>
+          <p:nvPr/>
+        </p:nvSpPr>
+        <p:spPr>
+          <a:xfrm>
+            <a:off x="7709616" y="1726081"/>
+            <a:ext cx="1638046" cy="369332"/>
+          </a:xfrm>
+          <a:prstGeom prst="rect">
+            <a:avLst/>
+          </a:prstGeom>
+          <a:noFill/>
+        </p:spPr>
+        <p:txBody>
+          <a:bodyPr wrap="square" rtlCol="0">
+            <a:spAutoFit/>
+          </a:bodyPr>
+          <a:lstStyle/>
+          <a:p>
+            <a:r>
+              <a:rPr lang="en-US" dirty="0"/>
+              <a:t>Implementation</a:t>
+            </a:r>
+          </a:p>
+        </p:txBody>
+      </p:sp>
+    </p:spTree>
+    <p:extLst>
+      <p:ext uri="{BB962C8B-B14F-4D97-AF65-F5344CB8AC3E}">
+        <p14:creationId xmlns:p14="http://schemas.microsoft.com/office/powerpoint/2010/main" val="3558361389"/>
+      </p:ext>
+    </p:extLst>
+  </p:cSld>
+  <p:clrMapOvr>
+    <a:masterClrMapping/>
+  </p:clrMapOvr>
+</p:sld>
+</file>
+
+<file path=ppt/slides/slide5.xml><?xml version="1.0" encoding="utf-8"?>
+<p:sld xmlns:a="http://schemas.openxmlformats.org/drawingml/2006/main" xmlns:r="http://schemas.openxmlformats.org/officeDocument/2006/relationships" xmlns:p="http://schemas.openxmlformats.org/presentationml/2006/main">
+  <p:cSld>
+    <p:spTree>
+      <p:nvGrpSpPr>
+        <p:cNvPr id="1" name=""/>
+        <p:cNvGrpSpPr/>
+        <p:nvPr/>
+      </p:nvGrpSpPr>
+      <p:grpSpPr>
+        <a:xfrm>
+          <a:off x="0" y="0"/>
+          <a:ext cx="0" cy="0"/>
+          <a:chOff x="0" y="0"/>
+          <a:chExt cx="0" cy="0"/>
+        </a:xfrm>
+      </p:grpSpPr>
+      <p:sp>
+        <p:nvSpPr>
+          <p:cNvPr id="2" name="Title 1">
+            <a:extLst>
+              <a:ext uri="{FF2B5EF4-FFF2-40B4-BE49-F238E27FC236}">
+                <a16:creationId xmlns:a16="http://schemas.microsoft.com/office/drawing/2014/main" id="{E6C37368-88AA-4491-B54F-32490B51AADC}"/>
+              </a:ext>
+            </a:extLst>
+          </p:cNvPr>
+          <p:cNvSpPr>
+            <a:spLocks noGrp="1"/>
+          </p:cNvSpPr>
+          <p:nvPr>
+            <p:ph type="title"/>
+          </p:nvPr>
+        </p:nvSpPr>
+        <p:spPr/>
+        <p:txBody>
+          <a:bodyPr/>
+          <a:lstStyle/>
+          <a:p>
+            <a:r>
+              <a:rPr lang="en-US" dirty="0"/>
+              <a:t>Quiz</a:t>
+            </a:r>
+          </a:p>
+        </p:txBody>
+      </p:sp>
+      <p:sp>
+        <p:nvSpPr>
+          <p:cNvPr id="3" name="Content Placeholder 2">
+            <a:extLst>
+              <a:ext uri="{FF2B5EF4-FFF2-40B4-BE49-F238E27FC236}">
+                <a16:creationId xmlns:a16="http://schemas.microsoft.com/office/drawing/2014/main" id="{554E0C60-9DCA-4F1C-8A96-4A8BB267E64E}"/>
+              </a:ext>
+            </a:extLst>
+          </p:cNvPr>
+          <p:cNvSpPr>
+            <a:spLocks noGrp="1"/>
+          </p:cNvSpPr>
+          <p:nvPr>
+            <p:ph idx="1"/>
+          </p:nvPr>
+        </p:nvSpPr>
+        <p:spPr>
+          <a:xfrm>
+            <a:off x="1141412" y="2249487"/>
+            <a:ext cx="9905999" cy="746376"/>
+          </a:xfrm>
+        </p:spPr>
+        <p:txBody>
+          <a:bodyPr/>
+          <a:lstStyle/>
+          <a:p>
+            <a:r>
+              <a:rPr lang="en-US" dirty="0"/>
+              <a:t>What are the two hierarchies in the Bridge Design Pattern?</a:t>
+            </a:r>
+          </a:p>
+          <a:p>
+            <a:endParaRPr lang="en-US" dirty="0"/>
+          </a:p>
+          <a:p>
+            <a:pPr marL="0" indent="0">
+              <a:buNone/>
+            </a:pPr>
+            <a:endParaRPr lang="en-US" dirty="0"/>
+          </a:p>
+        </p:txBody>
+      </p:sp>
+      <p:sp>
+        <p:nvSpPr>
+          <p:cNvPr id="4" name="Content Placeholder 2">
+            <a:extLst>
+              <a:ext uri="{FF2B5EF4-FFF2-40B4-BE49-F238E27FC236}">
+                <a16:creationId xmlns:a16="http://schemas.microsoft.com/office/drawing/2014/main" id="{D2F81A7F-2594-4399-837A-0ED31259951C}"/>
+              </a:ext>
+            </a:extLst>
+          </p:cNvPr>
+          <p:cNvSpPr txBox="1">
+            <a:spLocks/>
+          </p:cNvSpPr>
+          <p:nvPr/>
+        </p:nvSpPr>
+        <p:spPr>
+          <a:xfrm>
+            <a:off x="1141412" y="3429000"/>
+            <a:ext cx="9905999" cy="746376"/>
+          </a:xfrm>
+          <a:prstGeom prst="rect">
+            <a:avLst/>
+          </a:prstGeom>
+        </p:spPr>
+        <p:txBody>
+          <a:bodyPr vert="horz" lIns="91440" tIns="45720" rIns="91440" bIns="45720" rtlCol="0">
+            <a:normAutofit/>
+          </a:bodyPr>
+          <a:lstStyle>
+            <a:lvl1pPr marL="228600" indent="-228600" algn="l" defTabSz="914400" rtl="0" eaLnBrk="1" latinLnBrk="0" hangingPunct="1">
+              <a:lnSpc>
+                <a:spcPct val="120000"/>
+              </a:lnSpc>
+              <a:spcBef>
+                <a:spcPts val="1000"/>
+              </a:spcBef>
+              <a:buSzPct val="125000"/>
+              <a:buFont typeface="Arial" panose="020B0604020202020204" pitchFamily="34" charset="0"/>
+              <a:buChar char="•"/>
+              <a:defRPr sz="2400" kern="1200">
+                <a:solidFill>
+                  <a:schemeClr val="tx1"/>
+                </a:solidFill>
+                <a:latin typeface="+mn-lt"/>
+                <a:ea typeface="+mn-ea"/>
+                <a:cs typeface="+mn-cs"/>
+              </a:defRPr>
+            </a:lvl1pPr>
+            <a:lvl2pPr marL="685800" indent="-228600" algn="l" defTabSz="914400" rtl="0" eaLnBrk="1" latinLnBrk="0" hangingPunct="1">
+              <a:lnSpc>
+                <a:spcPct val="120000"/>
+              </a:lnSpc>
+              <a:spcBef>
+                <a:spcPts val="500"/>
+              </a:spcBef>
+              <a:buSzPct val="125000"/>
+              <a:buFont typeface="Arial" panose="020B0604020202020204" pitchFamily="34" charset="0"/>
+              <a:buChar char="•"/>
+              <a:defRPr sz="2000" kern="1200">
+                <a:solidFill>
+                  <a:schemeClr val="tx1"/>
+                </a:solidFill>
+                <a:latin typeface="+mn-lt"/>
+                <a:ea typeface="+mn-ea"/>
+                <a:cs typeface="+mn-cs"/>
+              </a:defRPr>
+            </a:lvl2pPr>
+            <a:lvl3pPr marL="1143000" indent="-228600" algn="l" defTabSz="914400" rtl="0" eaLnBrk="1" latinLnBrk="0" hangingPunct="1">
+              <a:lnSpc>
+                <a:spcPct val="120000"/>
+              </a:lnSpc>
+              <a:spcBef>
+                <a:spcPts val="500"/>
+              </a:spcBef>
+              <a:buSzPct val="125000"/>
+              <a:buFont typeface="Arial" panose="020B0604020202020204" pitchFamily="34" charset="0"/>
+              <a:buChar char="•"/>
+              <a:defRPr sz="1800" kern="1200">
+                <a:solidFill>
+                  <a:schemeClr val="tx1"/>
+                </a:solidFill>
+                <a:latin typeface="+mn-lt"/>
+                <a:ea typeface="+mn-ea"/>
+                <a:cs typeface="+mn-cs"/>
+              </a:defRPr>
+            </a:lvl3pPr>
+            <a:lvl4pPr marL="1600200" indent="-228600" algn="l" defTabSz="914400" rtl="0" eaLnBrk="1" latinLnBrk="0" hangingPunct="1">
+              <a:lnSpc>
+                <a:spcPct val="120000"/>
+              </a:lnSpc>
+              <a:spcBef>
+                <a:spcPts val="500"/>
+              </a:spcBef>
+              <a:buSzPct val="125000"/>
+              <a:buFont typeface="Arial" panose="020B0604020202020204" pitchFamily="34" charset="0"/>
+              <a:buChar char="•"/>
+              <a:defRPr sz="1600" kern="1200">
+                <a:solidFill>
+                  <a:schemeClr val="tx1"/>
+                </a:solidFill>
+                <a:latin typeface="+mn-lt"/>
+                <a:ea typeface="+mn-ea"/>
+                <a:cs typeface="+mn-cs"/>
+              </a:defRPr>
+            </a:lvl4pPr>
+            <a:lvl5pPr marL="2057400" indent="-228600" algn="l" defTabSz="914400" rtl="0" eaLnBrk="1" latinLnBrk="0" hangingPunct="1">
+              <a:lnSpc>
+                <a:spcPct val="120000"/>
+              </a:lnSpc>
+              <a:spcBef>
+                <a:spcPts val="500"/>
+              </a:spcBef>
+              <a:buSzPct val="125000"/>
+              <a:buFont typeface="Arial" panose="020B0604020202020204" pitchFamily="34" charset="0"/>
+              <a:buChar char="•"/>
+              <a:defRPr sz="1600" kern="1200">
+                <a:solidFill>
+                  <a:schemeClr val="tx1"/>
+                </a:solidFill>
+                <a:latin typeface="+mn-lt"/>
+                <a:ea typeface="+mn-ea"/>
+                <a:cs typeface="+mn-cs"/>
+              </a:defRPr>
+            </a:lvl5pPr>
+            <a:lvl6pPr marL="2514600" indent="-228600" algn="l" defTabSz="914400" rtl="0" eaLnBrk="1" latinLnBrk="0" hangingPunct="1">
+              <a:lnSpc>
+                <a:spcPct val="120000"/>
+              </a:lnSpc>
+              <a:spcBef>
+                <a:spcPts val="500"/>
+              </a:spcBef>
+              <a:buSzPct val="125000"/>
+              <a:buFont typeface="Arial" panose="020B0604020202020204" pitchFamily="34" charset="0"/>
+              <a:buChar char="•"/>
+              <a:defRPr sz="1400" kern="1200">
+                <a:solidFill>
+                  <a:schemeClr val="tx1"/>
+                </a:solidFill>
+                <a:latin typeface="+mn-lt"/>
+                <a:ea typeface="+mn-ea"/>
+                <a:cs typeface="+mn-cs"/>
+              </a:defRPr>
+            </a:lvl6pPr>
+            <a:lvl7pPr marL="2971800" indent="-228600" algn="l" defTabSz="914400" rtl="0" eaLnBrk="1" latinLnBrk="0" hangingPunct="1">
+              <a:lnSpc>
+                <a:spcPct val="120000"/>
+              </a:lnSpc>
+              <a:spcBef>
+                <a:spcPts val="500"/>
+              </a:spcBef>
+              <a:buSzPct val="125000"/>
+              <a:buFont typeface="Arial" panose="020B0604020202020204" pitchFamily="34" charset="0"/>
+              <a:buChar char="•"/>
+              <a:defRPr sz="1400" kern="1200">
+                <a:solidFill>
+                  <a:schemeClr val="tx1"/>
+                </a:solidFill>
+                <a:latin typeface="+mn-lt"/>
+                <a:ea typeface="+mn-ea"/>
+                <a:cs typeface="+mn-cs"/>
+              </a:defRPr>
+            </a:lvl7pPr>
+            <a:lvl8pPr marL="3429000" indent="-228600" algn="l" defTabSz="914400" rtl="0" eaLnBrk="1" latinLnBrk="0" hangingPunct="1">
+              <a:lnSpc>
+                <a:spcPct val="120000"/>
+              </a:lnSpc>
+              <a:spcBef>
+                <a:spcPts val="500"/>
+              </a:spcBef>
+              <a:buSzPct val="125000"/>
+              <a:buFont typeface="Arial" panose="020B0604020202020204" pitchFamily="34" charset="0"/>
+              <a:buChar char="•"/>
+              <a:defRPr sz="1400" kern="1200">
+                <a:solidFill>
+                  <a:schemeClr val="tx1"/>
+                </a:solidFill>
+                <a:latin typeface="+mn-lt"/>
+                <a:ea typeface="+mn-ea"/>
+                <a:cs typeface="+mn-cs"/>
+              </a:defRPr>
+            </a:lvl8pPr>
+            <a:lvl9pPr marL="3886200" indent="-228600" algn="l" defTabSz="914400" rtl="0" eaLnBrk="1" latinLnBrk="0" hangingPunct="1">
+              <a:lnSpc>
+                <a:spcPct val="120000"/>
+              </a:lnSpc>
+              <a:spcBef>
+                <a:spcPts val="500"/>
+              </a:spcBef>
+              <a:buSzPct val="125000"/>
+              <a:buFont typeface="Arial" panose="020B0604020202020204" pitchFamily="34" charset="0"/>
+              <a:buChar char="•"/>
+              <a:defRPr sz="1400" kern="1200">
+                <a:solidFill>
+                  <a:schemeClr val="tx1"/>
+                </a:solidFill>
+                <a:latin typeface="+mn-lt"/>
+                <a:ea typeface="+mn-ea"/>
+                <a:cs typeface="+mn-cs"/>
+              </a:defRPr>
+            </a:lvl9pPr>
+          </a:lstStyle>
+          <a:p>
+            <a:r>
+              <a:rPr lang="en-US" dirty="0"/>
+              <a:t>Is the implementor class affected when a refined abstraction is added?</a:t>
+            </a:r>
+          </a:p>
+        </p:txBody>
+      </p:sp>
+      <p:sp>
+        <p:nvSpPr>
+          <p:cNvPr id="5" name="Content Placeholder 2">
+            <a:extLst>
+              <a:ext uri="{FF2B5EF4-FFF2-40B4-BE49-F238E27FC236}">
+                <a16:creationId xmlns:a16="http://schemas.microsoft.com/office/drawing/2014/main" id="{8CA8157C-DEBD-4459-9217-685FD2D3B2AA}"/>
+              </a:ext>
+            </a:extLst>
+          </p:cNvPr>
+          <p:cNvSpPr txBox="1">
+            <a:spLocks/>
+          </p:cNvSpPr>
+          <p:nvPr/>
+        </p:nvSpPr>
+        <p:spPr>
+          <a:xfrm>
+            <a:off x="1141412" y="4760495"/>
+            <a:ext cx="9905999" cy="746376"/>
+          </a:xfrm>
+          <a:prstGeom prst="rect">
+            <a:avLst/>
+          </a:prstGeom>
+        </p:spPr>
+        <p:txBody>
+          <a:bodyPr vert="horz" lIns="91440" tIns="45720" rIns="91440" bIns="45720" rtlCol="0">
+            <a:normAutofit/>
+          </a:bodyPr>
+          <a:lstStyle>
+            <a:lvl1pPr marL="228600" indent="-228600" algn="l" defTabSz="914400" rtl="0" eaLnBrk="1" latinLnBrk="0" hangingPunct="1">
+              <a:lnSpc>
+                <a:spcPct val="120000"/>
+              </a:lnSpc>
+              <a:spcBef>
+                <a:spcPts val="1000"/>
+              </a:spcBef>
+              <a:buSzPct val="125000"/>
+              <a:buFont typeface="Arial" panose="020B0604020202020204" pitchFamily="34" charset="0"/>
+              <a:buChar char="•"/>
+              <a:defRPr sz="2400" kern="1200">
+                <a:solidFill>
+                  <a:schemeClr val="tx1"/>
+                </a:solidFill>
+                <a:latin typeface="+mn-lt"/>
+                <a:ea typeface="+mn-ea"/>
+                <a:cs typeface="+mn-cs"/>
+              </a:defRPr>
+            </a:lvl1pPr>
+            <a:lvl2pPr marL="685800" indent="-228600" algn="l" defTabSz="914400" rtl="0" eaLnBrk="1" latinLnBrk="0" hangingPunct="1">
+              <a:lnSpc>
+                <a:spcPct val="120000"/>
+              </a:lnSpc>
+              <a:spcBef>
+                <a:spcPts val="500"/>
+              </a:spcBef>
+              <a:buSzPct val="125000"/>
+              <a:buFont typeface="Arial" panose="020B0604020202020204" pitchFamily="34" charset="0"/>
+              <a:buChar char="•"/>
+              <a:defRPr sz="2000" kern="1200">
+                <a:solidFill>
+                  <a:schemeClr val="tx1"/>
+                </a:solidFill>
+                <a:latin typeface="+mn-lt"/>
+                <a:ea typeface="+mn-ea"/>
+                <a:cs typeface="+mn-cs"/>
+              </a:defRPr>
+            </a:lvl2pPr>
+            <a:lvl3pPr marL="1143000" indent="-228600" algn="l" defTabSz="914400" rtl="0" eaLnBrk="1" latinLnBrk="0" hangingPunct="1">
+              <a:lnSpc>
+                <a:spcPct val="120000"/>
+              </a:lnSpc>
+              <a:spcBef>
+                <a:spcPts val="500"/>
+              </a:spcBef>
+              <a:buSzPct val="125000"/>
+              <a:buFont typeface="Arial" panose="020B0604020202020204" pitchFamily="34" charset="0"/>
+              <a:buChar char="•"/>
+              <a:defRPr sz="1800" kern="1200">
+                <a:solidFill>
+                  <a:schemeClr val="tx1"/>
+                </a:solidFill>
+                <a:latin typeface="+mn-lt"/>
+                <a:ea typeface="+mn-ea"/>
+                <a:cs typeface="+mn-cs"/>
+              </a:defRPr>
+            </a:lvl3pPr>
+            <a:lvl4pPr marL="1600200" indent="-228600" algn="l" defTabSz="914400" rtl="0" eaLnBrk="1" latinLnBrk="0" hangingPunct="1">
+              <a:lnSpc>
+                <a:spcPct val="120000"/>
+              </a:lnSpc>
+              <a:spcBef>
+                <a:spcPts val="500"/>
+              </a:spcBef>
+              <a:buSzPct val="125000"/>
+              <a:buFont typeface="Arial" panose="020B0604020202020204" pitchFamily="34" charset="0"/>
+              <a:buChar char="•"/>
+              <a:defRPr sz="1600" kern="1200">
+                <a:solidFill>
+                  <a:schemeClr val="tx1"/>
+                </a:solidFill>
+                <a:latin typeface="+mn-lt"/>
+                <a:ea typeface="+mn-ea"/>
+                <a:cs typeface="+mn-cs"/>
+              </a:defRPr>
+            </a:lvl4pPr>
+            <a:lvl5pPr marL="2057400" indent="-228600" algn="l" defTabSz="914400" rtl="0" eaLnBrk="1" latinLnBrk="0" hangingPunct="1">
+              <a:lnSpc>
+                <a:spcPct val="120000"/>
+              </a:lnSpc>
+              <a:spcBef>
+                <a:spcPts val="500"/>
+              </a:spcBef>
+              <a:buSzPct val="125000"/>
+              <a:buFont typeface="Arial" panose="020B0604020202020204" pitchFamily="34" charset="0"/>
+              <a:buChar char="•"/>
+              <a:defRPr sz="1600" kern="1200">
+                <a:solidFill>
+                  <a:schemeClr val="tx1"/>
+                </a:solidFill>
+                <a:latin typeface="+mn-lt"/>
+                <a:ea typeface="+mn-ea"/>
+                <a:cs typeface="+mn-cs"/>
+              </a:defRPr>
+            </a:lvl5pPr>
+            <a:lvl6pPr marL="2514600" indent="-228600" algn="l" defTabSz="914400" rtl="0" eaLnBrk="1" latinLnBrk="0" hangingPunct="1">
+              <a:lnSpc>
+                <a:spcPct val="120000"/>
+              </a:lnSpc>
+              <a:spcBef>
+                <a:spcPts val="500"/>
+              </a:spcBef>
+              <a:buSzPct val="125000"/>
+              <a:buFont typeface="Arial" panose="020B0604020202020204" pitchFamily="34" charset="0"/>
+              <a:buChar char="•"/>
+              <a:defRPr sz="1400" kern="1200">
+                <a:solidFill>
+                  <a:schemeClr val="tx1"/>
+                </a:solidFill>
+                <a:latin typeface="+mn-lt"/>
+                <a:ea typeface="+mn-ea"/>
+                <a:cs typeface="+mn-cs"/>
+              </a:defRPr>
+            </a:lvl6pPr>
+            <a:lvl7pPr marL="2971800" indent="-228600" algn="l" defTabSz="914400" rtl="0" eaLnBrk="1" latinLnBrk="0" hangingPunct="1">
+              <a:lnSpc>
+                <a:spcPct val="120000"/>
+              </a:lnSpc>
+              <a:spcBef>
+                <a:spcPts val="500"/>
+              </a:spcBef>
+              <a:buSzPct val="125000"/>
+              <a:buFont typeface="Arial" panose="020B0604020202020204" pitchFamily="34" charset="0"/>
+              <a:buChar char="•"/>
+              <a:defRPr sz="1400" kern="1200">
+                <a:solidFill>
+                  <a:schemeClr val="tx1"/>
+                </a:solidFill>
+                <a:latin typeface="+mn-lt"/>
+                <a:ea typeface="+mn-ea"/>
+                <a:cs typeface="+mn-cs"/>
+              </a:defRPr>
+            </a:lvl7pPr>
+            <a:lvl8pPr marL="3429000" indent="-228600" algn="l" defTabSz="914400" rtl="0" eaLnBrk="1" latinLnBrk="0" hangingPunct="1">
+              <a:lnSpc>
+                <a:spcPct val="120000"/>
+              </a:lnSpc>
+              <a:spcBef>
+                <a:spcPts val="500"/>
+              </a:spcBef>
+              <a:buSzPct val="125000"/>
+              <a:buFont typeface="Arial" panose="020B0604020202020204" pitchFamily="34" charset="0"/>
+              <a:buChar char="•"/>
+              <a:defRPr sz="1400" kern="1200">
+                <a:solidFill>
+                  <a:schemeClr val="tx1"/>
+                </a:solidFill>
+                <a:latin typeface="+mn-lt"/>
+                <a:ea typeface="+mn-ea"/>
+                <a:cs typeface="+mn-cs"/>
+              </a:defRPr>
+            </a:lvl8pPr>
+            <a:lvl9pPr marL="3886200" indent="-228600" algn="l" defTabSz="914400" rtl="0" eaLnBrk="1" latinLnBrk="0" hangingPunct="1">
+              <a:lnSpc>
+                <a:spcPct val="120000"/>
+              </a:lnSpc>
+              <a:spcBef>
+                <a:spcPts val="500"/>
+              </a:spcBef>
+              <a:buSzPct val="125000"/>
+              <a:buFont typeface="Arial" panose="020B0604020202020204" pitchFamily="34" charset="0"/>
+              <a:buChar char="•"/>
+              <a:defRPr sz="1400" kern="1200">
+                <a:solidFill>
+                  <a:schemeClr val="tx1"/>
+                </a:solidFill>
+                <a:latin typeface="+mn-lt"/>
+                <a:ea typeface="+mn-ea"/>
+                <a:cs typeface="+mn-cs"/>
+              </a:defRPr>
+            </a:lvl9pPr>
+          </a:lstStyle>
+          <a:p>
+            <a:r>
+              <a:rPr lang="en-US" dirty="0"/>
+              <a:t>Where is the highest level of functionality defined in this design pattern?</a:t>
+            </a:r>
+          </a:p>
+        </p:txBody>
+      </p:sp>
+    </p:spTree>
+    <p:extLst>
+      <p:ext uri="{BB962C8B-B14F-4D97-AF65-F5344CB8AC3E}">
+        <p14:creationId xmlns:p14="http://schemas.microsoft.com/office/powerpoint/2010/main" val="3092696445"/>
+      </p:ext>
+    </p:extLst>
+  </p:cSld>
+  <p:clrMapOvr>
+    <a:masterClrMapping/>
+  </p:clrMapOvr>
+</p:sld>
+</file>
+
+<file path=ppt/slides/slide6.xml><?xml version="1.0" encoding="utf-8"?>
+<p:sld xmlns:a="http://schemas.openxmlformats.org/drawingml/2006/main" xmlns:r="http://schemas.openxmlformats.org/officeDocument/2006/relationships" xmlns:p="http://schemas.openxmlformats.org/presentationml/2006/main">
+  <p:cSld>
+    <p:spTree>
+      <p:nvGrpSpPr>
+        <p:cNvPr id="1" name=""/>
+        <p:cNvGrpSpPr/>
+        <p:nvPr/>
+      </p:nvGrpSpPr>
+      <p:grpSpPr>
+        <a:xfrm>
+          <a:off x="0" y="0"/>
+          <a:ext cx="0" cy="0"/>
+          <a:chOff x="0" y="0"/>
+          <a:chExt cx="0" cy="0"/>
+        </a:xfrm>
+      </p:grpSpPr>
+      <p:sp>
+        <p:nvSpPr>
+          <p:cNvPr id="2" name="Title 1">
+            <a:extLst>
+              <a:ext uri="{FF2B5EF4-FFF2-40B4-BE49-F238E27FC236}">
                 <a16:creationId xmlns:a16="http://schemas.microsoft.com/office/drawing/2014/main" id="{4B9C64DE-E9C9-46BD-B5D8-BBBBE13F7243}"/>
               </a:ext>
             </a:extLst>
@@ -13531,7 +14709,7 @@
           <a:p>
             <a:r>
               <a:rPr lang="en-US" dirty="0">
-                <a:hlinkClick r:id="rId2"/>
+                <a:hlinkClick r:id="rId3"/>
               </a:rPr>
               <a:t>https://sourcemaking.com/design_patterns</a:t>
             </a:r>
@@ -13540,13 +14718,25 @@
           <a:p>
             <a:r>
               <a:rPr lang="en-US" dirty="0">
-                <a:hlinkClick r:id="rId3"/>
+                <a:hlinkClick r:id="rId4"/>
               </a:rPr>
-              <a:t>https://www.youtube.com/watch?v=9jIgSsIfh_8</a:t>
+              <a:t>https://www.geeksforgeeks.org/</a:t>
             </a:r>
-            <a:endParaRPr lang="en-US" dirty="0"/>
-          </a:p>
-          <a:p>
+            <a:r>
+              <a:rPr lang="en-US">
+                <a:hlinkClick r:id="rId4"/>
+              </a:rPr>
+              <a:t>bridge-design-pattern/</a:t>
+            </a:r>
+            <a:endParaRPr lang="en-US"/>
+          </a:p>
+          <a:p>
+            <a:r>
+              <a:rPr lang="en-US">
+                <a:hlinkClick r:id="rId5"/>
+              </a:rPr>
+              <a:t>https://refactoring.guru/design-patterns/bridge</a:t>
+            </a:r>
             <a:endParaRPr lang="en-US" dirty="0"/>
           </a:p>
         </p:txBody>

--- a/Design Patterns/Bridge Design Pattern.pptx
+++ b/Design Patterns/Bridge Design Pattern.pptx
@@ -202,7 +202,7 @@
           <a:p>
             <a:fld id="{D9223263-2300-4AC1-BB7E-FFDBA5CF77B2}" type="datetimeFigureOut">
               <a:rPr lang="en-US" smtClean="0"/>
-              <a:t>4/26/2019</a:t>
+              <a:t>4/30/2019</a:t>
             </a:fld>
             <a:endParaRPr lang="en-US"/>
           </a:p>
@@ -1088,7 +1088,7 @@
           <a:noFill/>
           <a:extLst>
             <a:ext uri="{909E8E84-426E-40dd-AFC4-6F175D3DCCD1}">
-              <a14:hiddenFill xmlns:a14="http://schemas.microsoft.com/office/drawing/2010/main" xmlns="">
+              <a14:hiddenFill xmlns="" xmlns:a14="http://schemas.microsoft.com/office/drawing/2010/main">
                 <a:solidFill>
                   <a:srgbClr val="FFFFFF"/>
                 </a:solidFill>
@@ -1147,7 +1147,7 @@
             </a:ln>
             <a:extLst>
               <a:ext uri="{91240B29-F687-4f45-9708-019B960494DF}">
-                <a14:hiddenLine xmlns:a14="http://schemas.microsoft.com/office/drawing/2010/main" xmlns="" w="9525">
+                <a14:hiddenLine xmlns="" xmlns:a14="http://schemas.microsoft.com/office/drawing/2010/main" w="9525">
                   <a:solidFill>
                     <a:srgbClr val="000000"/>
                   </a:solidFill>
@@ -1237,7 +1237,7 @@
             </a:ln>
             <a:extLst>
               <a:ext uri="{91240B29-F687-4f45-9708-019B960494DF}">
-                <a14:hiddenLine xmlns:a14="http://schemas.microsoft.com/office/drawing/2010/main" xmlns="" w="9525">
+                <a14:hiddenLine xmlns="" xmlns:a14="http://schemas.microsoft.com/office/drawing/2010/main" w="9525">
                   <a:solidFill>
                     <a:srgbClr val="000000"/>
                   </a:solidFill>
@@ -1327,7 +1327,7 @@
             </a:ln>
             <a:extLst>
               <a:ext uri="{91240B29-F687-4f45-9708-019B960494DF}">
-                <a14:hiddenLine xmlns:a14="http://schemas.microsoft.com/office/drawing/2010/main" xmlns="" w="9525">
+                <a14:hiddenLine xmlns="" xmlns:a14="http://schemas.microsoft.com/office/drawing/2010/main" w="9525">
                   <a:solidFill>
                     <a:srgbClr val="000000"/>
                   </a:solidFill>
@@ -1361,7 +1361,7 @@
             </a:ln>
             <a:extLst>
               <a:ext uri="{91240B29-F687-4f45-9708-019B960494DF}">
-                <a14:hiddenLine xmlns:a14="http://schemas.microsoft.com/office/drawing/2010/main" xmlns="" w="9525">
+                <a14:hiddenLine xmlns="" xmlns:a14="http://schemas.microsoft.com/office/drawing/2010/main" w="9525">
                   <a:solidFill>
                     <a:srgbClr val="000000"/>
                   </a:solidFill>
@@ -1451,7 +1451,7 @@
             </a:ln>
             <a:extLst>
               <a:ext uri="{91240B29-F687-4f45-9708-019B960494DF}">
-                <a14:hiddenLine xmlns:a14="http://schemas.microsoft.com/office/drawing/2010/main" xmlns="" w="9525">
+                <a14:hiddenLine xmlns="" xmlns:a14="http://schemas.microsoft.com/office/drawing/2010/main" w="9525">
                   <a:solidFill>
                     <a:srgbClr val="000000"/>
                   </a:solidFill>
@@ -1513,7 +1513,7 @@
             </a:ln>
             <a:extLst>
               <a:ext uri="{91240B29-F687-4f45-9708-019B960494DF}">
-                <a14:hiddenLine xmlns:a14="http://schemas.microsoft.com/office/drawing/2010/main" xmlns="" w="9525">
+                <a14:hiddenLine xmlns="" xmlns:a14="http://schemas.microsoft.com/office/drawing/2010/main" w="9525">
                   <a:solidFill>
                     <a:srgbClr val="000000"/>
                   </a:solidFill>
@@ -1575,7 +1575,7 @@
             </a:ln>
             <a:extLst>
               <a:ext uri="{91240B29-F687-4f45-9708-019B960494DF}">
-                <a14:hiddenLine xmlns:a14="http://schemas.microsoft.com/office/drawing/2010/main" xmlns="" w="9525">
+                <a14:hiddenLine xmlns="" xmlns:a14="http://schemas.microsoft.com/office/drawing/2010/main" w="9525">
                   <a:solidFill>
                     <a:srgbClr val="000000"/>
                   </a:solidFill>
@@ -1665,7 +1665,7 @@
             </a:ln>
             <a:extLst>
               <a:ext uri="{91240B29-F687-4f45-9708-019B960494DF}">
-                <a14:hiddenLine xmlns:a14="http://schemas.microsoft.com/office/drawing/2010/main" xmlns="" w="9525">
+                <a14:hiddenLine xmlns="" xmlns:a14="http://schemas.microsoft.com/office/drawing/2010/main" w="9525">
                   <a:solidFill>
                     <a:srgbClr val="000000"/>
                   </a:solidFill>
@@ -1727,7 +1727,7 @@
             </a:ln>
             <a:extLst>
               <a:ext uri="{91240B29-F687-4f45-9708-019B960494DF}">
-                <a14:hiddenLine xmlns:a14="http://schemas.microsoft.com/office/drawing/2010/main" xmlns="" w="9525">
+                <a14:hiddenLine xmlns="" xmlns:a14="http://schemas.microsoft.com/office/drawing/2010/main" w="9525">
                   <a:solidFill>
                     <a:srgbClr val="000000"/>
                   </a:solidFill>
@@ -1789,7 +1789,7 @@
             </a:ln>
             <a:extLst>
               <a:ext uri="{91240B29-F687-4f45-9708-019B960494DF}">
-                <a14:hiddenLine xmlns:a14="http://schemas.microsoft.com/office/drawing/2010/main" xmlns="" w="9525">
+                <a14:hiddenLine xmlns="" xmlns:a14="http://schemas.microsoft.com/office/drawing/2010/main" w="9525">
                   <a:solidFill>
                     <a:srgbClr val="000000"/>
                   </a:solidFill>
@@ -1879,7 +1879,7 @@
             </a:ln>
             <a:extLst>
               <a:ext uri="{91240B29-F687-4f45-9708-019B960494DF}">
-                <a14:hiddenLine xmlns:a14="http://schemas.microsoft.com/office/drawing/2010/main" xmlns="" w="9525">
+                <a14:hiddenLine xmlns="" xmlns:a14="http://schemas.microsoft.com/office/drawing/2010/main" w="9525">
                   <a:solidFill>
                     <a:srgbClr val="000000"/>
                   </a:solidFill>
@@ -1969,7 +1969,7 @@
             </a:ln>
             <a:extLst>
               <a:ext uri="{91240B29-F687-4f45-9708-019B960494DF}">
-                <a14:hiddenLine xmlns:a14="http://schemas.microsoft.com/office/drawing/2010/main" xmlns="" w="9525">
+                <a14:hiddenLine xmlns="" xmlns:a14="http://schemas.microsoft.com/office/drawing/2010/main" w="9525">
                   <a:solidFill>
                     <a:srgbClr val="000000"/>
                   </a:solidFill>
@@ -2031,7 +2031,7 @@
             </a:ln>
             <a:extLst>
               <a:ext uri="{91240B29-F687-4f45-9708-019B960494DF}">
-                <a14:hiddenLine xmlns:a14="http://schemas.microsoft.com/office/drawing/2010/main" xmlns="" w="9525">
+                <a14:hiddenLine xmlns="" xmlns:a14="http://schemas.microsoft.com/office/drawing/2010/main" w="9525">
                   <a:solidFill>
                     <a:srgbClr val="000000"/>
                   </a:solidFill>
@@ -2141,7 +2141,7 @@
             </a:ln>
             <a:extLst>
               <a:ext uri="{91240B29-F687-4f45-9708-019B960494DF}">
-                <a14:hiddenLine xmlns:a14="http://schemas.microsoft.com/office/drawing/2010/main" xmlns="" w="9525">
+                <a14:hiddenLine xmlns="" xmlns:a14="http://schemas.microsoft.com/office/drawing/2010/main" w="9525">
                   <a:solidFill>
                     <a:srgbClr val="000000"/>
                   </a:solidFill>
@@ -2203,7 +2203,7 @@
             </a:ln>
             <a:extLst>
               <a:ext uri="{91240B29-F687-4f45-9708-019B960494DF}">
-                <a14:hiddenLine xmlns:a14="http://schemas.microsoft.com/office/drawing/2010/main" xmlns="" w="9525">
+                <a14:hiddenLine xmlns="" xmlns:a14="http://schemas.microsoft.com/office/drawing/2010/main" w="9525">
                   <a:solidFill>
                     <a:srgbClr val="000000"/>
                   </a:solidFill>
@@ -2293,7 +2293,7 @@
             </a:ln>
             <a:extLst>
               <a:ext uri="{91240B29-F687-4f45-9708-019B960494DF}">
-                <a14:hiddenLine xmlns:a14="http://schemas.microsoft.com/office/drawing/2010/main" xmlns="" w="9525">
+                <a14:hiddenLine xmlns="" xmlns:a14="http://schemas.microsoft.com/office/drawing/2010/main" w="9525">
                   <a:solidFill>
                     <a:srgbClr val="000000"/>
                   </a:solidFill>
@@ -2383,7 +2383,7 @@
             </a:ln>
             <a:extLst>
               <a:ext uri="{91240B29-F687-4f45-9708-019B960494DF}">
-                <a14:hiddenLine xmlns:a14="http://schemas.microsoft.com/office/drawing/2010/main" xmlns="" w="9525">
+                <a14:hiddenLine xmlns="" xmlns:a14="http://schemas.microsoft.com/office/drawing/2010/main" w="9525">
                   <a:solidFill>
                     <a:srgbClr val="000000"/>
                   </a:solidFill>
@@ -2445,7 +2445,7 @@
             </a:ln>
             <a:extLst>
               <a:ext uri="{91240B29-F687-4f45-9708-019B960494DF}">
-                <a14:hiddenLine xmlns:a14="http://schemas.microsoft.com/office/drawing/2010/main" xmlns="" w="9525">
+                <a14:hiddenLine xmlns="" xmlns:a14="http://schemas.microsoft.com/office/drawing/2010/main" w="9525">
                   <a:solidFill>
                     <a:srgbClr val="000000"/>
                   </a:solidFill>
@@ -2535,7 +2535,7 @@
             </a:ln>
             <a:extLst>
               <a:ext uri="{91240B29-F687-4f45-9708-019B960494DF}">
-                <a14:hiddenLine xmlns:a14="http://schemas.microsoft.com/office/drawing/2010/main" xmlns="" w="9525">
+                <a14:hiddenLine xmlns="" xmlns:a14="http://schemas.microsoft.com/office/drawing/2010/main" w="9525">
                   <a:solidFill>
                     <a:srgbClr val="000000"/>
                   </a:solidFill>
@@ -2625,7 +2625,7 @@
             </a:ln>
             <a:extLst>
               <a:ext uri="{91240B29-F687-4f45-9708-019B960494DF}">
-                <a14:hiddenLine xmlns:a14="http://schemas.microsoft.com/office/drawing/2010/main" xmlns="" w="9525">
+                <a14:hiddenLine xmlns="" xmlns:a14="http://schemas.microsoft.com/office/drawing/2010/main" w="9525">
                   <a:solidFill>
                     <a:srgbClr val="000000"/>
                   </a:solidFill>
@@ -2681,7 +2681,7 @@
             </a:ln>
             <a:extLst>
               <a:ext uri="{91240B29-F687-4f45-9708-019B960494DF}">
-                <a14:hiddenLine xmlns:a14="http://schemas.microsoft.com/office/drawing/2010/main" xmlns="" w="9525">
+                <a14:hiddenLine xmlns="" xmlns:a14="http://schemas.microsoft.com/office/drawing/2010/main" w="9525">
                   <a:solidFill>
                     <a:srgbClr val="000000"/>
                   </a:solidFill>
@@ -2771,7 +2771,7 @@
             </a:ln>
             <a:extLst>
               <a:ext uri="{91240B29-F687-4f45-9708-019B960494DF}">
-                <a14:hiddenLine xmlns:a14="http://schemas.microsoft.com/office/drawing/2010/main" xmlns="" w="9525">
+                <a14:hiddenLine xmlns="" xmlns:a14="http://schemas.microsoft.com/office/drawing/2010/main" w="9525">
                   <a:solidFill>
                     <a:srgbClr val="000000"/>
                   </a:solidFill>
@@ -2827,7 +2827,7 @@
             </a:ln>
             <a:extLst>
               <a:ext uri="{91240B29-F687-4f45-9708-019B960494DF}">
-                <a14:hiddenLine xmlns:a14="http://schemas.microsoft.com/office/drawing/2010/main" xmlns="" w="9525">
+                <a14:hiddenLine xmlns="" xmlns:a14="http://schemas.microsoft.com/office/drawing/2010/main" w="9525">
                   <a:solidFill>
                     <a:srgbClr val="000000"/>
                   </a:solidFill>
@@ -2917,7 +2917,7 @@
             </a:ln>
             <a:extLst>
               <a:ext uri="{91240B29-F687-4f45-9708-019B960494DF}">
-                <a14:hiddenLine xmlns:a14="http://schemas.microsoft.com/office/drawing/2010/main" xmlns="" w="9525">
+                <a14:hiddenLine xmlns="" xmlns:a14="http://schemas.microsoft.com/office/drawing/2010/main" w="9525">
                   <a:solidFill>
                     <a:srgbClr val="000000"/>
                   </a:solidFill>
@@ -2985,7 +2985,7 @@
             </a:ln>
             <a:extLst>
               <a:ext uri="{91240B29-F687-4f45-9708-019B960494DF}">
-                <a14:hiddenLine xmlns:a14="http://schemas.microsoft.com/office/drawing/2010/main" xmlns="" w="9525">
+                <a14:hiddenLine xmlns="" xmlns:a14="http://schemas.microsoft.com/office/drawing/2010/main" w="9525">
                   <a:solidFill>
                     <a:srgbClr val="000000"/>
                   </a:solidFill>
@@ -3075,7 +3075,7 @@
             </a:ln>
             <a:extLst>
               <a:ext uri="{91240B29-F687-4f45-9708-019B960494DF}">
-                <a14:hiddenLine xmlns:a14="http://schemas.microsoft.com/office/drawing/2010/main" xmlns="" w="9525">
+                <a14:hiddenLine xmlns="" xmlns:a14="http://schemas.microsoft.com/office/drawing/2010/main" w="9525">
                   <a:solidFill>
                     <a:srgbClr val="000000"/>
                   </a:solidFill>
@@ -3143,7 +3143,7 @@
             </a:ln>
             <a:extLst>
               <a:ext uri="{91240B29-F687-4f45-9708-019B960494DF}">
-                <a14:hiddenLine xmlns:a14="http://schemas.microsoft.com/office/drawing/2010/main" xmlns="" w="9525">
+                <a14:hiddenLine xmlns="" xmlns:a14="http://schemas.microsoft.com/office/drawing/2010/main" w="9525">
                   <a:solidFill>
                     <a:srgbClr val="000000"/>
                   </a:solidFill>
@@ -3233,7 +3233,7 @@
             </a:ln>
             <a:extLst>
               <a:ext uri="{91240B29-F687-4f45-9708-019B960494DF}">
-                <a14:hiddenLine xmlns:a14="http://schemas.microsoft.com/office/drawing/2010/main" xmlns="" w="9525">
+                <a14:hiddenLine xmlns="" xmlns:a14="http://schemas.microsoft.com/office/drawing/2010/main" w="9525">
                   <a:solidFill>
                     <a:srgbClr val="000000"/>
                   </a:solidFill>
@@ -3267,7 +3267,7 @@
             </a:ln>
             <a:extLst>
               <a:ext uri="{91240B29-F687-4f45-9708-019B960494DF}">
-                <a14:hiddenLine xmlns:a14="http://schemas.microsoft.com/office/drawing/2010/main" xmlns="" w="9525">
+                <a14:hiddenLine xmlns="" xmlns:a14="http://schemas.microsoft.com/office/drawing/2010/main" w="9525">
                   <a:solidFill>
                     <a:srgbClr val="000000"/>
                   </a:solidFill>
@@ -3357,7 +3357,7 @@
             </a:ln>
             <a:extLst>
               <a:ext uri="{91240B29-F687-4f45-9708-019B960494DF}">
-                <a14:hiddenLine xmlns:a14="http://schemas.microsoft.com/office/drawing/2010/main" xmlns="" w="9525">
+                <a14:hiddenLine xmlns="" xmlns:a14="http://schemas.microsoft.com/office/drawing/2010/main" w="9525">
                   <a:solidFill>
                     <a:srgbClr val="000000"/>
                   </a:solidFill>
@@ -3419,7 +3419,7 @@
             </a:ln>
             <a:extLst>
               <a:ext uri="{91240B29-F687-4f45-9708-019B960494DF}">
-                <a14:hiddenLine xmlns:a14="http://schemas.microsoft.com/office/drawing/2010/main" xmlns="" w="9525">
+                <a14:hiddenLine xmlns="" xmlns:a14="http://schemas.microsoft.com/office/drawing/2010/main" w="9525">
                   <a:solidFill>
                     <a:srgbClr val="000000"/>
                   </a:solidFill>
@@ -3481,7 +3481,7 @@
             </a:ln>
             <a:extLst>
               <a:ext uri="{91240B29-F687-4f45-9708-019B960494DF}">
-                <a14:hiddenLine xmlns:a14="http://schemas.microsoft.com/office/drawing/2010/main" xmlns="" w="9525">
+                <a14:hiddenLine xmlns="" xmlns:a14="http://schemas.microsoft.com/office/drawing/2010/main" w="9525">
                   <a:solidFill>
                     <a:srgbClr val="000000"/>
                   </a:solidFill>
@@ -3571,7 +3571,7 @@
             </a:ln>
             <a:extLst>
               <a:ext uri="{91240B29-F687-4f45-9708-019B960494DF}">
-                <a14:hiddenLine xmlns:a14="http://schemas.microsoft.com/office/drawing/2010/main" xmlns="" w="9525">
+                <a14:hiddenLine xmlns="" xmlns:a14="http://schemas.microsoft.com/office/drawing/2010/main" w="9525">
                   <a:solidFill>
                     <a:srgbClr val="000000"/>
                   </a:solidFill>
@@ -3639,7 +3639,7 @@
             </a:ln>
             <a:extLst>
               <a:ext uri="{91240B29-F687-4f45-9708-019B960494DF}">
-                <a14:hiddenLine xmlns:a14="http://schemas.microsoft.com/office/drawing/2010/main" xmlns="" w="9525">
+                <a14:hiddenLine xmlns="" xmlns:a14="http://schemas.microsoft.com/office/drawing/2010/main" w="9525">
                   <a:solidFill>
                     <a:srgbClr val="000000"/>
                   </a:solidFill>
@@ -3701,7 +3701,7 @@
             </a:ln>
             <a:extLst>
               <a:ext uri="{91240B29-F687-4f45-9708-019B960494DF}">
-                <a14:hiddenLine xmlns:a14="http://schemas.microsoft.com/office/drawing/2010/main" xmlns="" w="9525">
+                <a14:hiddenLine xmlns="" xmlns:a14="http://schemas.microsoft.com/office/drawing/2010/main" w="9525">
                   <a:solidFill>
                     <a:srgbClr val="000000"/>
                   </a:solidFill>
@@ -3791,7 +3791,7 @@
             </a:ln>
             <a:extLst>
               <a:ext uri="{91240B29-F687-4f45-9708-019B960494DF}">
-                <a14:hiddenLine xmlns:a14="http://schemas.microsoft.com/office/drawing/2010/main" xmlns="" w="9525">
+                <a14:hiddenLine xmlns="" xmlns:a14="http://schemas.microsoft.com/office/drawing/2010/main" w="9525">
                   <a:solidFill>
                     <a:srgbClr val="000000"/>
                   </a:solidFill>
@@ -3853,7 +3853,7 @@
             </a:ln>
             <a:extLst>
               <a:ext uri="{91240B29-F687-4f45-9708-019B960494DF}">
-                <a14:hiddenLine xmlns:a14="http://schemas.microsoft.com/office/drawing/2010/main" xmlns="" w="9525">
+                <a14:hiddenLine xmlns="" xmlns:a14="http://schemas.microsoft.com/office/drawing/2010/main" w="9525">
                   <a:solidFill>
                     <a:srgbClr val="000000"/>
                   </a:solidFill>
@@ -3943,7 +3943,7 @@
             </a:ln>
             <a:extLst>
               <a:ext uri="{91240B29-F687-4f45-9708-019B960494DF}">
-                <a14:hiddenLine xmlns:a14="http://schemas.microsoft.com/office/drawing/2010/main" xmlns="" w="9525">
+                <a14:hiddenLine xmlns="" xmlns:a14="http://schemas.microsoft.com/office/drawing/2010/main" w="9525">
                   <a:solidFill>
                     <a:srgbClr val="000000"/>
                   </a:solidFill>
@@ -4005,7 +4005,7 @@
             </a:ln>
             <a:extLst>
               <a:ext uri="{91240B29-F687-4f45-9708-019B960494DF}">
-                <a14:hiddenLine xmlns:a14="http://schemas.microsoft.com/office/drawing/2010/main" xmlns="" w="9525">
+                <a14:hiddenLine xmlns="" xmlns:a14="http://schemas.microsoft.com/office/drawing/2010/main" w="9525">
                   <a:solidFill>
                     <a:srgbClr val="000000"/>
                   </a:solidFill>
@@ -4095,7 +4095,7 @@
             </a:ln>
             <a:extLst>
               <a:ext uri="{91240B29-F687-4f45-9708-019B960494DF}">
-                <a14:hiddenLine xmlns:a14="http://schemas.microsoft.com/office/drawing/2010/main" xmlns="" w="9525">
+                <a14:hiddenLine xmlns="" xmlns:a14="http://schemas.microsoft.com/office/drawing/2010/main" w="9525">
                   <a:solidFill>
                     <a:srgbClr val="000000"/>
                   </a:solidFill>
@@ -4129,7 +4129,7 @@
             </a:ln>
             <a:extLst>
               <a:ext uri="{91240B29-F687-4f45-9708-019B960494DF}">
-                <a14:hiddenLine xmlns:a14="http://schemas.microsoft.com/office/drawing/2010/main" xmlns="" w="9525">
+                <a14:hiddenLine xmlns="" xmlns:a14="http://schemas.microsoft.com/office/drawing/2010/main" w="9525">
                   <a:solidFill>
                     <a:srgbClr val="000000"/>
                   </a:solidFill>
@@ -4194,7 +4194,7 @@
             </a:ln>
             <a:extLst>
               <a:ext uri="{91240B29-F687-4f45-9708-019B960494DF}">
-                <a14:hiddenLine xmlns:a14="http://schemas.microsoft.com/office/drawing/2010/main" xmlns="" w="9525">
+                <a14:hiddenLine xmlns="" xmlns:a14="http://schemas.microsoft.com/office/drawing/2010/main" w="9525">
                   <a:solidFill>
                     <a:srgbClr val="000000"/>
                   </a:solidFill>
@@ -4284,7 +4284,7 @@
             </a:ln>
             <a:extLst>
               <a:ext uri="{91240B29-F687-4f45-9708-019B960494DF}">
-                <a14:hiddenLine xmlns:a14="http://schemas.microsoft.com/office/drawing/2010/main" xmlns="" w="9525">
+                <a14:hiddenLine xmlns="" xmlns:a14="http://schemas.microsoft.com/office/drawing/2010/main" w="9525">
                   <a:solidFill>
                     <a:srgbClr val="000000"/>
                   </a:solidFill>
@@ -4346,7 +4346,7 @@
             </a:ln>
             <a:extLst>
               <a:ext uri="{91240B29-F687-4f45-9708-019B960494DF}">
-                <a14:hiddenLine xmlns:a14="http://schemas.microsoft.com/office/drawing/2010/main" xmlns="" w="9525">
+                <a14:hiddenLine xmlns="" xmlns:a14="http://schemas.microsoft.com/office/drawing/2010/main" w="9525">
                   <a:solidFill>
                     <a:srgbClr val="000000"/>
                   </a:solidFill>
@@ -4436,7 +4436,7 @@
             </a:ln>
             <a:extLst>
               <a:ext uri="{91240B29-F687-4f45-9708-019B960494DF}">
-                <a14:hiddenLine xmlns:a14="http://schemas.microsoft.com/office/drawing/2010/main" xmlns="" w="9525">
+                <a14:hiddenLine xmlns="" xmlns:a14="http://schemas.microsoft.com/office/drawing/2010/main" w="9525">
                   <a:solidFill>
                     <a:srgbClr val="000000"/>
                   </a:solidFill>
@@ -4526,7 +4526,7 @@
             </a:ln>
             <a:extLst>
               <a:ext uri="{91240B29-F687-4f45-9708-019B960494DF}">
-                <a14:hiddenLine xmlns:a14="http://schemas.microsoft.com/office/drawing/2010/main" xmlns="" w="9525">
+                <a14:hiddenLine xmlns="" xmlns:a14="http://schemas.microsoft.com/office/drawing/2010/main" w="9525">
                   <a:solidFill>
                     <a:srgbClr val="000000"/>
                   </a:solidFill>
@@ -4591,7 +4591,7 @@
             </a:ln>
             <a:extLst>
               <a:ext uri="{91240B29-F687-4f45-9708-019B960494DF}">
-                <a14:hiddenLine xmlns:a14="http://schemas.microsoft.com/office/drawing/2010/main" xmlns="" w="9525">
+                <a14:hiddenLine xmlns="" xmlns:a14="http://schemas.microsoft.com/office/drawing/2010/main" w="9525">
                   <a:solidFill>
                     <a:srgbClr val="000000"/>
                   </a:solidFill>
@@ -4653,7 +4653,7 @@
             </a:ln>
             <a:extLst>
               <a:ext uri="{91240B29-F687-4f45-9708-019B960494DF}">
-                <a14:hiddenLine xmlns:a14="http://schemas.microsoft.com/office/drawing/2010/main" xmlns="" w="9525">
+                <a14:hiddenLine xmlns="" xmlns:a14="http://schemas.microsoft.com/office/drawing/2010/main" w="9525">
                   <a:solidFill>
                     <a:srgbClr val="000000"/>
                   </a:solidFill>
@@ -4743,7 +4743,7 @@
             </a:ln>
             <a:extLst>
               <a:ext uri="{91240B29-F687-4f45-9708-019B960494DF}">
-                <a14:hiddenLine xmlns:a14="http://schemas.microsoft.com/office/drawing/2010/main" xmlns="" w="9525">
+                <a14:hiddenLine xmlns="" xmlns:a14="http://schemas.microsoft.com/office/drawing/2010/main" w="9525">
                   <a:solidFill>
                     <a:srgbClr val="000000"/>
                   </a:solidFill>
@@ -4833,7 +4833,7 @@
             </a:ln>
             <a:extLst>
               <a:ext uri="{91240B29-F687-4f45-9708-019B960494DF}">
-                <a14:hiddenLine xmlns:a14="http://schemas.microsoft.com/office/drawing/2010/main" xmlns="" w="9525">
+                <a14:hiddenLine xmlns="" xmlns:a14="http://schemas.microsoft.com/office/drawing/2010/main" w="9525">
                   <a:solidFill>
                     <a:srgbClr val="000000"/>
                   </a:solidFill>
@@ -4895,7 +4895,7 @@
             </a:ln>
             <a:extLst>
               <a:ext uri="{91240B29-F687-4f45-9708-019B960494DF}">
-                <a14:hiddenLine xmlns:a14="http://schemas.microsoft.com/office/drawing/2010/main" xmlns="" w="9525">
+                <a14:hiddenLine xmlns="" xmlns:a14="http://schemas.microsoft.com/office/drawing/2010/main" w="9525">
                   <a:solidFill>
                     <a:srgbClr val="000000"/>
                   </a:solidFill>
@@ -5015,7 +5015,7 @@
             </a:ln>
             <a:extLst>
               <a:ext uri="{91240B29-F687-4f45-9708-019B960494DF}">
-                <a14:hiddenLine xmlns:a14="http://schemas.microsoft.com/office/drawing/2010/main" xmlns="" w="9525">
+                <a14:hiddenLine xmlns="" xmlns:a14="http://schemas.microsoft.com/office/drawing/2010/main" w="9525">
                   <a:solidFill>
                     <a:srgbClr val="000000"/>
                   </a:solidFill>
@@ -5083,7 +5083,7 @@
             </a:ln>
             <a:extLst>
               <a:ext uri="{91240B29-F687-4f45-9708-019B960494DF}">
-                <a14:hiddenLine xmlns:a14="http://schemas.microsoft.com/office/drawing/2010/main" xmlns="" w="9525">
+                <a14:hiddenLine xmlns="" xmlns:a14="http://schemas.microsoft.com/office/drawing/2010/main" w="9525">
                   <a:solidFill>
                     <a:srgbClr val="000000"/>
                   </a:solidFill>
@@ -5173,7 +5173,7 @@
             </a:ln>
             <a:extLst>
               <a:ext uri="{91240B29-F687-4f45-9708-019B960494DF}">
-                <a14:hiddenLine xmlns:a14="http://schemas.microsoft.com/office/drawing/2010/main" xmlns="" w="9525">
+                <a14:hiddenLine xmlns="" xmlns:a14="http://schemas.microsoft.com/office/drawing/2010/main" w="9525">
                   <a:solidFill>
                     <a:srgbClr val="000000"/>
                   </a:solidFill>
@@ -5313,7 +5313,7 @@
           <a:p>
             <a:fld id="{48A87A34-81AB-432B-8DAE-1953F412C126}" type="datetimeFigureOut">
               <a:rPr lang="en-US" dirty="0"/>
-              <a:t>4/26/2019</a:t>
+              <a:t>4/30/2019</a:t>
             </a:fld>
             <a:endParaRPr lang="en-US" dirty="0"/>
           </a:p>
@@ -5575,7 +5575,7 @@
           <a:p>
             <a:fld id="{48A87A34-81AB-432B-8DAE-1953F412C126}" type="datetimeFigureOut">
               <a:rPr lang="en-US" dirty="0"/>
-              <a:t>4/26/2019</a:t>
+              <a:t>4/30/2019</a:t>
             </a:fld>
             <a:endParaRPr lang="en-US" dirty="0"/>
           </a:p>
@@ -5766,7 +5766,7 @@
           <a:p>
             <a:fld id="{48A87A34-81AB-432B-8DAE-1953F412C126}" type="datetimeFigureOut">
               <a:rPr lang="en-US" dirty="0"/>
-              <a:t>4/26/2019</a:t>
+              <a:t>4/30/2019</a:t>
             </a:fld>
             <a:endParaRPr lang="en-US" dirty="0"/>
           </a:p>
@@ -6024,7 +6024,7 @@
           <a:p>
             <a:fld id="{48A87A34-81AB-432B-8DAE-1953F412C126}" type="datetimeFigureOut">
               <a:rPr lang="en-US" dirty="0"/>
-              <a:t>4/26/2019</a:t>
+              <a:t>4/30/2019</a:t>
             </a:fld>
             <a:endParaRPr lang="en-US" dirty="0"/>
           </a:p>
@@ -6453,7 +6453,7 @@
           <a:p>
             <a:fld id="{48A87A34-81AB-432B-8DAE-1953F412C126}" type="datetimeFigureOut">
               <a:rPr lang="en-US" dirty="0"/>
-              <a:t>4/26/2019</a:t>
+              <a:t>4/30/2019</a:t>
             </a:fld>
             <a:endParaRPr lang="en-US" dirty="0"/>
           </a:p>
@@ -6994,7 +6994,7 @@
           <a:p>
             <a:fld id="{48A87A34-81AB-432B-8DAE-1953F412C126}" type="datetimeFigureOut">
               <a:rPr lang="en-US" dirty="0"/>
-              <a:t>4/26/2019</a:t>
+              <a:t>4/30/2019</a:t>
             </a:fld>
             <a:endParaRPr lang="en-US" dirty="0"/>
           </a:p>
@@ -7709,7 +7709,7 @@
           <a:p>
             <a:fld id="{48A87A34-81AB-432B-8DAE-1953F412C126}" type="datetimeFigureOut">
               <a:rPr lang="en-US" dirty="0"/>
-              <a:t>4/26/2019</a:t>
+              <a:t>4/30/2019</a:t>
             </a:fld>
             <a:endParaRPr lang="en-US" dirty="0"/>
           </a:p>
@@ -7874,7 +7874,7 @@
           <a:p>
             <a:fld id="{48A87A34-81AB-432B-8DAE-1953F412C126}" type="datetimeFigureOut">
               <a:rPr lang="en-US" dirty="0"/>
-              <a:t>4/26/2019</a:t>
+              <a:t>4/30/2019</a:t>
             </a:fld>
             <a:endParaRPr lang="en-US" dirty="0"/>
           </a:p>
@@ -8049,7 +8049,7 @@
           <a:p>
             <a:fld id="{48A87A34-81AB-432B-8DAE-1953F412C126}" type="datetimeFigureOut">
               <a:rPr lang="en-US" dirty="0"/>
-              <a:t>4/26/2019</a:t>
+              <a:t>4/30/2019</a:t>
             </a:fld>
             <a:endParaRPr lang="en-US" dirty="0"/>
           </a:p>
@@ -8214,7 +8214,7 @@
           <a:p>
             <a:fld id="{48A87A34-81AB-432B-8DAE-1953F412C126}" type="datetimeFigureOut">
               <a:rPr lang="en-US" dirty="0"/>
-              <a:t>4/26/2019</a:t>
+              <a:t>4/30/2019</a:t>
             </a:fld>
             <a:endParaRPr lang="en-US" dirty="0"/>
           </a:p>
@@ -8459,7 +8459,7 @@
           <a:p>
             <a:fld id="{48A87A34-81AB-432B-8DAE-1953F412C126}" type="datetimeFigureOut">
               <a:rPr lang="en-US" dirty="0"/>
-              <a:t>4/26/2019</a:t>
+              <a:t>4/30/2019</a:t>
             </a:fld>
             <a:endParaRPr lang="en-US" dirty="0"/>
           </a:p>
@@ -8686,7 +8686,7 @@
           <a:p>
             <a:fld id="{48A87A34-81AB-432B-8DAE-1953F412C126}" type="datetimeFigureOut">
               <a:rPr lang="en-US" dirty="0"/>
-              <a:t>4/26/2019</a:t>
+              <a:t>4/30/2019</a:t>
             </a:fld>
             <a:endParaRPr lang="en-US" dirty="0"/>
           </a:p>
@@ -9062,7 +9062,7 @@
           <a:p>
             <a:fld id="{48A87A34-81AB-432B-8DAE-1953F412C126}" type="datetimeFigureOut">
               <a:rPr lang="en-US" dirty="0"/>
-              <a:t>4/26/2019</a:t>
+              <a:t>4/30/2019</a:t>
             </a:fld>
             <a:endParaRPr lang="en-US" dirty="0"/>
           </a:p>
@@ -9175,7 +9175,7 @@
           <a:p>
             <a:fld id="{48A87A34-81AB-432B-8DAE-1953F412C126}" type="datetimeFigureOut">
               <a:rPr lang="en-US" dirty="0"/>
-              <a:t>4/26/2019</a:t>
+              <a:t>4/30/2019</a:t>
             </a:fld>
             <a:endParaRPr lang="en-US" dirty="0"/>
           </a:p>
@@ -9265,7 +9265,7 @@
           <a:p>
             <a:fld id="{48A87A34-81AB-432B-8DAE-1953F412C126}" type="datetimeFigureOut">
               <a:rPr lang="en-US" dirty="0"/>
-              <a:t>4/26/2019</a:t>
+              <a:t>4/30/2019</a:t>
             </a:fld>
             <a:endParaRPr lang="en-US" dirty="0"/>
           </a:p>
@@ -9509,7 +9509,7 @@
           <a:p>
             <a:fld id="{48A87A34-81AB-432B-8DAE-1953F412C126}" type="datetimeFigureOut">
               <a:rPr lang="en-US" dirty="0"/>
-              <a:t>4/26/2019</a:t>
+              <a:t>4/30/2019</a:t>
             </a:fld>
             <a:endParaRPr lang="en-US" dirty="0"/>
           </a:p>
@@ -9784,7 +9784,7 @@
           <a:p>
             <a:fld id="{48A87A34-81AB-432B-8DAE-1953F412C126}" type="datetimeFigureOut">
               <a:rPr lang="en-US" dirty="0"/>
-              <a:t>4/26/2019</a:t>
+              <a:t>4/30/2019</a:t>
             </a:fld>
             <a:endParaRPr lang="en-US" dirty="0"/>
           </a:p>
@@ -9902,7 +9902,7 @@
           <a:noFill/>
           <a:extLst>
             <a:ext uri="{909E8E84-426E-40dd-AFC4-6F175D3DCCD1}">
-              <a14:hiddenFill xmlns:a14="http://schemas.microsoft.com/office/drawing/2010/main" xmlns="">
+              <a14:hiddenFill xmlns="" xmlns:a14="http://schemas.microsoft.com/office/drawing/2010/main">
                 <a:solidFill>
                   <a:srgbClr val="FFFFFF"/>
                 </a:solidFill>
@@ -9976,7 +9976,7 @@
               </a:ln>
               <a:extLst>
                 <a:ext uri="{91240B29-F687-4f45-9708-019B960494DF}">
-                  <a14:hiddenLine xmlns:a14="http://schemas.microsoft.com/office/drawing/2010/main" xmlns="" w="9525">
+                  <a14:hiddenLine xmlns="" xmlns:a14="http://schemas.microsoft.com/office/drawing/2010/main" w="9525">
                     <a:solidFill>
                       <a:srgbClr val="000000"/>
                     </a:solidFill>
@@ -10066,7 +10066,7 @@
               </a:ln>
               <a:extLst>
                 <a:ext uri="{91240B29-F687-4f45-9708-019B960494DF}">
-                  <a14:hiddenLine xmlns:a14="http://schemas.microsoft.com/office/drawing/2010/main" xmlns="" w="9525">
+                  <a14:hiddenLine xmlns="" xmlns:a14="http://schemas.microsoft.com/office/drawing/2010/main" w="9525">
                     <a:solidFill>
                       <a:srgbClr val="000000"/>
                     </a:solidFill>
@@ -10156,7 +10156,7 @@
               </a:ln>
               <a:extLst>
                 <a:ext uri="{91240B29-F687-4f45-9708-019B960494DF}">
-                  <a14:hiddenLine xmlns:a14="http://schemas.microsoft.com/office/drawing/2010/main" xmlns="" w="9525">
+                  <a14:hiddenLine xmlns="" xmlns:a14="http://schemas.microsoft.com/office/drawing/2010/main" w="9525">
                     <a:solidFill>
                       <a:srgbClr val="000000"/>
                     </a:solidFill>
@@ -10218,7 +10218,7 @@
               </a:ln>
               <a:extLst>
                 <a:ext uri="{91240B29-F687-4f45-9708-019B960494DF}">
-                  <a14:hiddenLine xmlns:a14="http://schemas.microsoft.com/office/drawing/2010/main" xmlns="" w="9525">
+                  <a14:hiddenLine xmlns="" xmlns:a14="http://schemas.microsoft.com/office/drawing/2010/main" w="9525">
                     <a:solidFill>
                       <a:srgbClr val="000000"/>
                     </a:solidFill>
@@ -10308,7 +10308,7 @@
               </a:ln>
               <a:extLst>
                 <a:ext uri="{91240B29-F687-4f45-9708-019B960494DF}">
-                  <a14:hiddenLine xmlns:a14="http://schemas.microsoft.com/office/drawing/2010/main" xmlns="" w="9525">
+                  <a14:hiddenLine xmlns="" xmlns:a14="http://schemas.microsoft.com/office/drawing/2010/main" w="9525">
                     <a:solidFill>
                       <a:srgbClr val="000000"/>
                     </a:solidFill>
@@ -10370,7 +10370,7 @@
               </a:ln>
               <a:extLst>
                 <a:ext uri="{91240B29-F687-4f45-9708-019B960494DF}">
-                  <a14:hiddenLine xmlns:a14="http://schemas.microsoft.com/office/drawing/2010/main" xmlns="" w="9525">
+                  <a14:hiddenLine xmlns="" xmlns:a14="http://schemas.microsoft.com/office/drawing/2010/main" w="9525">
                     <a:solidFill>
                       <a:srgbClr val="000000"/>
                     </a:solidFill>
@@ -10432,7 +10432,7 @@
               </a:ln>
               <a:extLst>
                 <a:ext uri="{91240B29-F687-4f45-9708-019B960494DF}">
-                  <a14:hiddenLine xmlns:a14="http://schemas.microsoft.com/office/drawing/2010/main" xmlns="" w="9525">
+                  <a14:hiddenLine xmlns="" xmlns:a14="http://schemas.microsoft.com/office/drawing/2010/main" w="9525">
                     <a:solidFill>
                       <a:srgbClr val="000000"/>
                     </a:solidFill>
@@ -10522,7 +10522,7 @@
               </a:ln>
               <a:extLst>
                 <a:ext uri="{91240B29-F687-4f45-9708-019B960494DF}">
-                  <a14:hiddenLine xmlns:a14="http://schemas.microsoft.com/office/drawing/2010/main" xmlns="" w="9525">
+                  <a14:hiddenLine xmlns="" xmlns:a14="http://schemas.microsoft.com/office/drawing/2010/main" w="9525">
                     <a:solidFill>
                       <a:srgbClr val="000000"/>
                     </a:solidFill>
@@ -10612,7 +10612,7 @@
               </a:ln>
               <a:extLst>
                 <a:ext uri="{91240B29-F687-4f45-9708-019B960494DF}">
-                  <a14:hiddenLine xmlns:a14="http://schemas.microsoft.com/office/drawing/2010/main" xmlns="" w="9525">
+                  <a14:hiddenLine xmlns="" xmlns:a14="http://schemas.microsoft.com/office/drawing/2010/main" w="9525">
                     <a:solidFill>
                       <a:srgbClr val="000000"/>
                     </a:solidFill>
@@ -10674,7 +10674,7 @@
               </a:ln>
               <a:extLst>
                 <a:ext uri="{91240B29-F687-4f45-9708-019B960494DF}">
-                  <a14:hiddenLine xmlns:a14="http://schemas.microsoft.com/office/drawing/2010/main" xmlns="" w="9525">
+                  <a14:hiddenLine xmlns="" xmlns:a14="http://schemas.microsoft.com/office/drawing/2010/main" w="9525">
                     <a:solidFill>
                       <a:srgbClr val="000000"/>
                     </a:solidFill>
@@ -10784,7 +10784,7 @@
               </a:ln>
               <a:extLst>
                 <a:ext uri="{91240B29-F687-4f45-9708-019B960494DF}">
-                  <a14:hiddenLine xmlns:a14="http://schemas.microsoft.com/office/drawing/2010/main" xmlns="" w="9525">
+                  <a14:hiddenLine xmlns="" xmlns:a14="http://schemas.microsoft.com/office/drawing/2010/main" w="9525">
                     <a:solidFill>
                       <a:srgbClr val="000000"/>
                     </a:solidFill>
@@ -10868,7 +10868,7 @@
               </a:ln>
               <a:extLst>
                 <a:ext uri="{91240B29-F687-4f45-9708-019B960494DF}">
-                  <a14:hiddenLine xmlns:a14="http://schemas.microsoft.com/office/drawing/2010/main" xmlns="" w="9525">
+                  <a14:hiddenLine xmlns="" xmlns:a14="http://schemas.microsoft.com/office/drawing/2010/main" w="9525">
                     <a:solidFill>
                       <a:srgbClr val="000000"/>
                     </a:solidFill>
@@ -10930,7 +10930,7 @@
               </a:ln>
               <a:extLst>
                 <a:ext uri="{91240B29-F687-4f45-9708-019B960494DF}">
-                  <a14:hiddenLine xmlns:a14="http://schemas.microsoft.com/office/drawing/2010/main" xmlns="" w="9525">
+                  <a14:hiddenLine xmlns="" xmlns:a14="http://schemas.microsoft.com/office/drawing/2010/main" w="9525">
                     <a:solidFill>
                       <a:srgbClr val="000000"/>
                     </a:solidFill>
@@ -10992,7 +10992,7 @@
               </a:ln>
               <a:extLst>
                 <a:ext uri="{91240B29-F687-4f45-9708-019B960494DF}">
-                  <a14:hiddenLine xmlns:a14="http://schemas.microsoft.com/office/drawing/2010/main" xmlns="" w="9525">
+                  <a14:hiddenLine xmlns="" xmlns:a14="http://schemas.microsoft.com/office/drawing/2010/main" w="9525">
                     <a:solidFill>
                       <a:srgbClr val="000000"/>
                     </a:solidFill>
@@ -11082,7 +11082,7 @@
               </a:ln>
               <a:extLst>
                 <a:ext uri="{91240B29-F687-4f45-9708-019B960494DF}">
-                  <a14:hiddenLine xmlns:a14="http://schemas.microsoft.com/office/drawing/2010/main" xmlns="" w="9525">
+                  <a14:hiddenLine xmlns="" xmlns:a14="http://schemas.microsoft.com/office/drawing/2010/main" w="9525">
                     <a:solidFill>
                       <a:srgbClr val="000000"/>
                     </a:solidFill>
@@ -11116,7 +11116,7 @@
               </a:ln>
               <a:extLst>
                 <a:ext uri="{91240B29-F687-4f45-9708-019B960494DF}">
-                  <a14:hiddenLine xmlns:a14="http://schemas.microsoft.com/office/drawing/2010/main" xmlns="" w="9525">
+                  <a14:hiddenLine xmlns="" xmlns:a14="http://schemas.microsoft.com/office/drawing/2010/main" w="9525">
                     <a:solidFill>
                       <a:srgbClr val="000000"/>
                     </a:solidFill>
@@ -11181,7 +11181,7 @@
               </a:ln>
               <a:extLst>
                 <a:ext uri="{91240B29-F687-4f45-9708-019B960494DF}">
-                  <a14:hiddenLine xmlns:a14="http://schemas.microsoft.com/office/drawing/2010/main" xmlns="" w="9525">
+                  <a14:hiddenLine xmlns="" xmlns:a14="http://schemas.microsoft.com/office/drawing/2010/main" w="9525">
                     <a:solidFill>
                       <a:srgbClr val="000000"/>
                     </a:solidFill>
@@ -11271,7 +11271,7 @@
               </a:ln>
               <a:extLst>
                 <a:ext uri="{91240B29-F687-4f45-9708-019B960494DF}">
-                  <a14:hiddenLine xmlns:a14="http://schemas.microsoft.com/office/drawing/2010/main" xmlns="" w="9525">
+                  <a14:hiddenLine xmlns="" xmlns:a14="http://schemas.microsoft.com/office/drawing/2010/main" w="9525">
                     <a:solidFill>
                       <a:srgbClr val="000000"/>
                     </a:solidFill>
@@ -11333,7 +11333,7 @@
               </a:ln>
               <a:extLst>
                 <a:ext uri="{91240B29-F687-4f45-9708-019B960494DF}">
-                  <a14:hiddenLine xmlns:a14="http://schemas.microsoft.com/office/drawing/2010/main" xmlns="" w="9525">
+                  <a14:hiddenLine xmlns="" xmlns:a14="http://schemas.microsoft.com/office/drawing/2010/main" w="9525">
                     <a:solidFill>
                       <a:srgbClr val="000000"/>
                     </a:solidFill>
@@ -11423,7 +11423,7 @@
               </a:ln>
               <a:extLst>
                 <a:ext uri="{91240B29-F687-4f45-9708-019B960494DF}">
-                  <a14:hiddenLine xmlns:a14="http://schemas.microsoft.com/office/drawing/2010/main" xmlns="" w="9525">
+                  <a14:hiddenLine xmlns="" xmlns:a14="http://schemas.microsoft.com/office/drawing/2010/main" w="9525">
                     <a:solidFill>
                       <a:srgbClr val="000000"/>
                     </a:solidFill>
@@ -11488,7 +11488,7 @@
               </a:ln>
               <a:extLst>
                 <a:ext uri="{91240B29-F687-4f45-9708-019B960494DF}">
-                  <a14:hiddenLine xmlns:a14="http://schemas.microsoft.com/office/drawing/2010/main" xmlns="" w="9525">
+                  <a14:hiddenLine xmlns="" xmlns:a14="http://schemas.microsoft.com/office/drawing/2010/main" w="9525">
                     <a:solidFill>
                       <a:srgbClr val="000000"/>
                     </a:solidFill>
@@ -11550,7 +11550,7 @@
               </a:ln>
               <a:extLst>
                 <a:ext uri="{91240B29-F687-4f45-9708-019B960494DF}">
-                  <a14:hiddenLine xmlns:a14="http://schemas.microsoft.com/office/drawing/2010/main" xmlns="" w="9525">
+                  <a14:hiddenLine xmlns="" xmlns:a14="http://schemas.microsoft.com/office/drawing/2010/main" w="9525">
                     <a:solidFill>
                       <a:srgbClr val="000000"/>
                     </a:solidFill>
@@ -11640,7 +11640,7 @@
               </a:ln>
               <a:extLst>
                 <a:ext uri="{91240B29-F687-4f45-9708-019B960494DF}">
-                  <a14:hiddenLine xmlns:a14="http://schemas.microsoft.com/office/drawing/2010/main" xmlns="" w="9525">
+                  <a14:hiddenLine xmlns="" xmlns:a14="http://schemas.microsoft.com/office/drawing/2010/main" w="9525">
                     <a:solidFill>
                       <a:srgbClr val="000000"/>
                     </a:solidFill>
@@ -11730,7 +11730,7 @@
               </a:ln>
               <a:extLst>
                 <a:ext uri="{91240B29-F687-4f45-9708-019B960494DF}">
-                  <a14:hiddenLine xmlns:a14="http://schemas.microsoft.com/office/drawing/2010/main" xmlns="" w="9525">
+                  <a14:hiddenLine xmlns="" xmlns:a14="http://schemas.microsoft.com/office/drawing/2010/main" w="9525">
                     <a:solidFill>
                       <a:srgbClr val="000000"/>
                     </a:solidFill>
@@ -11795,7 +11795,7 @@
               </a:ln>
               <a:extLst>
                 <a:ext uri="{91240B29-F687-4f45-9708-019B960494DF}">
-                  <a14:hiddenLine xmlns:a14="http://schemas.microsoft.com/office/drawing/2010/main" xmlns="" w="9525">
+                  <a14:hiddenLine xmlns="" xmlns:a14="http://schemas.microsoft.com/office/drawing/2010/main" w="9525">
                     <a:solidFill>
                       <a:srgbClr val="000000"/>
                     </a:solidFill>
@@ -11915,7 +11915,7 @@
               </a:ln>
               <a:extLst>
                 <a:ext uri="{91240B29-F687-4f45-9708-019B960494DF}">
-                  <a14:hiddenLine xmlns:a14="http://schemas.microsoft.com/office/drawing/2010/main" xmlns="" w="9525">
+                  <a14:hiddenLine xmlns="" xmlns:a14="http://schemas.microsoft.com/office/drawing/2010/main" w="9525">
                     <a:solidFill>
                       <a:srgbClr val="000000"/>
                     </a:solidFill>
@@ -11996,7 +11996,7 @@
               </a:ln>
               <a:extLst>
                 <a:ext uri="{91240B29-F687-4f45-9708-019B960494DF}">
-                  <a14:hiddenLine xmlns:a14="http://schemas.microsoft.com/office/drawing/2010/main" xmlns="" w="9525">
+                  <a14:hiddenLine xmlns="" xmlns:a14="http://schemas.microsoft.com/office/drawing/2010/main" w="9525">
                     <a:solidFill>
                       <a:srgbClr val="000000"/>
                     </a:solidFill>
@@ -12111,7 +12111,7 @@
               </a:ln>
               <a:extLst>
                 <a:ext uri="{91240B29-F687-4f45-9708-019B960494DF}">
-                  <a14:hiddenLine xmlns:a14="http://schemas.microsoft.com/office/drawing/2010/main" xmlns="" w="9525">
+                  <a14:hiddenLine xmlns="" xmlns:a14="http://schemas.microsoft.com/office/drawing/2010/main" w="9525">
                     <a:solidFill>
                       <a:srgbClr val="000000"/>
                     </a:solidFill>
@@ -12201,7 +12201,7 @@
               </a:ln>
               <a:extLst>
                 <a:ext uri="{91240B29-F687-4f45-9708-019B960494DF}">
-                  <a14:hiddenLine xmlns:a14="http://schemas.microsoft.com/office/drawing/2010/main" xmlns="" w="9525">
+                  <a14:hiddenLine xmlns="" xmlns:a14="http://schemas.microsoft.com/office/drawing/2010/main" w="9525">
                     <a:solidFill>
                       <a:srgbClr val="000000"/>
                     </a:solidFill>
@@ -12266,7 +12266,7 @@
               </a:ln>
               <a:extLst>
                 <a:ext uri="{91240B29-F687-4f45-9708-019B960494DF}">
-                  <a14:hiddenLine xmlns:a14="http://schemas.microsoft.com/office/drawing/2010/main" xmlns="" w="9525">
+                  <a14:hiddenLine xmlns="" xmlns:a14="http://schemas.microsoft.com/office/drawing/2010/main" w="9525">
                     <a:solidFill>
                       <a:srgbClr val="000000"/>
                     </a:solidFill>
@@ -12356,7 +12356,7 @@
               </a:ln>
               <a:extLst>
                 <a:ext uri="{91240B29-F687-4f45-9708-019B960494DF}">
-                  <a14:hiddenLine xmlns:a14="http://schemas.microsoft.com/office/drawing/2010/main" xmlns="" w="9525">
+                  <a14:hiddenLine xmlns="" xmlns:a14="http://schemas.microsoft.com/office/drawing/2010/main" w="9525">
                     <a:solidFill>
                       <a:srgbClr val="000000"/>
                     </a:solidFill>
@@ -12424,7 +12424,7 @@
               </a:ln>
               <a:extLst>
                 <a:ext uri="{91240B29-F687-4f45-9708-019B960494DF}">
-                  <a14:hiddenLine xmlns:a14="http://schemas.microsoft.com/office/drawing/2010/main" xmlns="" w="9525">
+                  <a14:hiddenLine xmlns="" xmlns:a14="http://schemas.microsoft.com/office/drawing/2010/main" w="9525">
                     <a:solidFill>
                       <a:srgbClr val="000000"/>
                     </a:solidFill>
@@ -12514,7 +12514,7 @@
               </a:ln>
               <a:extLst>
                 <a:ext uri="{91240B29-F687-4f45-9708-019B960494DF}">
-                  <a14:hiddenLine xmlns:a14="http://schemas.microsoft.com/office/drawing/2010/main" xmlns="" w="9525">
+                  <a14:hiddenLine xmlns="" xmlns:a14="http://schemas.microsoft.com/office/drawing/2010/main" w="9525">
                     <a:solidFill>
                       <a:srgbClr val="000000"/>
                     </a:solidFill>
@@ -12582,7 +12582,7 @@
               </a:ln>
               <a:extLst>
                 <a:ext uri="{91240B29-F687-4f45-9708-019B960494DF}">
-                  <a14:hiddenLine xmlns:a14="http://schemas.microsoft.com/office/drawing/2010/main" xmlns="" w="9525">
+                  <a14:hiddenLine xmlns="" xmlns:a14="http://schemas.microsoft.com/office/drawing/2010/main" w="9525">
                     <a:solidFill>
                       <a:srgbClr val="000000"/>
                     </a:solidFill>
@@ -12672,7 +12672,7 @@
               </a:ln>
               <a:extLst>
                 <a:ext uri="{91240B29-F687-4f45-9708-019B960494DF}">
-                  <a14:hiddenLine xmlns:a14="http://schemas.microsoft.com/office/drawing/2010/main" xmlns="" w="9525">
+                  <a14:hiddenLine xmlns="" xmlns:a14="http://schemas.microsoft.com/office/drawing/2010/main" w="9525">
                     <a:solidFill>
                       <a:srgbClr val="000000"/>
                     </a:solidFill>
@@ -12706,7 +12706,7 @@
               </a:ln>
               <a:extLst>
                 <a:ext uri="{91240B29-F687-4f45-9708-019B960494DF}">
-                  <a14:hiddenLine xmlns:a14="http://schemas.microsoft.com/office/drawing/2010/main" xmlns="" w="9525">
+                  <a14:hiddenLine xmlns="" xmlns:a14="http://schemas.microsoft.com/office/drawing/2010/main" w="9525">
                     <a:solidFill>
                       <a:srgbClr val="000000"/>
                     </a:solidFill>
@@ -12847,7 +12847,7 @@
             <a:fld id="{48A87A34-81AB-432B-8DAE-1953F412C126}" type="datetimeFigureOut">
               <a:rPr lang="en-US" dirty="0"/>
               <a:pPr/>
-              <a:t>4/26/2019</a:t>
+              <a:t>4/30/2019</a:t>
             </a:fld>
             <a:endParaRPr lang="en-US" dirty="0"/>
           </a:p>
@@ -14638,6 +14638,180 @@
   <p:clrMapOvr>
     <a:masterClrMapping/>
   </p:clrMapOvr>
+  <p:timing>
+    <p:tnLst>
+      <p:par>
+        <p:cTn id="1" dur="indefinite" restart="never" nodeType="tmRoot">
+          <p:childTnLst>
+            <p:seq concurrent="1" nextAc="seek">
+              <p:cTn id="2" dur="indefinite" nodeType="mainSeq">
+                <p:childTnLst>
+                  <p:par>
+                    <p:cTn id="3" fill="hold">
+                      <p:stCondLst>
+                        <p:cond delay="indefinite"/>
+                      </p:stCondLst>
+                      <p:childTnLst>
+                        <p:par>
+                          <p:cTn id="4" fill="hold">
+                            <p:stCondLst>
+                              <p:cond delay="0"/>
+                            </p:stCondLst>
+                            <p:childTnLst>
+                              <p:par>
+                                <p:cTn id="5" presetID="1" presetClass="entr" presetSubtype="0" fill="hold" grpId="0" nodeType="clickEffect">
+                                  <p:stCondLst>
+                                    <p:cond delay="0"/>
+                                  </p:stCondLst>
+                                  <p:childTnLst>
+                                    <p:set>
+                                      <p:cBhvr>
+                                        <p:cTn id="6" dur="1" fill="hold">
+                                          <p:stCondLst>
+                                            <p:cond delay="0"/>
+                                          </p:stCondLst>
+                                        </p:cTn>
+                                        <p:tgtEl>
+                                          <p:spTgt spid="3">
+                                            <p:txEl>
+                                              <p:pRg st="0" end="0"/>
+                                            </p:txEl>
+                                          </p:spTgt>
+                                        </p:tgtEl>
+                                        <p:attrNameLst>
+                                          <p:attrName>style.visibility</p:attrName>
+                                        </p:attrNameLst>
+                                      </p:cBhvr>
+                                      <p:to>
+                                        <p:strVal val="visible"/>
+                                      </p:to>
+                                    </p:set>
+                                  </p:childTnLst>
+                                </p:cTn>
+                              </p:par>
+                            </p:childTnLst>
+                          </p:cTn>
+                        </p:par>
+                      </p:childTnLst>
+                    </p:cTn>
+                  </p:par>
+                  <p:par>
+                    <p:cTn id="7" fill="hold">
+                      <p:stCondLst>
+                        <p:cond delay="indefinite"/>
+                      </p:stCondLst>
+                      <p:childTnLst>
+                        <p:par>
+                          <p:cTn id="8" fill="hold">
+                            <p:stCondLst>
+                              <p:cond delay="0"/>
+                            </p:stCondLst>
+                            <p:childTnLst>
+                              <p:par>
+                                <p:cTn id="9" presetID="1" presetClass="entr" presetSubtype="0" fill="hold" grpId="0" nodeType="clickEffect">
+                                  <p:stCondLst>
+                                    <p:cond delay="0"/>
+                                  </p:stCondLst>
+                                  <p:childTnLst>
+                                    <p:set>
+                                      <p:cBhvr>
+                                        <p:cTn id="10" dur="1" fill="hold">
+                                          <p:stCondLst>
+                                            <p:cond delay="0"/>
+                                          </p:stCondLst>
+                                        </p:cTn>
+                                        <p:tgtEl>
+                                          <p:spTgt spid="4"/>
+                                        </p:tgtEl>
+                                        <p:attrNameLst>
+                                          <p:attrName>style.visibility</p:attrName>
+                                        </p:attrNameLst>
+                                      </p:cBhvr>
+                                      <p:to>
+                                        <p:strVal val="visible"/>
+                                      </p:to>
+                                    </p:set>
+                                  </p:childTnLst>
+                                </p:cTn>
+                              </p:par>
+                            </p:childTnLst>
+                          </p:cTn>
+                        </p:par>
+                      </p:childTnLst>
+                    </p:cTn>
+                  </p:par>
+                  <p:par>
+                    <p:cTn id="11" fill="hold">
+                      <p:stCondLst>
+                        <p:cond delay="indefinite"/>
+                      </p:stCondLst>
+                      <p:childTnLst>
+                        <p:par>
+                          <p:cTn id="12" fill="hold">
+                            <p:stCondLst>
+                              <p:cond delay="0"/>
+                            </p:stCondLst>
+                            <p:childTnLst>
+                              <p:par>
+                                <p:cTn id="13" presetID="1" presetClass="entr" presetSubtype="0" fill="hold" grpId="0" nodeType="clickEffect">
+                                  <p:stCondLst>
+                                    <p:cond delay="0"/>
+                                  </p:stCondLst>
+                                  <p:childTnLst>
+                                    <p:set>
+                                      <p:cBhvr>
+                                        <p:cTn id="14" dur="1" fill="hold">
+                                          <p:stCondLst>
+                                            <p:cond delay="0"/>
+                                          </p:stCondLst>
+                                        </p:cTn>
+                                        <p:tgtEl>
+                                          <p:spTgt spid="5"/>
+                                        </p:tgtEl>
+                                        <p:attrNameLst>
+                                          <p:attrName>style.visibility</p:attrName>
+                                        </p:attrNameLst>
+                                      </p:cBhvr>
+                                      <p:to>
+                                        <p:strVal val="visible"/>
+                                      </p:to>
+                                    </p:set>
+                                  </p:childTnLst>
+                                </p:cTn>
+                              </p:par>
+                            </p:childTnLst>
+                          </p:cTn>
+                        </p:par>
+                      </p:childTnLst>
+                    </p:cTn>
+                  </p:par>
+                </p:childTnLst>
+              </p:cTn>
+              <p:prevCondLst>
+                <p:cond evt="onPrev" delay="0">
+                  <p:tgtEl>
+                    <p:sldTgt/>
+                  </p:tgtEl>
+                </p:cond>
+              </p:prevCondLst>
+              <p:nextCondLst>
+                <p:cond evt="onNext" delay="0">
+                  <p:tgtEl>
+                    <p:sldTgt/>
+                  </p:tgtEl>
+                </p:cond>
+              </p:nextCondLst>
+            </p:seq>
+          </p:childTnLst>
+        </p:cTn>
+      </p:par>
+    </p:tnLst>
+    <p:bldLst>
+      <p:bldP spid="3" grpId="0" build="p"/>
+      <p:bldP spid="4" grpId="0"/>
+      <p:bldP spid="5" grpId="0"/>
+    </p:bldLst>
+  </p:timing>
 </p:sld>
 </file>
 
